--- a/docs/wee02-lec01-jupyter notebook.pptx
+++ b/docs/wee02-lec01-jupyter notebook.pptx
@@ -23,6 +23,7 @@
     <p:sldId id="271" r:id="rId18"/>
     <p:sldId id="272" r:id="rId19"/>
     <p:sldId id="273" r:id="rId20"/>
+    <p:sldId id="274" r:id="rId21"/>
   </p:sldIdLst>
   <p:sldSz cx="10080625" cy="5670550"/>
   <p:notesSz cx="7559675" cy="10691812"/>
@@ -1664,7 +1665,7 @@
         <p:spPr>
           <a:xfrm>
             <a:off x="1463040" y="1005840"/>
-            <a:ext cx="7129080" cy="1642680"/>
+            <a:ext cx="7128720" cy="1642320"/>
           </a:xfrm>
           <a:custGeom>
             <a:avLst/>
@@ -1847,7 +1848,7 @@
         <p:spPr>
           <a:xfrm>
             <a:off x="2468880" y="3474720"/>
-            <a:ext cx="4385880" cy="1649520"/>
+            <a:ext cx="4385520" cy="1649160"/>
           </a:xfrm>
           <a:prstGeom prst="rect">
             <a:avLst/>
@@ -1992,7 +1993,7 @@
         <p:spPr>
           <a:xfrm>
             <a:off x="7947360" y="360"/>
-            <a:ext cx="2131200" cy="778680"/>
+            <a:ext cx="2130840" cy="778320"/>
           </a:xfrm>
           <a:prstGeom prst="rect">
             <a:avLst/>
@@ -2015,7 +2016,7 @@
         <p:spPr>
           <a:xfrm>
             <a:off x="0" y="360"/>
-            <a:ext cx="2192400" cy="666360"/>
+            <a:ext cx="2192040" cy="666000"/>
           </a:xfrm>
           <a:prstGeom prst="rect">
             <a:avLst/>
@@ -2057,7 +2058,7 @@
       </p:grpSpPr>
       <p:pic>
         <p:nvPicPr>
-          <p:cNvPr id="73" name="" descr=""/>
+          <p:cNvPr id="70" name="" descr=""/>
           <p:cNvPicPr/>
           <p:nvPr/>
         </p:nvPicPr>
@@ -2067,8 +2068,8 @@
         </p:blipFill>
         <p:spPr>
           <a:xfrm>
-            <a:off x="0" y="1554480"/>
-            <a:ext cx="10079280" cy="1927080"/>
+            <a:off x="0" y="1161720"/>
+            <a:ext cx="10078920" cy="2951640"/>
           </a:xfrm>
           <a:prstGeom prst="rect">
             <a:avLst/>
@@ -2080,14 +2081,14 @@
       </p:pic>
       <p:sp>
         <p:nvSpPr>
-          <p:cNvPr id="74" name="CustomShape 1"/>
+          <p:cNvPr id="71" name="CustomShape 1"/>
           <p:cNvSpPr/>
           <p:nvPr/>
         </p:nvSpPr>
         <p:spPr>
           <a:xfrm>
             <a:off x="0" y="0"/>
-            <a:ext cx="10076760" cy="728280"/>
+            <a:ext cx="10076400" cy="727920"/>
           </a:xfrm>
           <a:prstGeom prst="rect">
             <a:avLst/>
@@ -2126,7 +2127,7 @@
                 <a:latin typeface="arial"/>
                 <a:ea typeface="arial"/>
               </a:rPr>
-              <a:t>Meu primeiro arquivo Jupyter Notebook</a:t>
+              <a:t>Jupyter Notebook (tela de recepção)</a:t>
             </a:r>
             <a:endParaRPr b="0" lang="en-US" sz="2600" spc="-1" strike="noStrike">
               <a:latin typeface="Arial"/>
@@ -2136,14 +2137,14 @@
       </p:sp>
       <p:sp>
         <p:nvSpPr>
-          <p:cNvPr id="75" name="CustomShape 2"/>
+          <p:cNvPr id="72" name="CustomShape 2"/>
           <p:cNvSpPr/>
           <p:nvPr/>
         </p:nvSpPr>
         <p:spPr>
           <a:xfrm>
-            <a:off x="5935680" y="740160"/>
-            <a:ext cx="3345480" cy="594360"/>
+            <a:off x="7645320" y="776160"/>
+            <a:ext cx="2283480" cy="400320"/>
           </a:xfrm>
           <a:prstGeom prst="rect">
             <a:avLst/>
@@ -2179,7 +2180,7 @@
                 <a:latin typeface="arial"/>
                 <a:ea typeface="arial"/>
               </a:rPr>
-              <a:t>você entrou num arquivo em amiente ‘</a:t>
+              <a:t>clique em ‘</a:t>
             </a:r>
             <a:r>
               <a:rPr b="0" lang="en-US" sz="2200" spc="-1" strike="noStrike">
@@ -2192,7 +2193,7 @@
                 <a:latin typeface="arial"/>
                 <a:ea typeface="arial"/>
               </a:rPr>
-              <a:t>Python’</a:t>
+              <a:t>New’</a:t>
             </a:r>
             <a:endParaRPr b="0" lang="en-US" sz="2200" spc="-1" strike="noStrike">
               <a:latin typeface="Arial"/>
@@ -2202,14 +2203,14 @@
       </p:sp>
       <p:sp>
         <p:nvSpPr>
-          <p:cNvPr id="76" name="CustomShape 3"/>
+          <p:cNvPr id="73" name="CustomShape 3"/>
           <p:cNvSpPr/>
           <p:nvPr/>
         </p:nvSpPr>
         <p:spPr>
-          <a:xfrm flipH="1" rot="16159800">
-            <a:off x="8823600" y="1106280"/>
-            <a:ext cx="471960" cy="569880"/>
+          <a:xfrm flipH="1" rot="16095600">
+            <a:off x="9209160" y="1395000"/>
+            <a:ext cx="546120" cy="455760"/>
           </a:xfrm>
           <a:custGeom>
             <a:avLst/>
@@ -2271,14 +2272,14 @@
       </p:sp>
       <p:sp>
         <p:nvSpPr>
-          <p:cNvPr id="77" name="CustomShape 4"/>
+          <p:cNvPr id="74" name="CustomShape 4"/>
           <p:cNvSpPr/>
           <p:nvPr/>
         </p:nvSpPr>
         <p:spPr>
-          <a:xfrm flipH="1" rot="5457600">
-            <a:off x="1316520" y="1977120"/>
-            <a:ext cx="546480" cy="428760"/>
+          <a:xfrm flipH="1" rot="5400600">
+            <a:off x="1478520" y="3310560"/>
+            <a:ext cx="699120" cy="543240"/>
           </a:xfrm>
           <a:custGeom>
             <a:avLst/>
@@ -2340,14 +2341,14 @@
       </p:sp>
       <p:sp>
         <p:nvSpPr>
-          <p:cNvPr id="78" name="CustomShape 5"/>
+          <p:cNvPr id="75" name="CustomShape 5"/>
           <p:cNvSpPr/>
           <p:nvPr/>
         </p:nvSpPr>
         <p:spPr>
           <a:xfrm>
-            <a:off x="457200" y="822960"/>
-            <a:ext cx="4936680" cy="730440"/>
+            <a:off x="2377440" y="3291840"/>
+            <a:ext cx="3107520" cy="1187280"/>
           </a:xfrm>
           <a:prstGeom prst="rect">
             <a:avLst/>
@@ -2383,20 +2384,7 @@
                 <a:latin typeface="arial"/>
                 <a:ea typeface="arial"/>
               </a:rPr>
-              <a:t>O título está vazio, clique em ‘</a:t>
-            </a:r>
-            <a:r>
-              <a:rPr b="0" lang="en-US" sz="2200" spc="-1" strike="noStrike">
-                <a:solidFill>
-                  <a:srgbClr val="000000"/>
-                </a:solidFill>
-                <a:highlight>
-                  <a:srgbClr val="ffff00"/>
-                </a:highlight>
-                <a:latin typeface="arial"/>
-                <a:ea typeface="arial"/>
-              </a:rPr>
-              <a:t>untitled’ e edite: ‘week02_lec01_iniciando’</a:t>
+              <a:t>No meu caso, neste momento, esta pasta está vazia</a:t>
             </a:r>
             <a:endParaRPr b="0" lang="en-US" sz="2200" spc="-1" strike="noStrike">
               <a:latin typeface="Arial"/>
@@ -2406,14 +2394,14 @@
       </p:sp>
       <p:sp>
         <p:nvSpPr>
-          <p:cNvPr id="79" name="CustomShape 6"/>
+          <p:cNvPr id="76" name="CustomShape 6"/>
           <p:cNvSpPr/>
           <p:nvPr/>
         </p:nvSpPr>
         <p:spPr>
           <a:xfrm>
-            <a:off x="457200" y="3558960"/>
-            <a:ext cx="4936680" cy="730440"/>
+            <a:off x="5009760" y="2288160"/>
+            <a:ext cx="3381840" cy="400320"/>
           </a:xfrm>
           <a:prstGeom prst="rect">
             <a:avLst/>
@@ -2449,82 +2437,26 @@
                 <a:latin typeface="arial"/>
                 <a:ea typeface="arial"/>
               </a:rPr>
-              <a:t>também não existe nenhum comando editador por enquanto ….</a:t>
+              <a:t>e depois em ‘</a:t>
+            </a:r>
+            <a:r>
+              <a:rPr b="0" lang="en-US" sz="2200" spc="-1" strike="noStrike">
+                <a:solidFill>
+                  <a:srgbClr val="000000"/>
+                </a:solidFill>
+                <a:highlight>
+                  <a:srgbClr val="ffff00"/>
+                </a:highlight>
+                <a:latin typeface="arial"/>
+                <a:ea typeface="arial"/>
+              </a:rPr>
+              <a:t>Python 3’ →</a:t>
             </a:r>
             <a:endParaRPr b="0" lang="en-US" sz="2200" spc="-1" strike="noStrike">
               <a:latin typeface="Arial"/>
             </a:endParaRPr>
           </a:p>
         </p:txBody>
-      </p:sp>
-      <p:sp>
-        <p:nvSpPr>
-          <p:cNvPr id="80" name="CustomShape 7"/>
-          <p:cNvSpPr/>
-          <p:nvPr/>
-        </p:nvSpPr>
-        <p:spPr>
-          <a:xfrm flipH="1" flipV="1" rot="5383800">
-            <a:off x="5222520" y="3371040"/>
-            <a:ext cx="639000" cy="474120"/>
-          </a:xfrm>
-          <a:custGeom>
-            <a:avLst/>
-            <a:gdLst/>
-            <a:ahLst/>
-            <a:rect l="l" t="t" r="r" b="b"/>
-            <a:pathLst>
-              <a:path w="841" h="854">
-                <a:moveTo>
-                  <a:pt x="517" y="247"/>
-                </a:moveTo>
-                <a:lnTo>
-                  <a:pt x="517" y="415"/>
-                </a:lnTo>
-                <a:lnTo>
-                  <a:pt x="264" y="415"/>
-                </a:lnTo>
-                <a:lnTo>
-                  <a:pt x="264" y="0"/>
-                </a:lnTo>
-                <a:lnTo>
-                  <a:pt x="0" y="0"/>
-                </a:lnTo>
-                <a:lnTo>
-                  <a:pt x="0" y="680"/>
-                </a:lnTo>
-                <a:lnTo>
-                  <a:pt x="517" y="680"/>
-                </a:lnTo>
-                <a:lnTo>
-                  <a:pt x="517" y="854"/>
-                </a:lnTo>
-                <a:lnTo>
-                  <a:pt x="841" y="547"/>
-                </a:lnTo>
-                <a:lnTo>
-                  <a:pt x="517" y="247"/>
-                </a:lnTo>
-                <a:close/>
-              </a:path>
-            </a:pathLst>
-          </a:custGeom>
-          <a:solidFill>
-            <a:srgbClr val="729fcf"/>
-          </a:solidFill>
-          <a:ln w="9360">
-            <a:solidFill>
-              <a:srgbClr val="3465a4"/>
-            </a:solidFill>
-            <a:round/>
-          </a:ln>
-        </p:spPr>
-        <p:style>
-          <a:lnRef idx="0"/>
-          <a:fillRef idx="0"/>
-          <a:effectRef idx="0"/>
-          <a:fontRef idx="minor"/>
-        </p:style>
       </p:sp>
     </p:spTree>
   </p:cSld>
@@ -2558,7 +2490,7 @@
       </p:grpSpPr>
       <p:pic>
         <p:nvPicPr>
-          <p:cNvPr id="81" name="" descr=""/>
+          <p:cNvPr id="77" name="" descr=""/>
           <p:cNvPicPr/>
           <p:nvPr/>
         </p:nvPicPr>
@@ -2568,8 +2500,8 @@
         </p:blipFill>
         <p:spPr>
           <a:xfrm>
-            <a:off x="360" y="1626120"/>
-            <a:ext cx="10079280" cy="3219120"/>
+            <a:off x="0" y="1554480"/>
+            <a:ext cx="10078920" cy="1926720"/>
           </a:xfrm>
           <a:prstGeom prst="rect">
             <a:avLst/>
@@ -2581,14 +2513,14 @@
       </p:pic>
       <p:sp>
         <p:nvSpPr>
-          <p:cNvPr id="82" name="CustomShape 1"/>
+          <p:cNvPr id="78" name="CustomShape 1"/>
           <p:cNvSpPr/>
           <p:nvPr/>
         </p:nvSpPr>
         <p:spPr>
           <a:xfrm>
             <a:off x="0" y="0"/>
-            <a:ext cx="10076760" cy="728280"/>
+            <a:ext cx="10076400" cy="727920"/>
           </a:xfrm>
           <a:prstGeom prst="rect">
             <a:avLst/>
@@ -2627,7 +2559,7 @@
                 <a:latin typeface="arial"/>
                 <a:ea typeface="arial"/>
               </a:rPr>
-              <a:t>Editei o título, meus primeiros comandos</a:t>
+              <a:t>Meu primeiro arquivo Jupyter Notebook</a:t>
             </a:r>
             <a:endParaRPr b="0" lang="en-US" sz="2600" spc="-1" strike="noStrike">
               <a:latin typeface="Arial"/>
@@ -2637,14 +2569,80 @@
       </p:sp>
       <p:sp>
         <p:nvSpPr>
-          <p:cNvPr id="83" name="CustomShape 2"/>
+          <p:cNvPr id="79" name="CustomShape 2"/>
           <p:cNvSpPr/>
           <p:nvPr/>
         </p:nvSpPr>
         <p:spPr>
+          <a:xfrm>
+            <a:off x="5935680" y="740160"/>
+            <a:ext cx="3345120" cy="594000"/>
+          </a:xfrm>
+          <a:prstGeom prst="rect">
+            <a:avLst/>
+          </a:prstGeom>
+          <a:solidFill>
+            <a:srgbClr val="ffffff"/>
+          </a:solidFill>
+          <a:ln>
+            <a:noFill/>
+          </a:ln>
+        </p:spPr>
+        <p:style>
+          <a:lnRef idx="0"/>
+          <a:fillRef idx="0"/>
+          <a:effectRef idx="0"/>
+          <a:fontRef idx="minor"/>
+        </p:style>
+        <p:txBody>
+          <a:bodyPr lIns="90000" rIns="90000" tIns="45000" bIns="45000">
+            <a:noAutofit/>
+          </a:bodyPr>
+          <a:p>
+            <a:pPr>
+              <a:lnSpc>
+                <a:spcPct val="100000"/>
+              </a:lnSpc>
+            </a:pPr>
+            <a:r>
+              <a:rPr b="0" lang="en-US" sz="2200" spc="-1" strike="noStrike">
+                <a:solidFill>
+                  <a:srgbClr val="000000"/>
+                </a:solidFill>
+                <a:latin typeface="arial"/>
+                <a:ea typeface="arial"/>
+              </a:rPr>
+              <a:t>você entrou num arquivo em amiente ‘</a:t>
+            </a:r>
+            <a:r>
+              <a:rPr b="0" lang="en-US" sz="2200" spc="-1" strike="noStrike">
+                <a:solidFill>
+                  <a:srgbClr val="000000"/>
+                </a:solidFill>
+                <a:highlight>
+                  <a:srgbClr val="ffff00"/>
+                </a:highlight>
+                <a:latin typeface="arial"/>
+                <a:ea typeface="arial"/>
+              </a:rPr>
+              <a:t>Python’</a:t>
+            </a:r>
+            <a:endParaRPr b="0" lang="en-US" sz="2200" spc="-1" strike="noStrike">
+              <a:latin typeface="Arial"/>
+            </a:endParaRPr>
+          </a:p>
+        </p:txBody>
+      </p:sp>
+      <p:sp>
+        <p:nvSpPr>
+          <p:cNvPr id="80" name="CustomShape 3"/>
+          <p:cNvSpPr/>
+          <p:nvPr/>
+        </p:nvSpPr>
+        <p:spPr>
           <a:xfrm flipH="1" rot="16159800">
-            <a:off x="1669680" y="1210680"/>
-            <a:ext cx="471960" cy="569880"/>
+            <a:off x="8823240" y="1105920"/>
+            <a:ext cx="471600" cy="569520"/>
           </a:xfrm>
           <a:custGeom>
             <a:avLst/>
@@ -2706,183 +2704,14 @@
       </p:sp>
       <p:sp>
         <p:nvSpPr>
-          <p:cNvPr id="84" name="CustomShape 3"/>
+          <p:cNvPr id="81" name="CustomShape 4"/>
           <p:cNvSpPr/>
           <p:nvPr/>
         </p:nvSpPr>
         <p:spPr>
-          <a:xfrm>
-            <a:off x="457200" y="822960"/>
-            <a:ext cx="2376360" cy="364680"/>
-          </a:xfrm>
-          <a:prstGeom prst="rect">
-            <a:avLst/>
-          </a:prstGeom>
-          <a:solidFill>
-            <a:srgbClr val="ffffff"/>
-          </a:solidFill>
-          <a:ln>
-            <a:noFill/>
-          </a:ln>
-        </p:spPr>
-        <p:style>
-          <a:lnRef idx="0"/>
-          <a:fillRef idx="0"/>
-          <a:effectRef idx="0"/>
-          <a:fontRef idx="minor"/>
-        </p:style>
-        <p:txBody>
-          <a:bodyPr lIns="90000" rIns="90000" tIns="45000" bIns="45000">
-            <a:noAutofit/>
-          </a:bodyPr>
-          <a:p>
-            <a:pPr>
-              <a:lnSpc>
-                <a:spcPct val="100000"/>
-              </a:lnSpc>
-            </a:pPr>
-            <a:r>
-              <a:rPr b="0" lang="en-US" sz="2200" spc="-1" strike="noStrike">
-                <a:solidFill>
-                  <a:srgbClr val="000000"/>
-                </a:solidFill>
-                <a:latin typeface="arial"/>
-                <a:ea typeface="arial"/>
-              </a:rPr>
-              <a:t>Já editei o título</a:t>
-            </a:r>
-            <a:endParaRPr b="0" lang="en-US" sz="2200" spc="-1" strike="noStrike">
-              <a:latin typeface="Arial"/>
-            </a:endParaRPr>
-          </a:p>
-        </p:txBody>
-      </p:sp>
-      <p:sp>
-        <p:nvSpPr>
-          <p:cNvPr id="85" name="CustomShape 4"/>
-          <p:cNvSpPr/>
-          <p:nvPr/>
-        </p:nvSpPr>
-        <p:spPr>
-          <a:xfrm>
-            <a:off x="3566160" y="2827440"/>
-            <a:ext cx="6216840" cy="730440"/>
-          </a:xfrm>
-          <a:prstGeom prst="rect">
-            <a:avLst/>
-          </a:prstGeom>
-          <a:solidFill>
-            <a:srgbClr val="ffffff"/>
-          </a:solidFill>
-          <a:ln>
-            <a:noFill/>
-          </a:ln>
-        </p:spPr>
-        <p:style>
-          <a:lnRef idx="0"/>
-          <a:fillRef idx="0"/>
-          <a:effectRef idx="0"/>
-          <a:fontRef idx="minor"/>
-        </p:style>
-        <p:txBody>
-          <a:bodyPr lIns="90000" rIns="90000" tIns="45000" bIns="45000">
-            <a:noAutofit/>
-          </a:bodyPr>
-          <a:p>
-            <a:pPr>
-              <a:lnSpc>
-                <a:spcPct val="100000"/>
-              </a:lnSpc>
-            </a:pPr>
-            <a:r>
-              <a:rPr b="0" lang="en-US" sz="2200" spc="-1" strike="noStrike">
-                <a:solidFill>
-                  <a:srgbClr val="000000"/>
-                </a:solidFill>
-                <a:latin typeface="arial"/>
-                <a:ea typeface="arial"/>
-              </a:rPr>
-              <a:t>Digite: </a:t>
-            </a:r>
-            <a:endParaRPr b="0" lang="en-US" sz="2200" spc="-1" strike="noStrike">
-              <a:latin typeface="Arial"/>
-            </a:endParaRPr>
-          </a:p>
-          <a:p>
-            <a:pPr>
-              <a:lnSpc>
-                <a:spcPct val="100000"/>
-              </a:lnSpc>
-            </a:pPr>
-            <a:r>
-              <a:rPr b="0" lang="en-US" sz="2200" spc="-1" strike="noStrike">
-                <a:solidFill>
-                  <a:srgbClr val="000000"/>
-                </a:solidFill>
-                <a:latin typeface="arial"/>
-                <a:ea typeface="arial"/>
-              </a:rPr>
-              <a:t>a = 1 &lt;enter&gt;, você permance na mesma célula</a:t>
-            </a:r>
-            <a:endParaRPr b="0" lang="en-US" sz="2200" spc="-1" strike="noStrike">
-              <a:latin typeface="Arial"/>
-            </a:endParaRPr>
-          </a:p>
-          <a:p>
-            <a:pPr>
-              <a:lnSpc>
-                <a:spcPct val="100000"/>
-              </a:lnSpc>
-            </a:pPr>
-            <a:r>
-              <a:rPr b="0" lang="en-US" sz="2200" spc="-1" strike="noStrike">
-                <a:solidFill>
-                  <a:srgbClr val="000000"/>
-                </a:solidFill>
-                <a:latin typeface="arial"/>
-                <a:ea typeface="arial"/>
-              </a:rPr>
-              <a:t>print(a) &lt;</a:t>
-            </a:r>
-            <a:r>
-              <a:rPr b="0" lang="en-US" sz="2200" spc="-1" strike="noStrike">
-                <a:solidFill>
-                  <a:srgbClr val="000000"/>
-                </a:solidFill>
-                <a:highlight>
-                  <a:srgbClr val="ffff00"/>
-                </a:highlight>
-                <a:latin typeface="arial"/>
-                <a:ea typeface="arial"/>
-              </a:rPr>
-              <a:t>shift+enter</a:t>
-            </a:r>
-            <a:r>
-              <a:rPr b="0" lang="en-US" sz="2200" spc="-1" strike="noStrike">
-                <a:solidFill>
-                  <a:srgbClr val="000000"/>
-                </a:solidFill>
-                <a:latin typeface="arial"/>
-                <a:ea typeface="arial"/>
-              </a:rPr>
-              <a:t>&gt;, você avança</a:t>
-            </a:r>
-            <a:endParaRPr b="0" lang="en-US" sz="2200" spc="-1" strike="noStrike">
-              <a:latin typeface="Arial"/>
-            </a:endParaRPr>
-          </a:p>
-        </p:txBody>
-      </p:sp>
-      <p:sp>
-        <p:nvSpPr>
-          <p:cNvPr id="86" name="CustomShape 5"/>
-          <p:cNvSpPr/>
-          <p:nvPr/>
-        </p:nvSpPr>
-        <p:spPr>
-          <a:xfrm flipH="1" flipV="1" rot="21577800">
-            <a:off x="2837520" y="3009600"/>
-            <a:ext cx="542160" cy="460080"/>
+          <a:xfrm flipH="1" rot="5457600">
+            <a:off x="1316160" y="1977480"/>
+            <a:ext cx="546120" cy="428040"/>
           </a:xfrm>
           <a:custGeom>
             <a:avLst/>
@@ -2944,14 +2773,133 @@
       </p:sp>
       <p:sp>
         <p:nvSpPr>
-          <p:cNvPr id="87" name="CustomShape 6"/>
+          <p:cNvPr id="82" name="CustomShape 5"/>
           <p:cNvSpPr/>
           <p:nvPr/>
         </p:nvSpPr>
         <p:spPr>
-          <a:xfrm flipH="1" flipV="1" rot="21577800">
-            <a:off x="1648800" y="3649680"/>
-            <a:ext cx="542160" cy="460080"/>
+          <a:xfrm>
+            <a:off x="457200" y="822960"/>
+            <a:ext cx="4936320" cy="730080"/>
+          </a:xfrm>
+          <a:prstGeom prst="rect">
+            <a:avLst/>
+          </a:prstGeom>
+          <a:solidFill>
+            <a:srgbClr val="ffffff"/>
+          </a:solidFill>
+          <a:ln>
+            <a:noFill/>
+          </a:ln>
+        </p:spPr>
+        <p:style>
+          <a:lnRef idx="0"/>
+          <a:fillRef idx="0"/>
+          <a:effectRef idx="0"/>
+          <a:fontRef idx="minor"/>
+        </p:style>
+        <p:txBody>
+          <a:bodyPr lIns="90000" rIns="90000" tIns="45000" bIns="45000">
+            <a:noAutofit/>
+          </a:bodyPr>
+          <a:p>
+            <a:pPr>
+              <a:lnSpc>
+                <a:spcPct val="100000"/>
+              </a:lnSpc>
+            </a:pPr>
+            <a:r>
+              <a:rPr b="0" lang="en-US" sz="2200" spc="-1" strike="noStrike">
+                <a:solidFill>
+                  <a:srgbClr val="000000"/>
+                </a:solidFill>
+                <a:latin typeface="arial"/>
+                <a:ea typeface="arial"/>
+              </a:rPr>
+              <a:t>O título está vazio, clique em ‘</a:t>
+            </a:r>
+            <a:r>
+              <a:rPr b="0" lang="en-US" sz="2200" spc="-1" strike="noStrike">
+                <a:solidFill>
+                  <a:srgbClr val="000000"/>
+                </a:solidFill>
+                <a:highlight>
+                  <a:srgbClr val="ffff00"/>
+                </a:highlight>
+                <a:latin typeface="arial"/>
+                <a:ea typeface="arial"/>
+              </a:rPr>
+              <a:t>untitled’ e edite: ‘week02_lec01_iniciando’</a:t>
+            </a:r>
+            <a:endParaRPr b="0" lang="en-US" sz="2200" spc="-1" strike="noStrike">
+              <a:latin typeface="Arial"/>
+            </a:endParaRPr>
+          </a:p>
+        </p:txBody>
+      </p:sp>
+      <p:sp>
+        <p:nvSpPr>
+          <p:cNvPr id="83" name="CustomShape 6"/>
+          <p:cNvSpPr/>
+          <p:nvPr/>
+        </p:nvSpPr>
+        <p:spPr>
+          <a:xfrm>
+            <a:off x="457200" y="3558960"/>
+            <a:ext cx="4936320" cy="730080"/>
+          </a:xfrm>
+          <a:prstGeom prst="rect">
+            <a:avLst/>
+          </a:prstGeom>
+          <a:solidFill>
+            <a:srgbClr val="ffffff"/>
+          </a:solidFill>
+          <a:ln>
+            <a:noFill/>
+          </a:ln>
+        </p:spPr>
+        <p:style>
+          <a:lnRef idx="0"/>
+          <a:fillRef idx="0"/>
+          <a:effectRef idx="0"/>
+          <a:fontRef idx="minor"/>
+        </p:style>
+        <p:txBody>
+          <a:bodyPr lIns="90000" rIns="90000" tIns="45000" bIns="45000">
+            <a:noAutofit/>
+          </a:bodyPr>
+          <a:p>
+            <a:pPr>
+              <a:lnSpc>
+                <a:spcPct val="100000"/>
+              </a:lnSpc>
+            </a:pPr>
+            <a:r>
+              <a:rPr b="0" lang="en-US" sz="2200" spc="-1" strike="noStrike">
+                <a:solidFill>
+                  <a:srgbClr val="000000"/>
+                </a:solidFill>
+                <a:latin typeface="arial"/>
+                <a:ea typeface="arial"/>
+              </a:rPr>
+              <a:t>também não existe nenhum comando editador por enquanto ….</a:t>
+            </a:r>
+            <a:endParaRPr b="0" lang="en-US" sz="2200" spc="-1" strike="noStrike">
+              <a:latin typeface="Arial"/>
+            </a:endParaRPr>
+          </a:p>
+        </p:txBody>
+      </p:sp>
+      <p:sp>
+        <p:nvSpPr>
+          <p:cNvPr id="84" name="CustomShape 7"/>
+          <p:cNvSpPr/>
+          <p:nvPr/>
+        </p:nvSpPr>
+        <p:spPr>
+          <a:xfrm flipH="1" flipV="1" rot="5383800">
+            <a:off x="5222880" y="3370680"/>
+            <a:ext cx="638640" cy="473760"/>
           </a:xfrm>
           <a:custGeom>
             <a:avLst/>
@@ -3010,102 +2958,6 @@
           <a:effectRef idx="0"/>
           <a:fontRef idx="minor"/>
         </p:style>
-      </p:sp>
-      <p:sp>
-        <p:nvSpPr>
-          <p:cNvPr id="88" name="CustomShape 7"/>
-          <p:cNvSpPr/>
-          <p:nvPr/>
-        </p:nvSpPr>
-        <p:spPr>
-          <a:xfrm>
-            <a:off x="2011680" y="4206240"/>
-            <a:ext cx="6216840" cy="730440"/>
-          </a:xfrm>
-          <a:prstGeom prst="rect">
-            <a:avLst/>
-          </a:prstGeom>
-          <a:solidFill>
-            <a:srgbClr val="ffffff"/>
-          </a:solidFill>
-          <a:ln>
-            <a:noFill/>
-          </a:ln>
-        </p:spPr>
-        <p:style>
-          <a:lnRef idx="0"/>
-          <a:fillRef idx="0"/>
-          <a:effectRef idx="0"/>
-          <a:fontRef idx="minor"/>
-        </p:style>
-        <p:txBody>
-          <a:bodyPr lIns="90000" rIns="90000" tIns="45000" bIns="45000">
-            <a:noAutofit/>
-          </a:bodyPr>
-          <a:p>
-            <a:pPr>
-              <a:lnSpc>
-                <a:spcPct val="100000"/>
-              </a:lnSpc>
-            </a:pPr>
-            <a:r>
-              <a:rPr b="0" lang="en-US" sz="2200" spc="-1" strike="noStrike">
-                <a:solidFill>
-                  <a:srgbClr val="000000"/>
-                </a:solidFill>
-                <a:latin typeface="arial"/>
-                <a:ea typeface="arial"/>
-              </a:rPr>
-              <a:t>Digite: </a:t>
-            </a:r>
-            <a:endParaRPr b="0" lang="en-US" sz="2200" spc="-1" strike="noStrike">
-              <a:latin typeface="Arial"/>
-            </a:endParaRPr>
-          </a:p>
-          <a:p>
-            <a:pPr>
-              <a:lnSpc>
-                <a:spcPct val="100000"/>
-              </a:lnSpc>
-            </a:pPr>
-            <a:r>
-              <a:rPr b="0" lang="en-US" sz="2200" spc="-1" strike="noStrike">
-                <a:solidFill>
-                  <a:srgbClr val="000000"/>
-                </a:solidFill>
-                <a:latin typeface="arial"/>
-                <a:ea typeface="arial"/>
-              </a:rPr>
-              <a:t>a  &lt;</a:t>
-            </a:r>
-            <a:r>
-              <a:rPr b="0" lang="en-US" sz="2200" spc="-1" strike="noStrike">
-                <a:solidFill>
-                  <a:srgbClr val="000000"/>
-                </a:solidFill>
-                <a:highlight>
-                  <a:srgbClr val="ffff00"/>
-                </a:highlight>
-                <a:latin typeface="arial"/>
-                <a:ea typeface="arial"/>
-              </a:rPr>
-              <a:t>ctrl+enter</a:t>
-            </a:r>
-            <a:r>
-              <a:rPr b="0" lang="en-US" sz="2200" spc="-1" strike="noStrike">
-                <a:solidFill>
-                  <a:srgbClr val="000000"/>
-                </a:solidFill>
-                <a:latin typeface="arial"/>
-                <a:ea typeface="arial"/>
-              </a:rPr>
-              <a:t>&gt;, com CONTROL+Enter você processa a célula, e permance nela</a:t>
-            </a:r>
-            <a:endParaRPr b="0" lang="en-US" sz="2200" spc="-1" strike="noStrike">
-              <a:latin typeface="Arial"/>
-            </a:endParaRPr>
-          </a:p>
-        </p:txBody>
       </p:sp>
     </p:spTree>
   </p:cSld>
@@ -3139,7 +2991,7 @@
       </p:grpSpPr>
       <p:pic>
         <p:nvPicPr>
-          <p:cNvPr id="89" name="" descr=""/>
+          <p:cNvPr id="85" name="" descr=""/>
           <p:cNvPicPr/>
           <p:nvPr/>
         </p:nvPicPr>
@@ -3149,8 +3001,8 @@
         </p:blipFill>
         <p:spPr>
           <a:xfrm>
-            <a:off x="360" y="1892160"/>
-            <a:ext cx="10079280" cy="3218400"/>
+            <a:off x="360" y="1626120"/>
+            <a:ext cx="10078920" cy="3218760"/>
           </a:xfrm>
           <a:prstGeom prst="rect">
             <a:avLst/>
@@ -3162,14 +3014,14 @@
       </p:pic>
       <p:sp>
         <p:nvSpPr>
-          <p:cNvPr id="90" name="CustomShape 1"/>
+          <p:cNvPr id="86" name="CustomShape 1"/>
           <p:cNvSpPr/>
           <p:nvPr/>
         </p:nvSpPr>
         <p:spPr>
           <a:xfrm>
             <a:off x="0" y="0"/>
-            <a:ext cx="10076760" cy="728280"/>
+            <a:ext cx="10076400" cy="727920"/>
           </a:xfrm>
           <a:prstGeom prst="rect">
             <a:avLst/>
@@ -3208,7 +3060,7 @@
                 <a:latin typeface="arial"/>
                 <a:ea typeface="arial"/>
               </a:rPr>
-              <a:t>Setando e movendo células</a:t>
+              <a:t>Editei o título, meus primeiros comandos</a:t>
             </a:r>
             <a:endParaRPr b="0" lang="en-US" sz="2600" spc="-1" strike="noStrike">
               <a:latin typeface="Arial"/>
@@ -3218,67 +3070,14 @@
       </p:sp>
       <p:sp>
         <p:nvSpPr>
-          <p:cNvPr id="91" name="CustomShape 2"/>
+          <p:cNvPr id="87" name="CustomShape 2"/>
           <p:cNvSpPr/>
           <p:nvPr/>
         </p:nvSpPr>
         <p:spPr>
-          <a:xfrm>
-            <a:off x="3386160" y="3295440"/>
-            <a:ext cx="6216840" cy="730440"/>
-          </a:xfrm>
-          <a:prstGeom prst="rect">
-            <a:avLst/>
-          </a:prstGeom>
-          <a:solidFill>
-            <a:srgbClr val="ffffff"/>
-          </a:solidFill>
-          <a:ln>
-            <a:noFill/>
-          </a:ln>
-        </p:spPr>
-        <p:style>
-          <a:lnRef idx="0"/>
-          <a:fillRef idx="0"/>
-          <a:effectRef idx="0"/>
-          <a:fontRef idx="minor"/>
-        </p:style>
-        <p:txBody>
-          <a:bodyPr lIns="90000" rIns="90000" tIns="45000" bIns="45000">
-            <a:noAutofit/>
-          </a:bodyPr>
-          <a:p>
-            <a:pPr>
-              <a:lnSpc>
-                <a:spcPct val="100000"/>
-              </a:lnSpc>
-            </a:pPr>
-            <a:r>
-              <a:rPr b="0" lang="en-US" sz="2200" spc="-1" strike="noStrike">
-                <a:solidFill>
-                  <a:srgbClr val="000000"/>
-                </a:solidFill>
-                <a:latin typeface="arial"/>
-                <a:ea typeface="arial"/>
-              </a:rPr>
-              <a:t>Dei um clique nesta célula, o JN setou a mesma, posso editar ou processar</a:t>
-            </a:r>
-            <a:endParaRPr b="0" lang="en-US" sz="2200" spc="-1" strike="noStrike">
-              <a:latin typeface="Arial"/>
-            </a:endParaRPr>
-          </a:p>
-        </p:txBody>
-      </p:sp>
-      <p:sp>
-        <p:nvSpPr>
-          <p:cNvPr id="92" name="CustomShape 3"/>
-          <p:cNvSpPr/>
-          <p:nvPr/>
-        </p:nvSpPr>
-        <p:spPr>
-          <a:xfrm flipH="1" flipV="1" rot="21577800">
-            <a:off x="2469240" y="3347280"/>
-            <a:ext cx="542160" cy="460080"/>
+          <a:xfrm flipH="1" rot="16159800">
+            <a:off x="1669320" y="1210320"/>
+            <a:ext cx="471600" cy="569520"/>
           </a:xfrm>
           <a:custGeom>
             <a:avLst/>
@@ -3340,14 +3139,14 @@
       </p:sp>
       <p:sp>
         <p:nvSpPr>
-          <p:cNvPr id="93" name="CustomShape 4"/>
+          <p:cNvPr id="88" name="CustomShape 3"/>
           <p:cNvSpPr/>
           <p:nvPr/>
         </p:nvSpPr>
         <p:spPr>
           <a:xfrm>
-            <a:off x="182880" y="822960"/>
-            <a:ext cx="6216840" cy="456120"/>
+            <a:off x="457200" y="822960"/>
+            <a:ext cx="2376000" cy="364320"/>
           </a:xfrm>
           <a:prstGeom prst="rect">
             <a:avLst/>
@@ -3383,7 +3182,100 @@
                 <a:latin typeface="arial"/>
                 <a:ea typeface="arial"/>
               </a:rPr>
-              <a:t>Use &lt;</a:t>
+              <a:t>Já editei o título</a:t>
+            </a:r>
+            <a:endParaRPr b="0" lang="en-US" sz="2200" spc="-1" strike="noStrike">
+              <a:latin typeface="Arial"/>
+            </a:endParaRPr>
+          </a:p>
+        </p:txBody>
+      </p:sp>
+      <p:sp>
+        <p:nvSpPr>
+          <p:cNvPr id="89" name="CustomShape 4"/>
+          <p:cNvSpPr/>
+          <p:nvPr/>
+        </p:nvSpPr>
+        <p:spPr>
+          <a:xfrm>
+            <a:off x="3566160" y="2827440"/>
+            <a:ext cx="6216480" cy="730080"/>
+          </a:xfrm>
+          <a:prstGeom prst="rect">
+            <a:avLst/>
+          </a:prstGeom>
+          <a:solidFill>
+            <a:srgbClr val="ffffff"/>
+          </a:solidFill>
+          <a:ln>
+            <a:noFill/>
+          </a:ln>
+        </p:spPr>
+        <p:style>
+          <a:lnRef idx="0"/>
+          <a:fillRef idx="0"/>
+          <a:effectRef idx="0"/>
+          <a:fontRef idx="minor"/>
+        </p:style>
+        <p:txBody>
+          <a:bodyPr lIns="90000" rIns="90000" tIns="45000" bIns="45000">
+            <a:noAutofit/>
+          </a:bodyPr>
+          <a:p>
+            <a:pPr>
+              <a:lnSpc>
+                <a:spcPct val="100000"/>
+              </a:lnSpc>
+            </a:pPr>
+            <a:r>
+              <a:rPr b="0" lang="en-US" sz="2200" spc="-1" strike="noStrike">
+                <a:solidFill>
+                  <a:srgbClr val="000000"/>
+                </a:solidFill>
+                <a:latin typeface="arial"/>
+                <a:ea typeface="arial"/>
+              </a:rPr>
+              <a:t>Digite: </a:t>
+            </a:r>
+            <a:endParaRPr b="0" lang="en-US" sz="2200" spc="-1" strike="noStrike">
+              <a:latin typeface="Arial"/>
+            </a:endParaRPr>
+          </a:p>
+          <a:p>
+            <a:pPr>
+              <a:lnSpc>
+                <a:spcPct val="100000"/>
+              </a:lnSpc>
+            </a:pPr>
+            <a:r>
+              <a:rPr b="0" lang="en-US" sz="2200" spc="-1" strike="noStrike">
+                <a:solidFill>
+                  <a:srgbClr val="000000"/>
+                </a:solidFill>
+                <a:latin typeface="arial"/>
+                <a:ea typeface="arial"/>
+              </a:rPr>
+              <a:t>a = 1 &lt;enter&gt;, você permance na mesma célula</a:t>
+            </a:r>
+            <a:endParaRPr b="0" lang="en-US" sz="2200" spc="-1" strike="noStrike">
+              <a:latin typeface="Arial"/>
+            </a:endParaRPr>
+          </a:p>
+          <a:p>
+            <a:pPr>
+              <a:lnSpc>
+                <a:spcPct val="100000"/>
+              </a:lnSpc>
+            </a:pPr>
+            <a:r>
+              <a:rPr b="0" lang="en-US" sz="2200" spc="-1" strike="noStrike">
+                <a:solidFill>
+                  <a:srgbClr val="000000"/>
+                </a:solidFill>
+                <a:latin typeface="arial"/>
+                <a:ea typeface="arial"/>
+              </a:rPr>
+              <a:t>print(a) &lt;</a:t>
             </a:r>
             <a:r>
               <a:rPr b="0" lang="en-US" sz="2200" spc="-1" strike="noStrike">
@@ -3396,17 +3288,7 @@
                 <a:latin typeface="arial"/>
                 <a:ea typeface="arial"/>
               </a:rPr>
-              <a:t>+</a:t>
-            </a:r>
-            <a:r>
-              <a:rPr b="0" lang="en-US" sz="2200" spc="-1" strike="noStrike">
-                <a:solidFill>
-                  <a:srgbClr val="000000"/>
-                </a:solidFill>
-                <a:latin typeface="arial"/>
-                <a:ea typeface="arial"/>
-              </a:rPr>
-              <a:t>&gt; para criar células</a:t>
+              <a:t>shift+enter&gt;, você avança</a:t>
             </a:r>
             <a:endParaRPr b="0" lang="en-US" sz="2200" spc="-1" strike="noStrike">
               <a:latin typeface="Arial"/>
@@ -3416,14 +3298,14 @@
       </p:sp>
       <p:sp>
         <p:nvSpPr>
-          <p:cNvPr id="94" name="CustomShape 5"/>
+          <p:cNvPr id="90" name="CustomShape 5"/>
           <p:cNvSpPr/>
           <p:nvPr/>
         </p:nvSpPr>
         <p:spPr>
-          <a:xfrm flipH="1" rot="16159800">
-            <a:off x="115200" y="1789560"/>
-            <a:ext cx="471960" cy="569880"/>
+          <a:xfrm flipH="1" flipV="1" rot="21577800">
+            <a:off x="2836800" y="3008520"/>
+            <a:ext cx="541800" cy="459720"/>
           </a:xfrm>
           <a:custGeom>
             <a:avLst/>
@@ -3485,14 +3367,14 @@
       </p:sp>
       <p:sp>
         <p:nvSpPr>
-          <p:cNvPr id="95" name="CustomShape 6"/>
+          <p:cNvPr id="91" name="CustomShape 6"/>
           <p:cNvSpPr/>
           <p:nvPr/>
         </p:nvSpPr>
         <p:spPr>
-          <a:xfrm flipH="1" rot="16159800">
-            <a:off x="1486800" y="2097000"/>
-            <a:ext cx="471960" cy="569880"/>
+          <a:xfrm flipH="1" flipV="1" rot="21577800">
+            <a:off x="1648080" y="3648600"/>
+            <a:ext cx="541800" cy="459720"/>
           </a:xfrm>
           <a:custGeom>
             <a:avLst/>
@@ -3554,14 +3436,14 @@
       </p:sp>
       <p:sp>
         <p:nvSpPr>
-          <p:cNvPr id="96" name="CustomShape 7"/>
+          <p:cNvPr id="92" name="CustomShape 7"/>
           <p:cNvSpPr/>
           <p:nvPr/>
         </p:nvSpPr>
         <p:spPr>
           <a:xfrm>
-            <a:off x="1280160" y="1371600"/>
-            <a:ext cx="8685720" cy="456120"/>
+            <a:off x="2011680" y="4206240"/>
+            <a:ext cx="6216480" cy="730080"/>
           </a:xfrm>
           <a:prstGeom prst="rect">
             <a:avLst/>
@@ -3597,7 +3479,27 @@
                 <a:latin typeface="arial"/>
                 <a:ea typeface="arial"/>
               </a:rPr>
-              <a:t>Use &lt;</a:t>
+              <a:t>Digite: </a:t>
+            </a:r>
+            <a:endParaRPr b="0" lang="en-US" sz="2200" spc="-1" strike="noStrike">
+              <a:latin typeface="Arial"/>
+            </a:endParaRPr>
+          </a:p>
+          <a:p>
+            <a:pPr>
+              <a:lnSpc>
+                <a:spcPct val="100000"/>
+              </a:lnSpc>
+            </a:pPr>
+            <a:r>
+              <a:rPr b="0" lang="en-US" sz="2200" spc="-1" strike="noStrike">
+                <a:solidFill>
+                  <a:srgbClr val="000000"/>
+                </a:solidFill>
+                <a:latin typeface="arial"/>
+                <a:ea typeface="arial"/>
+              </a:rPr>
+              <a:t>a  &lt;</a:t>
             </a:r>
             <a:r>
               <a:rPr b="0" lang="en-US" sz="2200" spc="-1" strike="noStrike">
@@ -3610,17 +3512,7 @@
                 <a:latin typeface="arial"/>
                 <a:ea typeface="arial"/>
               </a:rPr>
-              <a:t>flechas</a:t>
-            </a:r>
-            <a:r>
-              <a:rPr b="0" lang="en-US" sz="2200" spc="-1" strike="noStrike">
-                <a:solidFill>
-                  <a:srgbClr val="000000"/>
-                </a:solidFill>
-                <a:latin typeface="arial"/>
-                <a:ea typeface="arial"/>
-              </a:rPr>
-              <a:t>&gt; para mover (subir e descer) uma ou mais  células</a:t>
+              <a:t>ctrl+enter&gt;, com CONTROL+Enter você processa a célula, e permance nela</a:t>
             </a:r>
             <a:endParaRPr b="0" lang="en-US" sz="2200" spc="-1" strike="noStrike">
               <a:latin typeface="Arial"/>
@@ -3660,7 +3552,7 @@
       </p:grpSpPr>
       <p:pic>
         <p:nvPicPr>
-          <p:cNvPr id="97" name="" descr=""/>
+          <p:cNvPr id="93" name="" descr=""/>
           <p:cNvPicPr/>
           <p:nvPr/>
         </p:nvPicPr>
@@ -3671,7 +3563,7 @@
         <p:spPr>
           <a:xfrm>
             <a:off x="360" y="1892160"/>
-            <a:ext cx="10079280" cy="3218400"/>
+            <a:ext cx="10078920" cy="3218040"/>
           </a:xfrm>
           <a:prstGeom prst="rect">
             <a:avLst/>
@@ -3683,14 +3575,14 @@
       </p:pic>
       <p:sp>
         <p:nvSpPr>
-          <p:cNvPr id="98" name="CustomShape 1"/>
+          <p:cNvPr id="94" name="CustomShape 1"/>
           <p:cNvSpPr/>
           <p:nvPr/>
         </p:nvSpPr>
         <p:spPr>
           <a:xfrm>
             <a:off x="0" y="0"/>
-            <a:ext cx="10076760" cy="728280"/>
+            <a:ext cx="10076400" cy="727920"/>
           </a:xfrm>
           <a:prstGeom prst="rect">
             <a:avLst/>
@@ -3739,14 +3631,14 @@
       </p:sp>
       <p:sp>
         <p:nvSpPr>
-          <p:cNvPr id="99" name="CustomShape 2"/>
+          <p:cNvPr id="95" name="CustomShape 2"/>
           <p:cNvSpPr/>
           <p:nvPr/>
         </p:nvSpPr>
         <p:spPr>
           <a:xfrm>
-            <a:off x="182880" y="1260720"/>
-            <a:ext cx="8594280" cy="456120"/>
+            <a:off x="3386160" y="3295440"/>
+            <a:ext cx="6216480" cy="730080"/>
           </a:xfrm>
           <a:prstGeom prst="rect">
             <a:avLst/>
@@ -3782,53 +3674,7 @@
                 <a:latin typeface="arial"/>
                 <a:ea typeface="arial"/>
               </a:rPr>
-              <a:t>Não esqueça de ir gravando após alterações (&lt;</a:t>
-            </a:r>
-            <a:r>
-              <a:rPr b="0" lang="en-US" sz="2200" spc="-1" strike="noStrike">
-                <a:solidFill>
-                  <a:srgbClr val="000000"/>
-                </a:solidFill>
-                <a:highlight>
-                  <a:srgbClr val="ffff00"/>
-                </a:highlight>
-                <a:latin typeface="arial"/>
-                <a:ea typeface="arial"/>
-              </a:rPr>
-              <a:t>ctrl</a:t>
-            </a:r>
-            <a:r>
-              <a:rPr b="0" lang="en-US" sz="2200" spc="-1" strike="noStrike">
-                <a:solidFill>
-                  <a:srgbClr val="000000"/>
-                </a:solidFill>
-                <a:latin typeface="arial"/>
-                <a:ea typeface="arial"/>
-              </a:rPr>
-              <a:t>&gt;+&lt;</a:t>
-            </a:r>
-            <a:r>
-              <a:rPr b="0" lang="en-US" sz="2200" spc="-1" strike="noStrike">
-                <a:solidFill>
-                  <a:srgbClr val="000000"/>
-                </a:solidFill>
-                <a:highlight>
-                  <a:srgbClr val="ffff00"/>
-                </a:highlight>
-                <a:latin typeface="arial"/>
-                <a:ea typeface="arial"/>
-              </a:rPr>
-              <a:t>s</a:t>
-            </a:r>
-            <a:r>
-              <a:rPr b="0" lang="en-US" sz="2200" spc="-1" strike="noStrike">
-                <a:solidFill>
-                  <a:srgbClr val="000000"/>
-                </a:solidFill>
-                <a:latin typeface="arial"/>
-                <a:ea typeface="arial"/>
-              </a:rPr>
-              <a:t>&gt;)</a:t>
+              <a:t>Dei um clique nesta célula, o JN setou a mesma, posso editar ou processar</a:t>
             </a:r>
             <a:endParaRPr b="0" lang="en-US" sz="2200" spc="-1" strike="noStrike">
               <a:latin typeface="Arial"/>
@@ -3838,14 +3684,14 @@
       </p:sp>
       <p:sp>
         <p:nvSpPr>
-          <p:cNvPr id="100" name="CustomShape 3"/>
+          <p:cNvPr id="96" name="CustomShape 3"/>
           <p:cNvSpPr/>
           <p:nvPr/>
         </p:nvSpPr>
         <p:spPr>
-          <a:xfrm flipH="1" flipV="1" rot="16188600">
-            <a:off x="-38520" y="1929960"/>
-            <a:ext cx="631440" cy="554040"/>
+          <a:xfrm flipH="1" flipV="1" rot="21577800">
+            <a:off x="2468520" y="3346200"/>
+            <a:ext cx="541800" cy="459720"/>
           </a:xfrm>
           <a:custGeom>
             <a:avLst/>
@@ -3904,6 +3750,276 @@
           <a:effectRef idx="0"/>
           <a:fontRef idx="minor"/>
         </p:style>
+      </p:sp>
+      <p:sp>
+        <p:nvSpPr>
+          <p:cNvPr id="97" name="CustomShape 4"/>
+          <p:cNvSpPr/>
+          <p:nvPr/>
+        </p:nvSpPr>
+        <p:spPr>
+          <a:xfrm>
+            <a:off x="182880" y="822960"/>
+            <a:ext cx="6216480" cy="455760"/>
+          </a:xfrm>
+          <a:prstGeom prst="rect">
+            <a:avLst/>
+          </a:prstGeom>
+          <a:solidFill>
+            <a:srgbClr val="ffffff"/>
+          </a:solidFill>
+          <a:ln>
+            <a:noFill/>
+          </a:ln>
+        </p:spPr>
+        <p:style>
+          <a:lnRef idx="0"/>
+          <a:fillRef idx="0"/>
+          <a:effectRef idx="0"/>
+          <a:fontRef idx="minor"/>
+        </p:style>
+        <p:txBody>
+          <a:bodyPr lIns="90000" rIns="90000" tIns="45000" bIns="45000">
+            <a:noAutofit/>
+          </a:bodyPr>
+          <a:p>
+            <a:pPr>
+              <a:lnSpc>
+                <a:spcPct val="100000"/>
+              </a:lnSpc>
+            </a:pPr>
+            <a:r>
+              <a:rPr b="0" lang="en-US" sz="2200" spc="-1" strike="noStrike">
+                <a:solidFill>
+                  <a:srgbClr val="000000"/>
+                </a:solidFill>
+                <a:latin typeface="arial"/>
+                <a:ea typeface="arial"/>
+              </a:rPr>
+              <a:t>Use &lt;</a:t>
+            </a:r>
+            <a:r>
+              <a:rPr b="0" lang="en-US" sz="2200" spc="-1" strike="noStrike">
+                <a:solidFill>
+                  <a:srgbClr val="000000"/>
+                </a:solidFill>
+                <a:highlight>
+                  <a:srgbClr val="ffff00"/>
+                </a:highlight>
+                <a:latin typeface="arial"/>
+                <a:ea typeface="arial"/>
+              </a:rPr>
+              <a:t>+&gt; para criar células</a:t>
+            </a:r>
+            <a:endParaRPr b="0" lang="en-US" sz="2200" spc="-1" strike="noStrike">
+              <a:latin typeface="Arial"/>
+            </a:endParaRPr>
+          </a:p>
+        </p:txBody>
+      </p:sp>
+      <p:sp>
+        <p:nvSpPr>
+          <p:cNvPr id="98" name="CustomShape 5"/>
+          <p:cNvSpPr/>
+          <p:nvPr/>
+        </p:nvSpPr>
+        <p:spPr>
+          <a:xfrm flipH="1" rot="16159800">
+            <a:off x="114840" y="1789200"/>
+            <a:ext cx="471600" cy="569520"/>
+          </a:xfrm>
+          <a:custGeom>
+            <a:avLst/>
+            <a:gdLst/>
+            <a:ahLst/>
+            <a:rect l="l" t="t" r="r" b="b"/>
+            <a:pathLst>
+              <a:path w="841" h="854">
+                <a:moveTo>
+                  <a:pt x="517" y="247"/>
+                </a:moveTo>
+                <a:lnTo>
+                  <a:pt x="517" y="415"/>
+                </a:lnTo>
+                <a:lnTo>
+                  <a:pt x="264" y="415"/>
+                </a:lnTo>
+                <a:lnTo>
+                  <a:pt x="264" y="0"/>
+                </a:lnTo>
+                <a:lnTo>
+                  <a:pt x="0" y="0"/>
+                </a:lnTo>
+                <a:lnTo>
+                  <a:pt x="0" y="680"/>
+                </a:lnTo>
+                <a:lnTo>
+                  <a:pt x="517" y="680"/>
+                </a:lnTo>
+                <a:lnTo>
+                  <a:pt x="517" y="854"/>
+                </a:lnTo>
+                <a:lnTo>
+                  <a:pt x="841" y="547"/>
+                </a:lnTo>
+                <a:lnTo>
+                  <a:pt x="517" y="247"/>
+                </a:lnTo>
+                <a:close/>
+              </a:path>
+            </a:pathLst>
+          </a:custGeom>
+          <a:solidFill>
+            <a:srgbClr val="729fcf"/>
+          </a:solidFill>
+          <a:ln w="9360">
+            <a:solidFill>
+              <a:srgbClr val="3465a4"/>
+            </a:solidFill>
+            <a:round/>
+          </a:ln>
+        </p:spPr>
+        <p:style>
+          <a:lnRef idx="0"/>
+          <a:fillRef idx="0"/>
+          <a:effectRef idx="0"/>
+          <a:fontRef idx="minor"/>
+        </p:style>
+      </p:sp>
+      <p:sp>
+        <p:nvSpPr>
+          <p:cNvPr id="99" name="CustomShape 6"/>
+          <p:cNvSpPr/>
+          <p:nvPr/>
+        </p:nvSpPr>
+        <p:spPr>
+          <a:xfrm flipH="1" rot="16159800">
+            <a:off x="1486440" y="2096640"/>
+            <a:ext cx="471600" cy="569520"/>
+          </a:xfrm>
+          <a:custGeom>
+            <a:avLst/>
+            <a:gdLst/>
+            <a:ahLst/>
+            <a:rect l="l" t="t" r="r" b="b"/>
+            <a:pathLst>
+              <a:path w="841" h="854">
+                <a:moveTo>
+                  <a:pt x="517" y="247"/>
+                </a:moveTo>
+                <a:lnTo>
+                  <a:pt x="517" y="415"/>
+                </a:lnTo>
+                <a:lnTo>
+                  <a:pt x="264" y="415"/>
+                </a:lnTo>
+                <a:lnTo>
+                  <a:pt x="264" y="0"/>
+                </a:lnTo>
+                <a:lnTo>
+                  <a:pt x="0" y="0"/>
+                </a:lnTo>
+                <a:lnTo>
+                  <a:pt x="0" y="680"/>
+                </a:lnTo>
+                <a:lnTo>
+                  <a:pt x="517" y="680"/>
+                </a:lnTo>
+                <a:lnTo>
+                  <a:pt x="517" y="854"/>
+                </a:lnTo>
+                <a:lnTo>
+                  <a:pt x="841" y="547"/>
+                </a:lnTo>
+                <a:lnTo>
+                  <a:pt x="517" y="247"/>
+                </a:lnTo>
+                <a:close/>
+              </a:path>
+            </a:pathLst>
+          </a:custGeom>
+          <a:solidFill>
+            <a:srgbClr val="729fcf"/>
+          </a:solidFill>
+          <a:ln w="9360">
+            <a:solidFill>
+              <a:srgbClr val="3465a4"/>
+            </a:solidFill>
+            <a:round/>
+          </a:ln>
+        </p:spPr>
+        <p:style>
+          <a:lnRef idx="0"/>
+          <a:fillRef idx="0"/>
+          <a:effectRef idx="0"/>
+          <a:fontRef idx="minor"/>
+        </p:style>
+      </p:sp>
+      <p:sp>
+        <p:nvSpPr>
+          <p:cNvPr id="100" name="CustomShape 7"/>
+          <p:cNvSpPr/>
+          <p:nvPr/>
+        </p:nvSpPr>
+        <p:spPr>
+          <a:xfrm>
+            <a:off x="1280160" y="1371600"/>
+            <a:ext cx="8685360" cy="455760"/>
+          </a:xfrm>
+          <a:prstGeom prst="rect">
+            <a:avLst/>
+          </a:prstGeom>
+          <a:solidFill>
+            <a:srgbClr val="ffffff"/>
+          </a:solidFill>
+          <a:ln>
+            <a:noFill/>
+          </a:ln>
+        </p:spPr>
+        <p:style>
+          <a:lnRef idx="0"/>
+          <a:fillRef idx="0"/>
+          <a:effectRef idx="0"/>
+          <a:fontRef idx="minor"/>
+        </p:style>
+        <p:txBody>
+          <a:bodyPr lIns="90000" rIns="90000" tIns="45000" bIns="45000">
+            <a:noAutofit/>
+          </a:bodyPr>
+          <a:p>
+            <a:pPr>
+              <a:lnSpc>
+                <a:spcPct val="100000"/>
+              </a:lnSpc>
+            </a:pPr>
+            <a:r>
+              <a:rPr b="0" lang="en-US" sz="2200" spc="-1" strike="noStrike">
+                <a:solidFill>
+                  <a:srgbClr val="000000"/>
+                </a:solidFill>
+                <a:latin typeface="arial"/>
+                <a:ea typeface="arial"/>
+              </a:rPr>
+              <a:t>Use &lt;</a:t>
+            </a:r>
+            <a:r>
+              <a:rPr b="0" lang="en-US" sz="2200" spc="-1" strike="noStrike">
+                <a:solidFill>
+                  <a:srgbClr val="000000"/>
+                </a:solidFill>
+                <a:highlight>
+                  <a:srgbClr val="ffff00"/>
+                </a:highlight>
+                <a:latin typeface="arial"/>
+                <a:ea typeface="arial"/>
+              </a:rPr>
+              <a:t>flechas&gt; para mover (subir e descer) uma ou mais  células</a:t>
+            </a:r>
+            <a:endParaRPr b="0" lang="en-US" sz="2200" spc="-1" strike="noStrike">
+              <a:latin typeface="Arial"/>
+            </a:endParaRPr>
+          </a:p>
+        </p:txBody>
       </p:sp>
     </p:spTree>
   </p:cSld>
@@ -3948,7 +4064,7 @@
         <p:spPr>
           <a:xfrm>
             <a:off x="360" y="1892160"/>
-            <a:ext cx="10079280" cy="3218400"/>
+            <a:ext cx="10078920" cy="3218040"/>
           </a:xfrm>
           <a:prstGeom prst="rect">
             <a:avLst/>
@@ -3967,7 +4083,7 @@
         <p:spPr>
           <a:xfrm>
             <a:off x="0" y="0"/>
-            <a:ext cx="10076760" cy="728280"/>
+            <a:ext cx="10076400" cy="727920"/>
           </a:xfrm>
           <a:prstGeom prst="rect">
             <a:avLst/>
@@ -4006,7 +4122,7 @@
                 <a:latin typeface="arial"/>
                 <a:ea typeface="arial"/>
               </a:rPr>
-              <a:t>JN tem um help online</a:t>
+              <a:t>Setando e movendo células</a:t>
             </a:r>
             <a:endParaRPr b="0" lang="en-US" sz="2600" spc="-1" strike="noStrike">
               <a:latin typeface="Arial"/>
@@ -4022,8 +4138,8 @@
         </p:nvSpPr>
         <p:spPr>
           <a:xfrm>
-            <a:off x="182880" y="822960"/>
-            <a:ext cx="6216840" cy="456120"/>
+            <a:off x="182880" y="1260720"/>
+            <a:ext cx="8593920" cy="455760"/>
           </a:xfrm>
           <a:prstGeom prst="rect">
             <a:avLst/>
@@ -4059,7 +4175,20 @@
                 <a:latin typeface="arial"/>
                 <a:ea typeface="arial"/>
               </a:rPr>
-              <a:t>Como chamo help do JN?</a:t>
+              <a:t>Não esqueça de ir gravando após alterações (&lt;</a:t>
+            </a:r>
+            <a:r>
+              <a:rPr b="0" lang="en-US" sz="2200" spc="-1" strike="noStrike">
+                <a:solidFill>
+                  <a:srgbClr val="000000"/>
+                </a:solidFill>
+                <a:highlight>
+                  <a:srgbClr val="ffff00"/>
+                </a:highlight>
+                <a:latin typeface="arial"/>
+                <a:ea typeface="arial"/>
+              </a:rPr>
+              <a:t>ctrl&gt;+&lt;s&gt;)</a:t>
             </a:r>
             <a:endParaRPr b="0" lang="en-US" sz="2200" spc="-1" strike="noStrike">
               <a:latin typeface="Arial"/>
@@ -4074,9 +4203,9 @@
           <p:nvPr/>
         </p:nvSpPr>
         <p:spPr>
-          <a:xfrm flipH="1" rot="16159800">
-            <a:off x="115200" y="2696040"/>
-            <a:ext cx="471960" cy="569880"/>
+          <a:xfrm flipH="1" flipV="1" rot="16188600">
+            <a:off x="-38520" y="1929960"/>
+            <a:ext cx="631080" cy="553680"/>
           </a:xfrm>
           <a:custGeom>
             <a:avLst/>
@@ -4135,135 +4264,6 @@
           <a:effectRef idx="0"/>
           <a:fontRef idx="minor"/>
         </p:style>
-      </p:sp>
-      <p:sp>
-        <p:nvSpPr>
-          <p:cNvPr id="105" name="CustomShape 4"/>
-          <p:cNvSpPr/>
-          <p:nvPr/>
-        </p:nvSpPr>
-        <p:spPr>
-          <a:xfrm>
-            <a:off x="164160" y="3927600"/>
-            <a:ext cx="6875640" cy="1466280"/>
-          </a:xfrm>
-          <a:prstGeom prst="rect">
-            <a:avLst/>
-          </a:prstGeom>
-          <a:solidFill>
-            <a:srgbClr val="ffffff"/>
-          </a:solidFill>
-          <a:ln>
-            <a:noFill/>
-          </a:ln>
-        </p:spPr>
-        <p:style>
-          <a:lnRef idx="0"/>
-          <a:fillRef idx="0"/>
-          <a:effectRef idx="0"/>
-          <a:fontRef idx="minor"/>
-        </p:style>
-        <p:txBody>
-          <a:bodyPr lIns="90000" rIns="90000" tIns="45000" bIns="45000">
-            <a:noAutofit/>
-          </a:bodyPr>
-          <a:p>
-            <a:pPr>
-              <a:lnSpc>
-                <a:spcPct val="100000"/>
-              </a:lnSpc>
-            </a:pPr>
-            <a:r>
-              <a:rPr b="0" lang="en-US" sz="2200" spc="-1" strike="noStrike">
-                <a:solidFill>
-                  <a:srgbClr val="000000"/>
-                </a:solidFill>
-                <a:latin typeface="arial"/>
-                <a:ea typeface="arial"/>
-              </a:rPr>
-              <a:t>Clique à esquerda, for a da célula, e digite</a:t>
-            </a:r>
-            <a:endParaRPr b="0" lang="en-US" sz="2200" spc="-1" strike="noStrike">
-              <a:latin typeface="Arial"/>
-            </a:endParaRPr>
-          </a:p>
-          <a:p>
-            <a:pPr>
-              <a:lnSpc>
-                <a:spcPct val="100000"/>
-              </a:lnSpc>
-            </a:pPr>
-            <a:endParaRPr b="0" lang="en-US" sz="2200" spc="-1" strike="noStrike">
-              <a:latin typeface="Arial"/>
-            </a:endParaRPr>
-          </a:p>
-          <a:p>
-            <a:pPr>
-              <a:lnSpc>
-                <a:spcPct val="100000"/>
-              </a:lnSpc>
-            </a:pPr>
-            <a:r>
-              <a:rPr b="0" lang="en-US" sz="2200" spc="-1" strike="noStrike">
-                <a:solidFill>
-                  <a:srgbClr val="000000"/>
-                </a:solidFill>
-                <a:latin typeface="arial"/>
-                <a:ea typeface="arial"/>
-              </a:rPr>
-              <a:t>&lt;</a:t>
-            </a:r>
-            <a:r>
-              <a:rPr b="0" lang="en-US" sz="2200" spc="-1" strike="noStrike">
-                <a:solidFill>
-                  <a:srgbClr val="000000"/>
-                </a:solidFill>
-                <a:highlight>
-                  <a:srgbClr val="ffff00"/>
-                </a:highlight>
-                <a:latin typeface="arial"/>
-                <a:ea typeface="arial"/>
-              </a:rPr>
-              <a:t>esc</a:t>
-            </a:r>
-            <a:r>
-              <a:rPr b="0" lang="en-US" sz="2200" spc="-1" strike="noStrike">
-                <a:solidFill>
-                  <a:srgbClr val="000000"/>
-                </a:solidFill>
-                <a:latin typeface="arial"/>
-                <a:ea typeface="arial"/>
-              </a:rPr>
-              <a:t>&gt; + &lt;</a:t>
-            </a:r>
-            <a:r>
-              <a:rPr b="0" lang="en-US" sz="2200" spc="-1" strike="noStrike">
-                <a:solidFill>
-                  <a:srgbClr val="000000"/>
-                </a:solidFill>
-                <a:highlight>
-                  <a:srgbClr val="ffff00"/>
-                </a:highlight>
-                <a:latin typeface="arial"/>
-                <a:ea typeface="arial"/>
-              </a:rPr>
-              <a:t>h</a:t>
-            </a:r>
-            <a:r>
-              <a:rPr b="0" lang="en-US" sz="2200" spc="-1" strike="noStrike">
-                <a:solidFill>
-                  <a:srgbClr val="000000"/>
-                </a:solidFill>
-                <a:latin typeface="arial"/>
-                <a:ea typeface="arial"/>
-              </a:rPr>
-              <a:t>&gt;  (escape + h) ~ help</a:t>
-            </a:r>
-            <a:endParaRPr b="0" lang="en-US" sz="2200" spc="-1" strike="noStrike">
-              <a:latin typeface="Arial"/>
-            </a:endParaRPr>
-          </a:p>
-        </p:txBody>
       </p:sp>
     </p:spTree>
   </p:cSld>
@@ -4297,7 +4297,7 @@
       </p:grpSpPr>
       <p:pic>
         <p:nvPicPr>
-          <p:cNvPr id="106" name="" descr=""/>
+          <p:cNvPr id="105" name="" descr=""/>
           <p:cNvPicPr/>
           <p:nvPr/>
         </p:nvPicPr>
@@ -4308,7 +4308,7 @@
         <p:spPr>
           <a:xfrm>
             <a:off x="360" y="1892160"/>
-            <a:ext cx="10079280" cy="3218400"/>
+            <a:ext cx="10078920" cy="3218040"/>
           </a:xfrm>
           <a:prstGeom prst="rect">
             <a:avLst/>
@@ -4318,39 +4318,125 @@
           </a:ln>
         </p:spPr>
       </p:pic>
-      <p:pic>
-        <p:nvPicPr>
-          <p:cNvPr id="107" name="" descr=""/>
-          <p:cNvPicPr/>
+      <p:sp>
+        <p:nvSpPr>
+          <p:cNvPr id="106" name="CustomShape 1"/>
+          <p:cNvSpPr/>
           <p:nvPr/>
-        </p:nvPicPr>
-        <p:blipFill>
-          <a:blip r:embed="rId2"/>
-          <a:stretch/>
-        </p:blipFill>
-        <p:spPr>
-          <a:xfrm>
-            <a:off x="3504960" y="360"/>
-            <a:ext cx="4997880" cy="5669280"/>
-          </a:xfrm>
-          <a:prstGeom prst="rect">
-            <a:avLst/>
-          </a:prstGeom>
+        </p:nvSpPr>
+        <p:spPr>
+          <a:xfrm>
+            <a:off x="0" y="0"/>
+            <a:ext cx="10076400" cy="727920"/>
+          </a:xfrm>
+          <a:prstGeom prst="rect">
+            <a:avLst/>
+          </a:prstGeom>
+          <a:solidFill>
+            <a:srgbClr val="cccccc"/>
+          </a:solidFill>
+          <a:ln w="9360">
+            <a:solidFill>
+              <a:srgbClr val="cccccc"/>
+            </a:solidFill>
+            <a:round/>
+          </a:ln>
+        </p:spPr>
+        <p:style>
+          <a:lnRef idx="0"/>
+          <a:fillRef idx="0"/>
+          <a:effectRef idx="0"/>
+          <a:fontRef idx="minor"/>
+        </p:style>
+        <p:txBody>
+          <a:bodyPr lIns="90000" rIns="90000" tIns="45000" bIns="45000" anchor="ctr">
+            <a:noAutofit/>
+          </a:bodyPr>
+          <a:p>
+            <a:pPr algn="ctr">
+              <a:lnSpc>
+                <a:spcPct val="100000"/>
+              </a:lnSpc>
+            </a:pPr>
+            <a:r>
+              <a:rPr b="1" lang="en-US" sz="2600" spc="-1" strike="noStrike">
+                <a:solidFill>
+                  <a:srgbClr val="355269"/>
+                </a:solidFill>
+                <a:latin typeface="arial"/>
+                <a:ea typeface="arial"/>
+              </a:rPr>
+              <a:t>JN tem um help online</a:t>
+            </a:r>
+            <a:endParaRPr b="0" lang="en-US" sz="2600" spc="-1" strike="noStrike">
+              <a:latin typeface="Arial"/>
+            </a:endParaRPr>
+          </a:p>
+        </p:txBody>
+      </p:sp>
+      <p:sp>
+        <p:nvSpPr>
+          <p:cNvPr id="107" name="CustomShape 2"/>
+          <p:cNvSpPr/>
+          <p:nvPr/>
+        </p:nvSpPr>
+        <p:spPr>
+          <a:xfrm>
+            <a:off x="182880" y="822960"/>
+            <a:ext cx="6216480" cy="455760"/>
+          </a:xfrm>
+          <a:prstGeom prst="rect">
+            <a:avLst/>
+          </a:prstGeom>
+          <a:solidFill>
+            <a:srgbClr val="ffffff"/>
+          </a:solidFill>
           <a:ln>
             <a:noFill/>
           </a:ln>
         </p:spPr>
-      </p:pic>
-      <p:sp>
-        <p:nvSpPr>
-          <p:cNvPr id="108" name="CustomShape 1"/>
+        <p:style>
+          <a:lnRef idx="0"/>
+          <a:fillRef idx="0"/>
+          <a:effectRef idx="0"/>
+          <a:fontRef idx="minor"/>
+        </p:style>
+        <p:txBody>
+          <a:bodyPr lIns="90000" rIns="90000" tIns="45000" bIns="45000">
+            <a:noAutofit/>
+          </a:bodyPr>
+          <a:p>
+            <a:pPr>
+              <a:lnSpc>
+                <a:spcPct val="100000"/>
+              </a:lnSpc>
+            </a:pPr>
+            <a:r>
+              <a:rPr b="0" lang="en-US" sz="2200" spc="-1" strike="noStrike">
+                <a:solidFill>
+                  <a:srgbClr val="000000"/>
+                </a:solidFill>
+                <a:latin typeface="arial"/>
+                <a:ea typeface="arial"/>
+              </a:rPr>
+              <a:t>Como chamo help do JN?</a:t>
+            </a:r>
+            <a:endParaRPr b="0" lang="en-US" sz="2200" spc="-1" strike="noStrike">
+              <a:latin typeface="Arial"/>
+            </a:endParaRPr>
+          </a:p>
+        </p:txBody>
+      </p:sp>
+      <p:sp>
+        <p:nvSpPr>
+          <p:cNvPr id="108" name="CustomShape 3"/>
           <p:cNvSpPr/>
           <p:nvPr/>
         </p:nvSpPr>
         <p:spPr>
-          <a:xfrm flipH="1" rot="10810200">
-            <a:off x="2873520" y="1452960"/>
-            <a:ext cx="627120" cy="556560"/>
+          <a:xfrm flipH="1" rot="16159800">
+            <a:off x="114840" y="2695680"/>
+            <a:ext cx="471600" cy="569520"/>
           </a:xfrm>
           <a:custGeom>
             <a:avLst/>
@@ -4412,14 +4498,14 @@
       </p:sp>
       <p:sp>
         <p:nvSpPr>
-          <p:cNvPr id="109" name="CustomShape 2"/>
+          <p:cNvPr id="109" name="CustomShape 4"/>
           <p:cNvSpPr/>
           <p:nvPr/>
         </p:nvSpPr>
         <p:spPr>
           <a:xfrm>
-            <a:off x="457200" y="914400"/>
-            <a:ext cx="2742120" cy="460440"/>
+            <a:off x="164160" y="3927600"/>
+            <a:ext cx="6875280" cy="1465920"/>
           </a:xfrm>
           <a:prstGeom prst="rect">
             <a:avLst/>
@@ -4455,7 +4541,50 @@
                 <a:latin typeface="arial"/>
                 <a:ea typeface="arial"/>
               </a:rPr>
-              <a:t>help == ajuda do JN</a:t>
+              <a:t>Clique à esquerda, for a da célula, e digite</a:t>
+            </a:r>
+            <a:endParaRPr b="0" lang="en-US" sz="2200" spc="-1" strike="noStrike">
+              <a:latin typeface="Arial"/>
+            </a:endParaRPr>
+          </a:p>
+          <a:p>
+            <a:pPr>
+              <a:lnSpc>
+                <a:spcPct val="100000"/>
+              </a:lnSpc>
+            </a:pPr>
+            <a:endParaRPr b="0" lang="en-US" sz="2200" spc="-1" strike="noStrike">
+              <a:latin typeface="Arial"/>
+            </a:endParaRPr>
+          </a:p>
+          <a:p>
+            <a:pPr>
+              <a:lnSpc>
+                <a:spcPct val="100000"/>
+              </a:lnSpc>
+            </a:pPr>
+            <a:r>
+              <a:rPr b="0" lang="en-US" sz="2200" spc="-1" strike="noStrike">
+                <a:solidFill>
+                  <a:srgbClr val="000000"/>
+                </a:solidFill>
+                <a:latin typeface="arial"/>
+                <a:ea typeface="arial"/>
+              </a:rPr>
+              <a:t>&lt;</a:t>
+            </a:r>
+            <a:r>
+              <a:rPr b="0" lang="en-US" sz="2200" spc="-1" strike="noStrike">
+                <a:solidFill>
+                  <a:srgbClr val="000000"/>
+                </a:solidFill>
+                <a:highlight>
+                  <a:srgbClr val="ffff00"/>
+                </a:highlight>
+                <a:latin typeface="arial"/>
+                <a:ea typeface="arial"/>
+              </a:rPr>
+              <a:t>esc&gt; + &lt;h&gt;  (escape + h) ~ help</a:t>
             </a:r>
             <a:endParaRPr b="0" lang="en-US" sz="2200" spc="-1" strike="noStrike">
               <a:latin typeface="Arial"/>
@@ -4505,8 +4634,8 @@
         </p:blipFill>
         <p:spPr>
           <a:xfrm>
-            <a:off x="0" y="1188720"/>
-            <a:ext cx="10079280" cy="3787560"/>
+            <a:off x="360" y="1892160"/>
+            <a:ext cx="10078920" cy="3218040"/>
           </a:xfrm>
           <a:prstGeom prst="rect">
             <a:avLst/>
@@ -4516,125 +4645,39 @@
           </a:ln>
         </p:spPr>
       </p:pic>
-      <p:sp>
-        <p:nvSpPr>
-          <p:cNvPr id="111" name="CustomShape 1"/>
-          <p:cNvSpPr/>
+      <p:pic>
+        <p:nvPicPr>
+          <p:cNvPr id="111" name="" descr=""/>
+          <p:cNvPicPr/>
           <p:nvPr/>
-        </p:nvSpPr>
-        <p:spPr>
-          <a:xfrm>
-            <a:off x="0" y="0"/>
-            <a:ext cx="10076760" cy="728280"/>
-          </a:xfrm>
-          <a:prstGeom prst="rect">
-            <a:avLst/>
-          </a:prstGeom>
-          <a:solidFill>
-            <a:srgbClr val="cccccc"/>
-          </a:solidFill>
-          <a:ln w="9360">
-            <a:solidFill>
-              <a:srgbClr val="cccccc"/>
-            </a:solidFill>
-            <a:round/>
-          </a:ln>
-        </p:spPr>
-        <p:style>
-          <a:lnRef idx="0"/>
-          <a:fillRef idx="0"/>
-          <a:effectRef idx="0"/>
-          <a:fontRef idx="minor"/>
-        </p:style>
-        <p:txBody>
-          <a:bodyPr lIns="90000" rIns="90000" tIns="45000" bIns="45000" anchor="ctr">
-            <a:noAutofit/>
-          </a:bodyPr>
-          <a:p>
-            <a:pPr algn="ctr">
-              <a:lnSpc>
-                <a:spcPct val="100000"/>
-              </a:lnSpc>
-            </a:pPr>
-            <a:r>
-              <a:rPr b="1" lang="en-US" sz="2600" spc="-1" strike="noStrike">
-                <a:solidFill>
-                  <a:srgbClr val="355269"/>
-                </a:solidFill>
-                <a:latin typeface="arial"/>
-                <a:ea typeface="arial"/>
-              </a:rPr>
-              <a:t>Voltando ao menu ….</a:t>
-            </a:r>
-            <a:endParaRPr b="0" lang="en-US" sz="2600" spc="-1" strike="noStrike">
-              <a:latin typeface="Arial"/>
-            </a:endParaRPr>
-          </a:p>
-        </p:txBody>
-      </p:sp>
-      <p:sp>
-        <p:nvSpPr>
-          <p:cNvPr id="112" name="CustomShape 2"/>
-          <p:cNvSpPr/>
-          <p:nvPr/>
-        </p:nvSpPr>
-        <p:spPr>
-          <a:xfrm>
-            <a:off x="1219680" y="729360"/>
-            <a:ext cx="8471880" cy="456120"/>
-          </a:xfrm>
-          <a:prstGeom prst="rect">
-            <a:avLst/>
-          </a:prstGeom>
-          <a:solidFill>
-            <a:srgbClr val="ffffff"/>
-          </a:solidFill>
+        </p:nvPicPr>
+        <p:blipFill>
+          <a:blip r:embed="rId2"/>
+          <a:stretch/>
+        </p:blipFill>
+        <p:spPr>
+          <a:xfrm>
+            <a:off x="3504960" y="360"/>
+            <a:ext cx="4997520" cy="5668920"/>
+          </a:xfrm>
+          <a:prstGeom prst="rect">
+            <a:avLst/>
+          </a:prstGeom>
           <a:ln>
             <a:noFill/>
           </a:ln>
         </p:spPr>
-        <p:style>
-          <a:lnRef idx="0"/>
-          <a:fillRef idx="0"/>
-          <a:effectRef idx="0"/>
-          <a:fontRef idx="minor"/>
-        </p:style>
-        <p:txBody>
-          <a:bodyPr lIns="90000" rIns="90000" tIns="45000" bIns="45000">
-            <a:noAutofit/>
-          </a:bodyPr>
-          <a:p>
-            <a:pPr>
-              <a:lnSpc>
-                <a:spcPct val="100000"/>
-              </a:lnSpc>
-            </a:pPr>
-            <a:r>
-              <a:rPr b="0" lang="en-US" sz="2200" spc="-1" strike="noStrike">
-                <a:solidFill>
-                  <a:srgbClr val="000000"/>
-                </a:solidFill>
-                <a:latin typeface="arial"/>
-                <a:ea typeface="arial"/>
-              </a:rPr>
-              <a:t>Você deve ter estas 2 abas abertas, clique na da esquerda</a:t>
-            </a:r>
-            <a:endParaRPr b="0" lang="en-US" sz="2200" spc="-1" strike="noStrike">
-              <a:latin typeface="Arial"/>
-            </a:endParaRPr>
-          </a:p>
-        </p:txBody>
-      </p:sp>
-      <p:sp>
-        <p:nvSpPr>
-          <p:cNvPr id="113" name="CustomShape 3"/>
+      </p:pic>
+      <p:sp>
+        <p:nvSpPr>
+          <p:cNvPr id="112" name="CustomShape 1"/>
           <p:cNvSpPr/>
           <p:nvPr/>
         </p:nvSpPr>
         <p:spPr>
-          <a:xfrm flipH="1" rot="16159800">
-            <a:off x="603360" y="682200"/>
-            <a:ext cx="471960" cy="569880"/>
+          <a:xfrm flipH="1" rot="10810200">
+            <a:off x="2872800" y="1452960"/>
+            <a:ext cx="626760" cy="556200"/>
           </a:xfrm>
           <a:custGeom>
             <a:avLst/>
@@ -4693,6 +4736,59 @@
           <a:effectRef idx="0"/>
           <a:fontRef idx="minor"/>
         </p:style>
+      </p:sp>
+      <p:sp>
+        <p:nvSpPr>
+          <p:cNvPr id="113" name="CustomShape 2"/>
+          <p:cNvSpPr/>
+          <p:nvPr/>
+        </p:nvSpPr>
+        <p:spPr>
+          <a:xfrm>
+            <a:off x="457200" y="914400"/>
+            <a:ext cx="2741760" cy="460080"/>
+          </a:xfrm>
+          <a:prstGeom prst="rect">
+            <a:avLst/>
+          </a:prstGeom>
+          <a:solidFill>
+            <a:srgbClr val="ffffff"/>
+          </a:solidFill>
+          <a:ln>
+            <a:noFill/>
+          </a:ln>
+        </p:spPr>
+        <p:style>
+          <a:lnRef idx="0"/>
+          <a:fillRef idx="0"/>
+          <a:effectRef idx="0"/>
+          <a:fontRef idx="minor"/>
+        </p:style>
+        <p:txBody>
+          <a:bodyPr lIns="90000" rIns="90000" tIns="45000" bIns="45000">
+            <a:noAutofit/>
+          </a:bodyPr>
+          <a:p>
+            <a:pPr>
+              <a:lnSpc>
+                <a:spcPct val="100000"/>
+              </a:lnSpc>
+            </a:pPr>
+            <a:r>
+              <a:rPr b="0" lang="en-US" sz="2200" spc="-1" strike="noStrike">
+                <a:solidFill>
+                  <a:srgbClr val="000000"/>
+                </a:solidFill>
+                <a:latin typeface="arial"/>
+                <a:ea typeface="arial"/>
+              </a:rPr>
+              <a:t>help == ajuda do JN</a:t>
+            </a:r>
+            <a:endParaRPr b="0" lang="en-US" sz="2200" spc="-1" strike="noStrike">
+              <a:latin typeface="Arial"/>
+            </a:endParaRPr>
+          </a:p>
+        </p:txBody>
       </p:sp>
     </p:spTree>
   </p:cSld>
@@ -4724,16 +4820,39 @@
           <a:chExt cx="0" cy="0"/>
         </a:xfrm>
       </p:grpSpPr>
-      <p:sp>
-        <p:nvSpPr>
-          <p:cNvPr id="114" name="CustomShape 1"/>
+      <p:pic>
+        <p:nvPicPr>
+          <p:cNvPr id="114" name="" descr=""/>
+          <p:cNvPicPr/>
+          <p:nvPr/>
+        </p:nvPicPr>
+        <p:blipFill>
+          <a:blip r:embed="rId1"/>
+          <a:stretch/>
+        </p:blipFill>
+        <p:spPr>
+          <a:xfrm>
+            <a:off x="0" y="1188720"/>
+            <a:ext cx="10078920" cy="3787200"/>
+          </a:xfrm>
+          <a:prstGeom prst="rect">
+            <a:avLst/>
+          </a:prstGeom>
+          <a:ln>
+            <a:noFill/>
+          </a:ln>
+        </p:spPr>
+      </p:pic>
+      <p:sp>
+        <p:nvSpPr>
+          <p:cNvPr id="115" name="CustomShape 1"/>
           <p:cNvSpPr/>
           <p:nvPr/>
         </p:nvSpPr>
         <p:spPr>
           <a:xfrm>
             <a:off x="0" y="0"/>
-            <a:ext cx="10076760" cy="728280"/>
+            <a:ext cx="10076400" cy="727920"/>
           </a:xfrm>
           <a:prstGeom prst="rect">
             <a:avLst/>
@@ -4772,7 +4891,7 @@
                 <a:latin typeface="arial"/>
                 <a:ea typeface="arial"/>
               </a:rPr>
-              <a:t>Voltando ao menu inicial (primeira aba do browser)</a:t>
+              <a:t>Voltando ao menu ….</a:t>
             </a:r>
             <a:endParaRPr b="0" lang="en-US" sz="2600" spc="-1" strike="noStrike">
               <a:latin typeface="Arial"/>
@@ -4782,14 +4901,14 @@
       </p:sp>
       <p:sp>
         <p:nvSpPr>
-          <p:cNvPr id="115" name="CustomShape 2"/>
+          <p:cNvPr id="116" name="CustomShape 2"/>
           <p:cNvSpPr/>
           <p:nvPr/>
         </p:nvSpPr>
         <p:spPr>
           <a:xfrm>
-            <a:off x="2377440" y="4555440"/>
-            <a:ext cx="6216840" cy="456120"/>
+            <a:off x="1219680" y="729360"/>
+            <a:ext cx="8471520" cy="455760"/>
           </a:xfrm>
           <a:prstGeom prst="rect">
             <a:avLst/>
@@ -4825,77 +4944,14 @@
                 <a:latin typeface="arial"/>
                 <a:ea typeface="arial"/>
               </a:rPr>
-              <a:t>Seu primeiro programa em python foi gravado</a:t>
+              <a:t>Você deve ter estas 2 abas abertas, clique na da esquerda</a:t>
             </a:r>
             <a:endParaRPr b="0" lang="en-US" sz="2200" spc="-1" strike="noStrike">
               <a:latin typeface="Arial"/>
             </a:endParaRPr>
           </a:p>
-          <a:p>
-            <a:pPr>
-              <a:lnSpc>
-                <a:spcPct val="100000"/>
-              </a:lnSpc>
-            </a:pPr>
-            <a:r>
-              <a:rPr b="0" lang="en-US" sz="2200" spc="-1" strike="noStrike">
-                <a:solidFill>
-                  <a:srgbClr val="000000"/>
-                </a:solidFill>
-                <a:latin typeface="arial"/>
-                <a:ea typeface="arial"/>
-              </a:rPr>
-              <a:t>Lembre-se sempre de fazer backup</a:t>
-            </a:r>
-            <a:endParaRPr b="0" lang="en-US" sz="2200" spc="-1" strike="noStrike">
-              <a:latin typeface="Arial"/>
-            </a:endParaRPr>
-          </a:p>
-          <a:p>
-            <a:pPr>
-              <a:lnSpc>
-                <a:spcPct val="100000"/>
-              </a:lnSpc>
-            </a:pPr>
-            <a:r>
-              <a:rPr b="0" lang="en-US" sz="2200" spc="-1" strike="noStrike">
-                <a:solidFill>
-                  <a:srgbClr val="000000"/>
-                </a:solidFill>
-                <a:latin typeface="arial"/>
-                <a:ea typeface="arial"/>
-              </a:rPr>
-              <a:t>Ele está em ~/curso_python</a:t>
-            </a:r>
-            <a:endParaRPr b="0" lang="en-US" sz="2200" spc="-1" strike="noStrike">
-              <a:latin typeface="Arial"/>
-            </a:endParaRPr>
-          </a:p>
         </p:txBody>
       </p:sp>
-      <p:pic>
-        <p:nvPicPr>
-          <p:cNvPr id="116" name="" descr=""/>
-          <p:cNvPicPr/>
-          <p:nvPr/>
-        </p:nvPicPr>
-        <p:blipFill>
-          <a:blip r:embed="rId1"/>
-          <a:stretch/>
-        </p:blipFill>
-        <p:spPr>
-          <a:xfrm>
-            <a:off x="0" y="1188720"/>
-            <a:ext cx="10079280" cy="2948040"/>
-          </a:xfrm>
-          <a:prstGeom prst="rect">
-            <a:avLst/>
-          </a:prstGeom>
-          <a:ln>
-            <a:noFill/>
-          </a:ln>
-        </p:spPr>
-      </p:pic>
       <p:sp>
         <p:nvSpPr>
           <p:cNvPr id="117" name="CustomShape 3"/>
@@ -4903,9 +4959,9 @@
           <p:nvPr/>
         </p:nvSpPr>
         <p:spPr>
-          <a:xfrm flipH="1" rot="5400600">
-            <a:off x="2115360" y="3827880"/>
-            <a:ext cx="699480" cy="543600"/>
+          <a:xfrm flipH="1" rot="16159800">
+            <a:off x="603000" y="681840"/>
+            <a:ext cx="471600" cy="569520"/>
           </a:xfrm>
           <a:custGeom>
             <a:avLst/>
@@ -5003,13 +5059,71 @@
         </p:nvSpPr>
         <p:spPr>
           <a:xfrm>
-            <a:off x="2468880" y="3474720"/>
-            <a:ext cx="4385880" cy="1649520"/>
-          </a:xfrm>
-          <a:prstGeom prst="rect">
-            <a:avLst/>
-          </a:prstGeom>
-          <a:noFill/>
+            <a:off x="0" y="0"/>
+            <a:ext cx="10076400" cy="727920"/>
+          </a:xfrm>
+          <a:prstGeom prst="rect">
+            <a:avLst/>
+          </a:prstGeom>
+          <a:solidFill>
+            <a:srgbClr val="cccccc"/>
+          </a:solidFill>
+          <a:ln w="9360">
+            <a:solidFill>
+              <a:srgbClr val="cccccc"/>
+            </a:solidFill>
+            <a:round/>
+          </a:ln>
+        </p:spPr>
+        <p:style>
+          <a:lnRef idx="0"/>
+          <a:fillRef idx="0"/>
+          <a:effectRef idx="0"/>
+          <a:fontRef idx="minor"/>
+        </p:style>
+        <p:txBody>
+          <a:bodyPr lIns="90000" rIns="90000" tIns="45000" bIns="45000" anchor="ctr">
+            <a:noAutofit/>
+          </a:bodyPr>
+          <a:p>
+            <a:pPr algn="ctr">
+              <a:lnSpc>
+                <a:spcPct val="100000"/>
+              </a:lnSpc>
+            </a:pPr>
+            <a:r>
+              <a:rPr b="1" lang="en-US" sz="2600" spc="-1" strike="noStrike">
+                <a:solidFill>
+                  <a:srgbClr val="355269"/>
+                </a:solidFill>
+                <a:latin typeface="arial"/>
+                <a:ea typeface="arial"/>
+              </a:rPr>
+              <a:t>Voltando ao menu inicial (primeira aba do browser)</a:t>
+            </a:r>
+            <a:endParaRPr b="0" lang="en-US" sz="2600" spc="-1" strike="noStrike">
+              <a:latin typeface="Arial"/>
+            </a:endParaRPr>
+          </a:p>
+        </p:txBody>
+      </p:sp>
+      <p:sp>
+        <p:nvSpPr>
+          <p:cNvPr id="119" name="CustomShape 2"/>
+          <p:cNvSpPr/>
+          <p:nvPr/>
+        </p:nvSpPr>
+        <p:spPr>
+          <a:xfrm>
+            <a:off x="2377440" y="4555440"/>
+            <a:ext cx="6216480" cy="455760"/>
+          </a:xfrm>
+          <a:prstGeom prst="rect">
+            <a:avLst/>
+          </a:prstGeom>
+          <a:solidFill>
+            <a:srgbClr val="ffffff"/>
+          </a:solidFill>
           <a:ln>
             <a:noFill/>
           </a:ln>
@@ -5038,7 +5152,7 @@
                 <a:latin typeface="arial"/>
                 <a:ea typeface="arial"/>
               </a:rPr>
-              <a:t>PhD Flavio Lichtenstein</a:t>
+              <a:t>Seu primeiro programa em python foi gravado</a:t>
             </a:r>
             <a:endParaRPr b="0" lang="en-US" sz="2200" spc="-1" strike="noStrike">
               <a:latin typeface="Arial"/>
@@ -5050,6 +5164,16 @@
                 <a:spcPct val="100000"/>
               </a:lnSpc>
             </a:pPr>
+            <a:r>
+              <a:rPr b="0" lang="en-US" sz="2200" spc="-1" strike="noStrike">
+                <a:solidFill>
+                  <a:srgbClr val="000000"/>
+                </a:solidFill>
+                <a:latin typeface="arial"/>
+                <a:ea typeface="arial"/>
+              </a:rPr>
+              <a:t>Lembre-se sempre de fazer backup</a:t>
+            </a:r>
             <a:endParaRPr b="0" lang="en-US" sz="2200" spc="-1" strike="noStrike">
               <a:latin typeface="Arial"/>
             </a:endParaRPr>
@@ -5061,36 +5185,6 @@
               </a:lnSpc>
             </a:pPr>
             <a:r>
-              <a:rPr b="0" lang="en-US" sz="1500" spc="-1" strike="noStrike">
-                <a:solidFill>
-                  <a:srgbClr val="000000"/>
-                </a:solidFill>
-                <a:latin typeface="arial"/>
-                <a:ea typeface="arial"/>
-              </a:rPr>
-              <a:t>Bioinformatics, Systems Biology, and Biostatistics</a:t>
-            </a:r>
-            <a:endParaRPr b="0" lang="en-US" sz="1500" spc="-1" strike="noStrike">
-              <a:latin typeface="Arial"/>
-            </a:endParaRPr>
-          </a:p>
-          <a:p>
-            <a:pPr>
-              <a:lnSpc>
-                <a:spcPct val="100000"/>
-              </a:lnSpc>
-            </a:pPr>
-            <a:endParaRPr b="0" lang="en-US" sz="1500" spc="-1" strike="noStrike">
-              <a:latin typeface="Arial"/>
-            </a:endParaRPr>
-          </a:p>
-          <a:p>
-            <a:pPr>
-              <a:lnSpc>
-                <a:spcPct val="100000"/>
-              </a:lnSpc>
-            </a:pPr>
-            <a:r>
               <a:rPr b="0" lang="en-US" sz="2200" spc="-1" strike="noStrike">
                 <a:solidFill>
                   <a:srgbClr val="000000"/>
@@ -5098,39 +5192,9 @@
                 <a:latin typeface="arial"/>
                 <a:ea typeface="arial"/>
               </a:rPr>
-              <a:t>CENTD – Institututo Butantan</a:t>
+              <a:t>Ele está em ~/curso_python</a:t>
             </a:r>
             <a:endParaRPr b="0" lang="en-US" sz="2200" spc="-1" strike="noStrike">
-              <a:latin typeface="Arial"/>
-            </a:endParaRPr>
-          </a:p>
-          <a:p>
-            <a:pPr>
-              <a:lnSpc>
-                <a:spcPct val="100000"/>
-              </a:lnSpc>
-            </a:pPr>
-            <a:endParaRPr b="0" lang="en-US" sz="2200" spc="-1" strike="noStrike">
-              <a:latin typeface="Arial"/>
-            </a:endParaRPr>
-          </a:p>
-          <a:p>
-            <a:pPr>
-              <a:lnSpc>
-                <a:spcPct val="100000"/>
-              </a:lnSpc>
-            </a:pPr>
-            <a:r>
-              <a:rPr b="0" lang="en-US" sz="1600" spc="-1" strike="noStrike">
-                <a:solidFill>
-                  <a:srgbClr val="000000"/>
-                </a:solidFill>
-                <a:latin typeface="arial"/>
-                <a:ea typeface="arial"/>
-              </a:rPr>
-              <a:t>setembro/2020 </a:t>
-            </a:r>
-            <a:endParaRPr b="0" lang="en-US" sz="1600" spc="-1" strike="noStrike">
               <a:latin typeface="Arial"/>
             </a:endParaRPr>
           </a:p>
@@ -5138,7 +5202,7 @@
       </p:sp>
       <p:pic>
         <p:nvPicPr>
-          <p:cNvPr id="119" name="Google Shape;145;p25" descr=""/>
+          <p:cNvPr id="120" name="" descr=""/>
           <p:cNvPicPr/>
           <p:nvPr/>
         </p:nvPicPr>
@@ -5148,8 +5212,8 @@
         </p:blipFill>
         <p:spPr>
           <a:xfrm>
-            <a:off x="7947360" y="360"/>
-            <a:ext cx="2131200" cy="778680"/>
+            <a:off x="0" y="1188720"/>
+            <a:ext cx="10078920" cy="2947680"/>
           </a:xfrm>
           <a:prstGeom prst="rect">
             <a:avLst/>
@@ -5159,39 +5223,115 @@
           </a:ln>
         </p:spPr>
       </p:pic>
-      <p:pic>
-        <p:nvPicPr>
-          <p:cNvPr id="120" name="Google Shape;146;p25" descr=""/>
-          <p:cNvPicPr/>
-          <p:nvPr/>
-        </p:nvPicPr>
-        <p:blipFill>
-          <a:blip r:embed="rId2"/>
-          <a:stretch/>
-        </p:blipFill>
-        <p:spPr>
-          <a:xfrm>
-            <a:off x="0" y="360"/>
-            <a:ext cx="2192400" cy="666360"/>
-          </a:xfrm>
-          <a:prstGeom prst="rect">
-            <a:avLst/>
-          </a:prstGeom>
-          <a:ln>
-            <a:noFill/>
-          </a:ln>
-        </p:spPr>
-      </p:pic>
-      <p:sp>
-        <p:nvSpPr>
-          <p:cNvPr id="121" name="CustomShape 2"/>
+      <p:sp>
+        <p:nvSpPr>
+          <p:cNvPr id="121" name="CustomShape 3"/>
           <p:cNvSpPr/>
           <p:nvPr/>
         </p:nvSpPr>
         <p:spPr>
-          <a:xfrm>
-            <a:off x="6583680" y="1828800"/>
-            <a:ext cx="1190880" cy="723600"/>
+          <a:xfrm flipH="1" rot="5400600">
+            <a:off x="2114640" y="3828240"/>
+            <a:ext cx="699120" cy="543240"/>
+          </a:xfrm>
+          <a:custGeom>
+            <a:avLst/>
+            <a:gdLst/>
+            <a:ahLst/>
+            <a:rect l="l" t="t" r="r" b="b"/>
+            <a:pathLst>
+              <a:path w="841" h="854">
+                <a:moveTo>
+                  <a:pt x="517" y="247"/>
+                </a:moveTo>
+                <a:lnTo>
+                  <a:pt x="517" y="415"/>
+                </a:lnTo>
+                <a:lnTo>
+                  <a:pt x="264" y="415"/>
+                </a:lnTo>
+                <a:lnTo>
+                  <a:pt x="264" y="0"/>
+                </a:lnTo>
+                <a:lnTo>
+                  <a:pt x="0" y="0"/>
+                </a:lnTo>
+                <a:lnTo>
+                  <a:pt x="0" y="680"/>
+                </a:lnTo>
+                <a:lnTo>
+                  <a:pt x="517" y="680"/>
+                </a:lnTo>
+                <a:lnTo>
+                  <a:pt x="517" y="854"/>
+                </a:lnTo>
+                <a:lnTo>
+                  <a:pt x="841" y="547"/>
+                </a:lnTo>
+                <a:lnTo>
+                  <a:pt x="517" y="247"/>
+                </a:lnTo>
+                <a:close/>
+              </a:path>
+            </a:pathLst>
+          </a:custGeom>
+          <a:solidFill>
+            <a:srgbClr val="729fcf"/>
+          </a:solidFill>
+          <a:ln w="9360">
+            <a:solidFill>
+              <a:srgbClr val="3465a4"/>
+            </a:solidFill>
+            <a:round/>
+          </a:ln>
+        </p:spPr>
+        <p:style>
+          <a:lnRef idx="0"/>
+          <a:fillRef idx="0"/>
+          <a:effectRef idx="0"/>
+          <a:fontRef idx="minor"/>
+        </p:style>
+      </p:sp>
+    </p:spTree>
+  </p:cSld>
+  <mc:AlternateContent>
+    <mc:Choice Requires="p14">
+      <p:transition spd="slow" p14:dur="2000"/>
+    </mc:Choice>
+    <mc:Fallback>
+      <p:transition spd="slow"/>
+    </mc:Fallback>
+  </mc:AlternateContent>
+</p:sld>
+</file>
+
+<file path=ppt/slides/slide19.xml><?xml version="1.0" encoding="utf-8"?>
+<p:sld xmlns:a="http://schemas.openxmlformats.org/drawingml/2006/main" xmlns:p="http://schemas.openxmlformats.org/presentationml/2006/main" xmlns:r="http://schemas.openxmlformats.org/officeDocument/2006/relationships" xmlns:p14="http://schemas.microsoft.com/office/powerpoint/2010/main" xmlns:p15="http://schemas.microsoft.com/office/powerpoint/2012/main" xmlns:mc="http://schemas.openxmlformats.org/markup-compatibility/2006">
+  <p:cSld>
+    <p:spTree>
+      <p:nvGrpSpPr>
+        <p:cNvPr id="1" name=""/>
+        <p:cNvGrpSpPr/>
+        <p:nvPr/>
+      </p:nvGrpSpPr>
+      <p:grpSpPr>
+        <a:xfrm>
+          <a:off x="0" y="0"/>
+          <a:ext cx="0" cy="0"/>
+          <a:chOff x="0" y="0"/>
+          <a:chExt cx="0" cy="0"/>
+        </a:xfrm>
+      </p:grpSpPr>
+      <p:sp>
+        <p:nvSpPr>
+          <p:cNvPr id="122" name="CustomShape 1"/>
+          <p:cNvSpPr/>
+          <p:nvPr/>
+        </p:nvSpPr>
+        <p:spPr>
+          <a:xfrm>
+            <a:off x="2468880" y="3474720"/>
+            <a:ext cx="4385520" cy="1649160"/>
           </a:xfrm>
           <a:prstGeom prst="rect">
             <a:avLst/>
@@ -5218,6 +5358,36 @@
               </a:lnSpc>
             </a:pPr>
             <a:r>
+              <a:rPr b="0" lang="en-US" sz="2200" spc="-1" strike="noStrike">
+                <a:solidFill>
+                  <a:srgbClr val="000000"/>
+                </a:solidFill>
+                <a:latin typeface="arial"/>
+                <a:ea typeface="arial"/>
+              </a:rPr>
+              <a:t>PhD Flavio Lichtenstein</a:t>
+            </a:r>
+            <a:endParaRPr b="0" lang="en-US" sz="2200" spc="-1" strike="noStrike">
+              <a:latin typeface="Arial"/>
+            </a:endParaRPr>
+          </a:p>
+          <a:p>
+            <a:pPr>
+              <a:lnSpc>
+                <a:spcPct val="100000"/>
+              </a:lnSpc>
+            </a:pPr>
+            <a:endParaRPr b="0" lang="en-US" sz="2200" spc="-1" strike="noStrike">
+              <a:latin typeface="Arial"/>
+            </a:endParaRPr>
+          </a:p>
+          <a:p>
+            <a:pPr>
+              <a:lnSpc>
+                <a:spcPct val="100000"/>
+              </a:lnSpc>
+            </a:pPr>
+            <a:r>
               <a:rPr b="0" lang="en-US" sz="1500" spc="-1" strike="noStrike">
                 <a:solidFill>
                   <a:srgbClr val="000000"/>
@@ -5225,7 +5395,7 @@
                 <a:latin typeface="arial"/>
                 <a:ea typeface="arial"/>
               </a:rPr>
-              <a:t>Obrigado</a:t>
+              <a:t>Bioinformatics, Systems Biology, and Biostatistics</a:t>
             </a:r>
             <a:endParaRPr b="0" lang="en-US" sz="1500" spc="-1" strike="noStrike">
               <a:latin typeface="Arial"/>
@@ -5248,16 +5418,46 @@
               </a:lnSpc>
             </a:pPr>
             <a:r>
-              <a:rPr b="0" lang="en-US" sz="1500" spc="-1" strike="noStrike">
-                <a:solidFill>
-                  <a:srgbClr val="000000"/>
-                </a:solidFill>
-                <a:latin typeface="arial"/>
-                <a:ea typeface="arial"/>
-              </a:rPr>
-              <a:t>Dúvidas?</a:t>
-            </a:r>
-            <a:endParaRPr b="0" lang="en-US" sz="1500" spc="-1" strike="noStrike">
+              <a:rPr b="0" lang="en-US" sz="2200" spc="-1" strike="noStrike">
+                <a:solidFill>
+                  <a:srgbClr val="000000"/>
+                </a:solidFill>
+                <a:latin typeface="arial"/>
+                <a:ea typeface="arial"/>
+              </a:rPr>
+              <a:t>CENTD – Institututo Butantan</a:t>
+            </a:r>
+            <a:endParaRPr b="0" lang="en-US" sz="2200" spc="-1" strike="noStrike">
+              <a:latin typeface="Arial"/>
+            </a:endParaRPr>
+          </a:p>
+          <a:p>
+            <a:pPr>
+              <a:lnSpc>
+                <a:spcPct val="100000"/>
+              </a:lnSpc>
+            </a:pPr>
+            <a:endParaRPr b="0" lang="en-US" sz="2200" spc="-1" strike="noStrike">
+              <a:latin typeface="Arial"/>
+            </a:endParaRPr>
+          </a:p>
+          <a:p>
+            <a:pPr>
+              <a:lnSpc>
+                <a:spcPct val="100000"/>
+              </a:lnSpc>
+            </a:pPr>
+            <a:r>
+              <a:rPr b="0" lang="en-US" sz="1600" spc="-1" strike="noStrike">
+                <a:solidFill>
+                  <a:srgbClr val="000000"/>
+                </a:solidFill>
+                <a:latin typeface="arial"/>
+                <a:ea typeface="arial"/>
+              </a:rPr>
+              <a:t>setembro/2020 </a:t>
+            </a:r>
+            <a:endParaRPr b="0" lang="en-US" sz="1600" spc="-1" strike="noStrike">
               <a:latin typeface="Arial"/>
             </a:endParaRPr>
           </a:p>
@@ -5265,7 +5465,134 @@
       </p:sp>
       <p:pic>
         <p:nvPicPr>
-          <p:cNvPr id="122" name="Google Shape;148;p25" descr=""/>
+          <p:cNvPr id="123" name="Google Shape;145;p25" descr=""/>
+          <p:cNvPicPr/>
+          <p:nvPr/>
+        </p:nvPicPr>
+        <p:blipFill>
+          <a:blip r:embed="rId1"/>
+          <a:stretch/>
+        </p:blipFill>
+        <p:spPr>
+          <a:xfrm>
+            <a:off x="7947360" y="360"/>
+            <a:ext cx="2130840" cy="778320"/>
+          </a:xfrm>
+          <a:prstGeom prst="rect">
+            <a:avLst/>
+          </a:prstGeom>
+          <a:ln>
+            <a:noFill/>
+          </a:ln>
+        </p:spPr>
+      </p:pic>
+      <p:pic>
+        <p:nvPicPr>
+          <p:cNvPr id="124" name="Google Shape;146;p25" descr=""/>
+          <p:cNvPicPr/>
+          <p:nvPr/>
+        </p:nvPicPr>
+        <p:blipFill>
+          <a:blip r:embed="rId2"/>
+          <a:stretch/>
+        </p:blipFill>
+        <p:spPr>
+          <a:xfrm>
+            <a:off x="0" y="360"/>
+            <a:ext cx="2192040" cy="666000"/>
+          </a:xfrm>
+          <a:prstGeom prst="rect">
+            <a:avLst/>
+          </a:prstGeom>
+          <a:ln>
+            <a:noFill/>
+          </a:ln>
+        </p:spPr>
+      </p:pic>
+      <p:sp>
+        <p:nvSpPr>
+          <p:cNvPr id="125" name="CustomShape 2"/>
+          <p:cNvSpPr/>
+          <p:nvPr/>
+        </p:nvSpPr>
+        <p:spPr>
+          <a:xfrm>
+            <a:off x="6583680" y="1828800"/>
+            <a:ext cx="1190520" cy="723240"/>
+          </a:xfrm>
+          <a:prstGeom prst="rect">
+            <a:avLst/>
+          </a:prstGeom>
+          <a:noFill/>
+          <a:ln>
+            <a:noFill/>
+          </a:ln>
+        </p:spPr>
+        <p:style>
+          <a:lnRef idx="0"/>
+          <a:fillRef idx="0"/>
+          <a:effectRef idx="0"/>
+          <a:fontRef idx="minor"/>
+        </p:style>
+        <p:txBody>
+          <a:bodyPr lIns="90000" rIns="90000" tIns="45000" bIns="45000">
+            <a:noAutofit/>
+          </a:bodyPr>
+          <a:p>
+            <a:pPr>
+              <a:lnSpc>
+                <a:spcPct val="100000"/>
+              </a:lnSpc>
+            </a:pPr>
+            <a:r>
+              <a:rPr b="0" lang="en-US" sz="1500" spc="-1" strike="noStrike">
+                <a:solidFill>
+                  <a:srgbClr val="000000"/>
+                </a:solidFill>
+                <a:latin typeface="arial"/>
+                <a:ea typeface="arial"/>
+              </a:rPr>
+              <a:t>Obrigado</a:t>
+            </a:r>
+            <a:endParaRPr b="0" lang="en-US" sz="1500" spc="-1" strike="noStrike">
+              <a:latin typeface="Arial"/>
+            </a:endParaRPr>
+          </a:p>
+          <a:p>
+            <a:pPr>
+              <a:lnSpc>
+                <a:spcPct val="100000"/>
+              </a:lnSpc>
+            </a:pPr>
+            <a:endParaRPr b="0" lang="en-US" sz="1500" spc="-1" strike="noStrike">
+              <a:latin typeface="Arial"/>
+            </a:endParaRPr>
+          </a:p>
+          <a:p>
+            <a:pPr>
+              <a:lnSpc>
+                <a:spcPct val="100000"/>
+              </a:lnSpc>
+            </a:pPr>
+            <a:r>
+              <a:rPr b="0" lang="en-US" sz="1500" spc="-1" strike="noStrike">
+                <a:solidFill>
+                  <a:srgbClr val="000000"/>
+                </a:solidFill>
+                <a:latin typeface="arial"/>
+                <a:ea typeface="arial"/>
+              </a:rPr>
+              <a:t>Dúvidas?</a:t>
+            </a:r>
+            <a:endParaRPr b="0" lang="en-US" sz="1500" spc="-1" strike="noStrike">
+              <a:latin typeface="Arial"/>
+            </a:endParaRPr>
+          </a:p>
+        </p:txBody>
+      </p:sp>
+      <p:pic>
+        <p:nvPicPr>
+          <p:cNvPr id="126" name="Google Shape;148;p25" descr=""/>
           <p:cNvPicPr/>
           <p:nvPr/>
         </p:nvPicPr>
@@ -5276,7 +5603,7 @@
         <p:spPr>
           <a:xfrm>
             <a:off x="2468880" y="731520"/>
-            <a:ext cx="3621240" cy="2649960"/>
+            <a:ext cx="3620880" cy="2649600"/>
           </a:xfrm>
           <a:prstGeom prst="rect">
             <a:avLst/>
@@ -5325,7 +5652,7 @@
         <p:spPr>
           <a:xfrm>
             <a:off x="0" y="0"/>
-            <a:ext cx="10076760" cy="728280"/>
+            <a:ext cx="10076400" cy="727920"/>
           </a:xfrm>
           <a:prstGeom prst="rect">
             <a:avLst/>
@@ -5381,7 +5708,7 @@
         <p:spPr>
           <a:xfrm>
             <a:off x="136080" y="809280"/>
-            <a:ext cx="9006120" cy="469080"/>
+            <a:ext cx="9005760" cy="468720"/>
           </a:xfrm>
           <a:prstGeom prst="rect">
             <a:avLst/>
@@ -5452,7 +5779,7 @@
         <p:spPr>
           <a:xfrm>
             <a:off x="91440" y="4111920"/>
-            <a:ext cx="9965880" cy="1007640"/>
+            <a:ext cx="9965520" cy="1558800"/>
           </a:xfrm>
           <a:prstGeom prst="rect">
             <a:avLst/>
@@ -5568,8 +5895,8 @@
         </p:nvSpPr>
         <p:spPr>
           <a:xfrm>
-            <a:off x="136080" y="875160"/>
-            <a:ext cx="9942840" cy="4700880"/>
+            <a:off x="136080" y="767160"/>
+            <a:ext cx="9942480" cy="4700520"/>
           </a:xfrm>
           <a:prstGeom prst="rect">
             <a:avLst/>
@@ -5672,7 +5999,7 @@
             </a:endParaRPr>
           </a:p>
           <a:p>
-            <a:pPr marL="457200" indent="-366840">
+            <a:pPr marL="457200" indent="-366480">
               <a:lnSpc>
                 <a:spcPct val="115000"/>
               </a:lnSpc>
@@ -5703,7 +6030,7 @@
             </a:endParaRPr>
           </a:p>
           <a:p>
-            <a:pPr marL="457200" indent="-366840">
+            <a:pPr marL="457200" indent="-366480">
               <a:lnSpc>
                 <a:spcPct val="115000"/>
               </a:lnSpc>
@@ -5731,7 +6058,7 @@
             </a:endParaRPr>
           </a:p>
           <a:p>
-            <a:pPr marL="457200" indent="-366840">
+            <a:pPr marL="457200" indent="-366480">
               <a:lnSpc>
                 <a:spcPct val="115000"/>
               </a:lnSpc>
@@ -5759,7 +6086,7 @@
             </a:endParaRPr>
           </a:p>
           <a:p>
-            <a:pPr marL="457200" indent="-366840">
+            <a:pPr marL="457200" indent="-366480">
               <a:lnSpc>
                 <a:spcPct val="115000"/>
               </a:lnSpc>
@@ -5827,7 +6154,7 @@
         <p:spPr>
           <a:xfrm>
             <a:off x="0" y="0"/>
-            <a:ext cx="10076760" cy="728280"/>
+            <a:ext cx="10076400" cy="727920"/>
           </a:xfrm>
           <a:prstGeom prst="rect">
             <a:avLst/>
@@ -5883,7 +6210,7 @@
         <p:spPr>
           <a:xfrm>
             <a:off x="136080" y="809280"/>
-            <a:ext cx="9006120" cy="469080"/>
+            <a:ext cx="9005760" cy="468720"/>
           </a:xfrm>
           <a:prstGeom prst="rect">
             <a:avLst/>
@@ -5953,8 +6280,8 @@
         </p:nvSpPr>
         <p:spPr>
           <a:xfrm>
-            <a:off x="91440" y="4111920"/>
-            <a:ext cx="9965880" cy="1007640"/>
+            <a:off x="91440" y="3931920"/>
+            <a:ext cx="9965520" cy="1717920"/>
           </a:xfrm>
           <a:prstGeom prst="rect">
             <a:avLst/>
@@ -6083,8 +6410,8 @@
         </p:nvSpPr>
         <p:spPr>
           <a:xfrm>
-            <a:off x="136080" y="875160"/>
-            <a:ext cx="9942840" cy="4700880"/>
+            <a:off x="136080" y="731160"/>
+            <a:ext cx="9942480" cy="4700520"/>
           </a:xfrm>
           <a:prstGeom prst="rect">
             <a:avLst/>
@@ -6187,7 +6514,7 @@
             </a:endParaRPr>
           </a:p>
           <a:p>
-            <a:pPr marL="457200" indent="-366840">
+            <a:pPr marL="457200" indent="-366480">
               <a:lnSpc>
                 <a:spcPct val="115000"/>
               </a:lnSpc>
@@ -6218,7 +6545,7 @@
             </a:endParaRPr>
           </a:p>
           <a:p>
-            <a:pPr marL="457200" indent="-366840">
+            <a:pPr marL="457200" indent="-366480">
               <a:lnSpc>
                 <a:spcPct val="115000"/>
               </a:lnSpc>
@@ -6246,7 +6573,7 @@
             </a:endParaRPr>
           </a:p>
           <a:p>
-            <a:pPr marL="457200" indent="-366840">
+            <a:pPr marL="457200" indent="-366480">
               <a:lnSpc>
                 <a:spcPct val="115000"/>
               </a:lnSpc>
@@ -6274,7 +6601,7 @@
             </a:endParaRPr>
           </a:p>
           <a:p>
-            <a:pPr marL="457200" indent="-366840">
+            <a:pPr marL="457200" indent="-366480">
               <a:lnSpc>
                 <a:spcPct val="115000"/>
               </a:lnSpc>
@@ -6342,7 +6669,7 @@
         <p:spPr>
           <a:xfrm>
             <a:off x="0" y="0"/>
-            <a:ext cx="10076760" cy="728280"/>
+            <a:ext cx="10076400" cy="727920"/>
           </a:xfrm>
           <a:prstGeom prst="rect">
             <a:avLst/>
@@ -6381,7 +6708,7 @@
                 <a:latin typeface="arial"/>
                 <a:ea typeface="arial"/>
               </a:rPr>
-              <a:t>Chamnando o Jupyter Notebook via menu</a:t>
+              <a:t>GitHub: atualizando o repositório clonado</a:t>
             </a:r>
             <a:endParaRPr b="0" lang="en-US" sz="2600" spc="-1" strike="noStrike">
               <a:latin typeface="Arial"/>
@@ -6397,8 +6724,8 @@
         </p:nvSpPr>
         <p:spPr>
           <a:xfrm>
-            <a:off x="136080" y="875160"/>
-            <a:ext cx="7818120" cy="4700880"/>
+            <a:off x="136080" y="809280"/>
+            <a:ext cx="9005760" cy="468720"/>
           </a:xfrm>
           <a:prstGeom prst="rect">
             <a:avLst/>
@@ -6419,7 +6746,78 @@
             <a:noAutofit/>
           </a:bodyPr>
           <a:p>
-            <a:pPr>
+            <a:pPr algn="ctr">
+              <a:lnSpc>
+                <a:spcPct val="100000"/>
+              </a:lnSpc>
+            </a:pPr>
+            <a:endParaRPr b="0" lang="en-US" sz="1800" spc="-1" strike="noStrike">
+              <a:latin typeface="Arial"/>
+            </a:endParaRPr>
+          </a:p>
+          <a:p>
+            <a:pPr>
+              <a:lnSpc>
+                <a:spcPct val="100000"/>
+              </a:lnSpc>
+            </a:pPr>
+            <a:endParaRPr b="0" lang="en-US" sz="1800" spc="-1" strike="noStrike">
+              <a:latin typeface="Arial"/>
+            </a:endParaRPr>
+          </a:p>
+          <a:p>
+            <a:pPr>
+              <a:lnSpc>
+                <a:spcPct val="100000"/>
+              </a:lnSpc>
+            </a:pPr>
+            <a:endParaRPr b="0" lang="en-US" sz="1800" spc="-1" strike="noStrike">
+              <a:latin typeface="Arial"/>
+            </a:endParaRPr>
+          </a:p>
+          <a:p>
+            <a:pPr>
+              <a:lnSpc>
+                <a:spcPct val="100000"/>
+              </a:lnSpc>
+            </a:pPr>
+            <a:endParaRPr b="0" lang="en-US" sz="1800" spc="-1" strike="noStrike">
+              <a:latin typeface="Arial"/>
+            </a:endParaRPr>
+          </a:p>
+        </p:txBody>
+      </p:sp>
+      <p:sp>
+        <p:nvSpPr>
+          <p:cNvPr id="52" name="CustomShape 3"/>
+          <p:cNvSpPr/>
+          <p:nvPr/>
+        </p:nvSpPr>
+        <p:spPr>
+          <a:xfrm>
+            <a:off x="91440" y="4507920"/>
+            <a:ext cx="9965520" cy="1007280"/>
+          </a:xfrm>
+          <a:prstGeom prst="rect">
+            <a:avLst/>
+          </a:prstGeom>
+          <a:noFill/>
+          <a:ln>
+            <a:noFill/>
+          </a:ln>
+        </p:spPr>
+        <p:style>
+          <a:lnRef idx="0"/>
+          <a:fillRef idx="0"/>
+          <a:effectRef idx="0"/>
+          <a:fontRef idx="minor"/>
+        </p:style>
+        <p:txBody>
+          <a:bodyPr lIns="90000" rIns="90000" tIns="45000" bIns="45000">
+            <a:noAutofit/>
+          </a:bodyPr>
+          <a:p>
+            <a:pPr algn="ctr">
               <a:lnSpc>
                 <a:spcPct val="100000"/>
               </a:lnSpc>
@@ -6432,14 +6830,24 @@
                 <a:latin typeface="arial"/>
                 <a:ea typeface="arial"/>
               </a:rPr>
-              <a:t>Procure no menu por Anaconda ou Jupyter ...</a:t>
+              <a:t>git </a:t>
+            </a:r>
+            <a:r>
+              <a:rPr b="0" lang="en-US" sz="2000" spc="-1" strike="noStrike">
+                <a:solidFill>
+                  <a:srgbClr val="000000"/>
+                </a:solidFill>
+                <a:latin typeface="arial"/>
+                <a:ea typeface="arial"/>
+              </a:rPr>
+              <a:t>pull</a:t>
             </a:r>
             <a:endParaRPr b="0" lang="en-US" sz="2000" spc="-1" strike="noStrike">
               <a:latin typeface="Arial"/>
             </a:endParaRPr>
           </a:p>
           <a:p>
-            <a:pPr>
+            <a:pPr algn="ctr">
               <a:lnSpc>
                 <a:spcPct val="100000"/>
               </a:lnSpc>
@@ -6449,7 +6857,182 @@
             </a:endParaRPr>
           </a:p>
           <a:p>
-            <a:pPr marL="457200" indent="-366840">
+            <a:pPr algn="ctr">
+              <a:lnSpc>
+                <a:spcPct val="100000"/>
+              </a:lnSpc>
+            </a:pPr>
+            <a:r>
+              <a:rPr b="0" lang="en-US" sz="2000" spc="-1" strike="noStrike">
+                <a:solidFill>
+                  <a:srgbClr val="000000"/>
+                </a:solidFill>
+                <a:highlight>
+                  <a:srgbClr val="ffffff"/>
+                </a:highlight>
+                <a:latin typeface="arial"/>
+                <a:ea typeface="arial"/>
+              </a:rPr>
+              <a:t>Os </a:t>
+            </a:r>
+            <a:r>
+              <a:rPr b="0" lang="en-US" sz="2000" spc="-1" strike="noStrike">
+                <a:solidFill>
+                  <a:srgbClr val="000000"/>
+                </a:solidFill>
+                <a:highlight>
+                  <a:srgbClr val="ffffff"/>
+                </a:highlight>
+                <a:latin typeface="arial"/>
+                <a:ea typeface="arial"/>
+              </a:rPr>
+              <a:t>dado</a:t>
+            </a:r>
+            <a:r>
+              <a:rPr b="0" lang="en-US" sz="2000" spc="-1" strike="noStrike">
+                <a:solidFill>
+                  <a:srgbClr val="000000"/>
+                </a:solidFill>
+                <a:highlight>
+                  <a:srgbClr val="ffffff"/>
+                </a:highlight>
+                <a:latin typeface="arial"/>
+                <a:ea typeface="arial"/>
+              </a:rPr>
+              <a:t>s </a:t>
+            </a:r>
+            <a:r>
+              <a:rPr b="0" lang="en-US" sz="2000" spc="-1" strike="noStrike">
+                <a:solidFill>
+                  <a:srgbClr val="000000"/>
+                </a:solidFill>
+                <a:highlight>
+                  <a:srgbClr val="ffffff"/>
+                </a:highlight>
+                <a:latin typeface="arial"/>
+                <a:ea typeface="arial"/>
+              </a:rPr>
+              <a:t>serã</a:t>
+            </a:r>
+            <a:r>
+              <a:rPr b="0" lang="en-US" sz="2000" spc="-1" strike="noStrike">
+                <a:solidFill>
+                  <a:srgbClr val="000000"/>
+                </a:solidFill>
+                <a:highlight>
+                  <a:srgbClr val="ffffff"/>
+                </a:highlight>
+                <a:latin typeface="arial"/>
+                <a:ea typeface="arial"/>
+              </a:rPr>
+              <a:t>o </a:t>
+            </a:r>
+            <a:r>
+              <a:rPr b="0" lang="en-US" sz="2000" spc="-1" strike="noStrike">
+                <a:solidFill>
+                  <a:srgbClr val="000000"/>
+                </a:solidFill>
+                <a:highlight>
+                  <a:srgbClr val="ffffff"/>
+                </a:highlight>
+                <a:latin typeface="arial"/>
+                <a:ea typeface="arial"/>
+              </a:rPr>
+              <a:t>atual</a:t>
+            </a:r>
+            <a:r>
+              <a:rPr b="0" lang="en-US" sz="2000" spc="-1" strike="noStrike">
+                <a:solidFill>
+                  <a:srgbClr val="000000"/>
+                </a:solidFill>
+                <a:highlight>
+                  <a:srgbClr val="ffffff"/>
+                </a:highlight>
+                <a:latin typeface="arial"/>
+                <a:ea typeface="arial"/>
+              </a:rPr>
+              <a:t>izad</a:t>
+            </a:r>
+            <a:r>
+              <a:rPr b="0" lang="en-US" sz="2000" spc="-1" strike="noStrike">
+                <a:solidFill>
+                  <a:srgbClr val="000000"/>
+                </a:solidFill>
+                <a:highlight>
+                  <a:srgbClr val="ffffff"/>
+                </a:highlight>
+                <a:latin typeface="arial"/>
+                <a:ea typeface="arial"/>
+              </a:rPr>
+              <a:t>os !</a:t>
+            </a:r>
+            <a:endParaRPr b="0" lang="en-US" sz="2000" spc="-1" strike="noStrike">
+              <a:latin typeface="Arial"/>
+            </a:endParaRPr>
+          </a:p>
+        </p:txBody>
+      </p:sp>
+      <p:sp>
+        <p:nvSpPr>
+          <p:cNvPr id="53" name="CustomShape 4"/>
+          <p:cNvSpPr/>
+          <p:nvPr/>
+        </p:nvSpPr>
+        <p:spPr>
+          <a:xfrm>
+            <a:off x="136080" y="875160"/>
+            <a:ext cx="9942480" cy="4700520"/>
+          </a:xfrm>
+          <a:prstGeom prst="rect">
+            <a:avLst/>
+          </a:prstGeom>
+          <a:noFill/>
+          <a:ln>
+            <a:noFill/>
+          </a:ln>
+        </p:spPr>
+        <p:style>
+          <a:lnRef idx="0"/>
+          <a:fillRef idx="0"/>
+          <a:effectRef idx="0"/>
+          <a:fontRef idx="minor"/>
+        </p:style>
+        <p:txBody>
+          <a:bodyPr lIns="90000" rIns="90000" tIns="45000" bIns="45000">
+            <a:noAutofit/>
+          </a:bodyPr>
+          <a:p>
+            <a:pPr>
+              <a:lnSpc>
+                <a:spcPct val="100000"/>
+              </a:lnSpc>
+            </a:pPr>
+            <a:r>
+              <a:rPr b="0" lang="en-US" sz="2000" spc="-1" strike="noStrike">
+                <a:solidFill>
+                  <a:srgbClr val="000000"/>
+                </a:solidFill>
+                <a:latin typeface="arial"/>
+                <a:ea typeface="arial"/>
+              </a:rPr>
+              <a:t>Depois que você clonou um diretório, não altere os arquivos que lá estão</a:t>
+            </a:r>
+            <a:endParaRPr b="0" lang="en-US" sz="2000" spc="-1" strike="noStrike">
+              <a:latin typeface="Arial"/>
+            </a:endParaRPr>
+          </a:p>
+          <a:p>
+            <a:pPr>
+              <a:lnSpc>
+                <a:spcPct val="100000"/>
+              </a:lnSpc>
+            </a:pPr>
+            <a:endParaRPr b="0" lang="en-US" sz="2000" spc="-1" strike="noStrike">
+              <a:latin typeface="Arial"/>
+            </a:endParaRPr>
+          </a:p>
+          <a:p>
+            <a:pPr marL="457200" indent="-366480">
               <a:lnSpc>
                 <a:spcPct val="115000"/>
               </a:lnSpc>
@@ -6467,17 +7050,20 @@
                 <a:solidFill>
                   <a:srgbClr val="000000"/>
                 </a:solidFill>
-                <a:latin typeface="arial"/>
-                <a:ea typeface="arial"/>
-              </a:rPr>
-              <a:t>Você encontrará o Navigator e o Jupyter Notebook (NB)</a:t>
+                <a:highlight>
+                  <a:srgbClr val="ffffff"/>
+                </a:highlight>
+                <a:latin typeface="arial"/>
+                <a:ea typeface="arial"/>
+              </a:rPr>
+              <a:t>Não altere os arquivos</a:t>
             </a:r>
             <a:endParaRPr b="0" lang="en-US" sz="2200" spc="-1" strike="noStrike">
               <a:latin typeface="Arial"/>
             </a:endParaRPr>
           </a:p>
           <a:p>
-            <a:pPr marL="457200" indent="-366840">
+            <a:pPr marL="457200" indent="-366480">
               <a:lnSpc>
                 <a:spcPct val="115000"/>
               </a:lnSpc>
@@ -6495,17 +7081,20 @@
                 <a:solidFill>
                   <a:srgbClr val="000000"/>
                 </a:solidFill>
-                <a:latin typeface="arial"/>
-                <a:ea typeface="arial"/>
-              </a:rPr>
-              <a:t>Dê um clique em JN</a:t>
+                <a:highlight>
+                  <a:srgbClr val="ffffff"/>
+                </a:highlight>
+                <a:latin typeface="arial"/>
+                <a:ea typeface="arial"/>
+              </a:rPr>
+              <a:t>Abra-os com JN e em Files / Make a Copy</a:t>
             </a:r>
             <a:endParaRPr b="0" lang="en-US" sz="2200" spc="-1" strike="noStrike">
               <a:latin typeface="Arial"/>
             </a:endParaRPr>
           </a:p>
           <a:p>
-            <a:pPr marL="457200" indent="-366840">
+            <a:pPr marL="457200" indent="-366480">
               <a:lnSpc>
                 <a:spcPct val="115000"/>
               </a:lnSpc>
@@ -6523,17 +7112,20 @@
                 <a:solidFill>
                   <a:srgbClr val="000000"/>
                 </a:solidFill>
-                <a:latin typeface="arial"/>
-                <a:ea typeface="arial"/>
-              </a:rPr>
-              <a:t>Ele setará o “environment” (ambiente) que você criou (com Python 3.85, neste caso) e abrirá o Jupiter em c:\users\seu_nome (em windows) ou em ~ (home) em Mac OS.</a:t>
+                <a:highlight>
+                  <a:srgbClr val="ffffff"/>
+                </a:highlight>
+                <a:latin typeface="arial"/>
+                <a:ea typeface="arial"/>
+              </a:rPr>
+              <a:t>Altere a Cópia e pode renomeá-la</a:t>
             </a:r>
             <a:endParaRPr b="0" lang="en-US" sz="2200" spc="-1" strike="noStrike">
               <a:latin typeface="Arial"/>
             </a:endParaRPr>
           </a:p>
           <a:p>
-            <a:pPr marL="457200" indent="-366840">
+            <a:pPr marL="457200" indent="-366480">
               <a:lnSpc>
                 <a:spcPct val="115000"/>
               </a:lnSpc>
@@ -6551,68 +7143,50 @@
                 <a:solidFill>
                   <a:srgbClr val="000000"/>
                 </a:solidFill>
-                <a:latin typeface="arial"/>
-                <a:ea typeface="arial"/>
-              </a:rPr>
-              <a:t>Dentro deste diretório você encontrará a pasta curso_python, que você acabou de clonar. Clique nesta pasta (diretório) e verá ….</a:t>
+                <a:highlight>
+                  <a:srgbClr val="ffffff"/>
+                </a:highlight>
+                <a:latin typeface="arial"/>
+                <a:ea typeface="arial"/>
+              </a:rPr>
+              <a:t>Dias depois o repositório pode ser alterado:</a:t>
             </a:r>
             <a:endParaRPr b="0" lang="en-US" sz="2200" spc="-1" strike="noStrike">
               <a:latin typeface="Arial"/>
             </a:endParaRPr>
           </a:p>
+          <a:p>
+            <a:pPr marL="548640">
+              <a:lnSpc>
+                <a:spcPct val="115000"/>
+              </a:lnSpc>
+              <a:spcBef>
+                <a:spcPts val="1009"/>
+              </a:spcBef>
+              <a:buClr>
+                <a:srgbClr val="000000"/>
+              </a:buClr>
+              <a:buFont typeface="arial"/>
+              <a:buChar char="●"/>
+            </a:pPr>
+            <a:r>
+              <a:rPr b="0" lang="en-US" sz="2200" spc="-1" strike="noStrike">
+                <a:solidFill>
+                  <a:srgbClr val="000000"/>
+                </a:solidFill>
+                <a:highlight>
+                  <a:srgbClr val="ffffff"/>
+                </a:highlight>
+                <a:latin typeface="arial"/>
+                <a:ea typeface="arial"/>
+              </a:rPr>
+              <a:t>Vá para a raiza do diretório:</a:t>
+            </a:r>
+            <a:endParaRPr b="0" lang="en-US" sz="2200" spc="-1" strike="noStrike">
+              <a:latin typeface="Arial"/>
+            </a:endParaRPr>
+          </a:p>
         </p:txBody>
-      </p:sp>
-      <p:pic>
-        <p:nvPicPr>
-          <p:cNvPr id="52" name="" descr=""/>
-          <p:cNvPicPr/>
-          <p:nvPr/>
-        </p:nvPicPr>
-        <p:blipFill>
-          <a:blip r:embed="rId1"/>
-          <a:stretch/>
-        </p:blipFill>
-        <p:spPr>
-          <a:xfrm>
-            <a:off x="8047800" y="1463040"/>
-            <a:ext cx="1826640" cy="3895920"/>
-          </a:xfrm>
-          <a:prstGeom prst="rect">
-            <a:avLst/>
-          </a:prstGeom>
-          <a:ln>
-            <a:noFill/>
-          </a:ln>
-        </p:spPr>
-      </p:pic>
-      <p:sp>
-        <p:nvSpPr>
-          <p:cNvPr id="53" name="CustomShape 3"/>
-          <p:cNvSpPr/>
-          <p:nvPr/>
-        </p:nvSpPr>
-        <p:spPr>
-          <a:xfrm>
-            <a:off x="8138160" y="2834640"/>
-            <a:ext cx="1736280" cy="456120"/>
-          </a:xfrm>
-          <a:prstGeom prst="ellipse">
-            <a:avLst/>
-          </a:prstGeom>
-          <a:noFill/>
-          <a:ln w="12600">
-            <a:solidFill>
-              <a:srgbClr val="ffff00"/>
-            </a:solidFill>
-            <a:round/>
-          </a:ln>
-        </p:spPr>
-        <p:style>
-          <a:lnRef idx="0"/>
-          <a:fillRef idx="0"/>
-          <a:effectRef idx="0"/>
-          <a:fontRef idx="minor"/>
-        </p:style>
       </p:sp>
     </p:spTree>
   </p:cSld>
@@ -6653,7 +7227,7 @@
         <p:spPr>
           <a:xfrm>
             <a:off x="0" y="0"/>
-            <a:ext cx="10076760" cy="728280"/>
+            <a:ext cx="10076400" cy="727920"/>
           </a:xfrm>
           <a:prstGeom prst="rect">
             <a:avLst/>
@@ -6692,9 +7266,182 @@
                 <a:latin typeface="arial"/>
                 <a:ea typeface="arial"/>
               </a:rPr>
-              <a:t>Jupyter Notebook (tela de recepção)</a:t>
+              <a:t>Chamando o Jupyter Notebook via menu</a:t>
             </a:r>
             <a:endParaRPr b="0" lang="en-US" sz="2600" spc="-1" strike="noStrike">
+              <a:latin typeface="Arial"/>
+            </a:endParaRPr>
+          </a:p>
+        </p:txBody>
+      </p:sp>
+      <p:sp>
+        <p:nvSpPr>
+          <p:cNvPr id="55" name="CustomShape 2"/>
+          <p:cNvSpPr/>
+          <p:nvPr/>
+        </p:nvSpPr>
+        <p:spPr>
+          <a:xfrm>
+            <a:off x="136080" y="875160"/>
+            <a:ext cx="7817760" cy="4700520"/>
+          </a:xfrm>
+          <a:prstGeom prst="rect">
+            <a:avLst/>
+          </a:prstGeom>
+          <a:noFill/>
+          <a:ln>
+            <a:noFill/>
+          </a:ln>
+        </p:spPr>
+        <p:style>
+          <a:lnRef idx="0"/>
+          <a:fillRef idx="0"/>
+          <a:effectRef idx="0"/>
+          <a:fontRef idx="minor"/>
+        </p:style>
+        <p:txBody>
+          <a:bodyPr lIns="90000" rIns="90000" tIns="45000" bIns="45000">
+            <a:noAutofit/>
+          </a:bodyPr>
+          <a:p>
+            <a:pPr>
+              <a:lnSpc>
+                <a:spcPct val="100000"/>
+              </a:lnSpc>
+            </a:pPr>
+            <a:r>
+              <a:rPr b="0" lang="en-US" sz="2000" spc="-1" strike="noStrike">
+                <a:solidFill>
+                  <a:srgbClr val="000000"/>
+                </a:solidFill>
+                <a:latin typeface="arial"/>
+                <a:ea typeface="arial"/>
+              </a:rPr>
+              <a:t>Procure no menu por Anaconda ou Jupyter ...</a:t>
+            </a:r>
+            <a:endParaRPr b="0" lang="en-US" sz="2000" spc="-1" strike="noStrike">
+              <a:latin typeface="Arial"/>
+            </a:endParaRPr>
+          </a:p>
+          <a:p>
+            <a:pPr>
+              <a:lnSpc>
+                <a:spcPct val="100000"/>
+              </a:lnSpc>
+            </a:pPr>
+            <a:endParaRPr b="0" lang="en-US" sz="2000" spc="-1" strike="noStrike">
+              <a:latin typeface="Arial"/>
+            </a:endParaRPr>
+          </a:p>
+          <a:p>
+            <a:pPr marL="457200" indent="-366480">
+              <a:lnSpc>
+                <a:spcPct val="115000"/>
+              </a:lnSpc>
+              <a:spcBef>
+                <a:spcPts val="1009"/>
+              </a:spcBef>
+              <a:buClr>
+                <a:srgbClr val="000000"/>
+              </a:buClr>
+              <a:buFont typeface="arial"/>
+              <a:buChar char="●"/>
+            </a:pPr>
+            <a:r>
+              <a:rPr b="0" lang="en-US" sz="2200" spc="-1" strike="noStrike">
+                <a:solidFill>
+                  <a:srgbClr val="000000"/>
+                </a:solidFill>
+                <a:latin typeface="arial"/>
+                <a:ea typeface="arial"/>
+              </a:rPr>
+              <a:t>Você encontrará o Navigator e o Jupyter Notebook (NB)</a:t>
+            </a:r>
+            <a:endParaRPr b="0" lang="en-US" sz="2200" spc="-1" strike="noStrike">
+              <a:latin typeface="Arial"/>
+            </a:endParaRPr>
+          </a:p>
+          <a:p>
+            <a:pPr marL="457200" indent="-366480">
+              <a:lnSpc>
+                <a:spcPct val="115000"/>
+              </a:lnSpc>
+              <a:spcBef>
+                <a:spcPts val="1009"/>
+              </a:spcBef>
+              <a:buClr>
+                <a:srgbClr val="000000"/>
+              </a:buClr>
+              <a:buFont typeface="arial"/>
+              <a:buChar char="●"/>
+            </a:pPr>
+            <a:r>
+              <a:rPr b="0" lang="en-US" sz="2200" spc="-1" strike="noStrike">
+                <a:solidFill>
+                  <a:srgbClr val="000000"/>
+                </a:solidFill>
+                <a:latin typeface="arial"/>
+                <a:ea typeface="arial"/>
+              </a:rPr>
+              <a:t>Dê um clique em JN</a:t>
+            </a:r>
+            <a:endParaRPr b="0" lang="en-US" sz="2200" spc="-1" strike="noStrike">
+              <a:latin typeface="Arial"/>
+            </a:endParaRPr>
+          </a:p>
+          <a:p>
+            <a:pPr marL="457200" indent="-366480">
+              <a:lnSpc>
+                <a:spcPct val="115000"/>
+              </a:lnSpc>
+              <a:spcBef>
+                <a:spcPts val="1009"/>
+              </a:spcBef>
+              <a:buClr>
+                <a:srgbClr val="000000"/>
+              </a:buClr>
+              <a:buFont typeface="arial"/>
+              <a:buChar char="●"/>
+            </a:pPr>
+            <a:r>
+              <a:rPr b="0" lang="en-US" sz="2200" spc="-1" strike="noStrike">
+                <a:solidFill>
+                  <a:srgbClr val="000000"/>
+                </a:solidFill>
+                <a:latin typeface="arial"/>
+                <a:ea typeface="arial"/>
+              </a:rPr>
+              <a:t>Ele setará o “environment” (ambiente) que você criou (com Python 3.85, neste caso) e abrirá o Jupiter em c:\users\seu_nome (em windows) ou em ~ (home) em Mac OS.</a:t>
+            </a:r>
+            <a:endParaRPr b="0" lang="en-US" sz="2200" spc="-1" strike="noStrike">
+              <a:latin typeface="Arial"/>
+            </a:endParaRPr>
+          </a:p>
+          <a:p>
+            <a:pPr marL="457200" indent="-366480">
+              <a:lnSpc>
+                <a:spcPct val="115000"/>
+              </a:lnSpc>
+              <a:spcBef>
+                <a:spcPts val="1009"/>
+              </a:spcBef>
+              <a:buClr>
+                <a:srgbClr val="000000"/>
+              </a:buClr>
+              <a:buFont typeface="arial"/>
+              <a:buChar char="●"/>
+            </a:pPr>
+            <a:r>
+              <a:rPr b="0" lang="en-US" sz="2200" spc="-1" strike="noStrike">
+                <a:solidFill>
+                  <a:srgbClr val="000000"/>
+                </a:solidFill>
+                <a:latin typeface="arial"/>
+                <a:ea typeface="arial"/>
+              </a:rPr>
+              <a:t>Dentro deste diretório você encontrará a pasta curso_python, que você acabou de clonar. Clique nesta pasta (diretório) e verá ….</a:t>
+            </a:r>
+            <a:endParaRPr b="0" lang="en-US" sz="2200" spc="-1" strike="noStrike">
               <a:latin typeface="Arial"/>
             </a:endParaRPr>
           </a:p>
@@ -6702,7 +7449,7 @@
       </p:sp>
       <p:pic>
         <p:nvPicPr>
-          <p:cNvPr id="55" name="" descr=""/>
+          <p:cNvPr id="56" name="" descr=""/>
           <p:cNvPicPr/>
           <p:nvPr/>
         </p:nvPicPr>
@@ -6712,8 +7459,8 @@
         </p:blipFill>
         <p:spPr>
           <a:xfrm>
-            <a:off x="-2520" y="729360"/>
-            <a:ext cx="10079280" cy="4940280"/>
+            <a:off x="8047800" y="1463040"/>
+            <a:ext cx="1826280" cy="3895560"/>
           </a:xfrm>
           <a:prstGeom prst="rect">
             <a:avLst/>
@@ -6723,6 +7470,35 @@
           </a:ln>
         </p:spPr>
       </p:pic>
+      <p:sp>
+        <p:nvSpPr>
+          <p:cNvPr id="57" name="CustomShape 3"/>
+          <p:cNvSpPr/>
+          <p:nvPr/>
+        </p:nvSpPr>
+        <p:spPr>
+          <a:xfrm>
+            <a:off x="8138160" y="2834640"/>
+            <a:ext cx="1735920" cy="455760"/>
+          </a:xfrm>
+          <a:prstGeom prst="ellipse">
+            <a:avLst/>
+          </a:prstGeom>
+          <a:noFill/>
+          <a:ln w="12600">
+            <a:solidFill>
+              <a:srgbClr val="ffff00"/>
+            </a:solidFill>
+            <a:round/>
+          </a:ln>
+        </p:spPr>
+        <p:style>
+          <a:lnRef idx="0"/>
+          <a:fillRef idx="0"/>
+          <a:effectRef idx="0"/>
+          <a:fontRef idx="minor"/>
+        </p:style>
+      </p:sp>
     </p:spTree>
   </p:cSld>
   <mc:AlternateContent>
@@ -6755,14 +7531,14 @@
       </p:grpSpPr>
       <p:sp>
         <p:nvSpPr>
-          <p:cNvPr id="56" name="CustomShape 1"/>
+          <p:cNvPr id="58" name="CustomShape 1"/>
           <p:cNvSpPr/>
           <p:nvPr/>
         </p:nvSpPr>
         <p:spPr>
           <a:xfrm>
             <a:off x="0" y="0"/>
-            <a:ext cx="10076760" cy="728280"/>
+            <a:ext cx="10076400" cy="727920"/>
           </a:xfrm>
           <a:prstGeom prst="rect">
             <a:avLst/>
@@ -6801,7 +7577,7 @@
                 <a:latin typeface="arial"/>
                 <a:ea typeface="arial"/>
               </a:rPr>
-              <a:t>Jupyter Notebook – controlando ambientes</a:t>
+              <a:t>Jupyter Notebook (tela de recepção)</a:t>
             </a:r>
             <a:endParaRPr b="0" lang="en-US" sz="2600" spc="-1" strike="noStrike">
               <a:latin typeface="Arial"/>
@@ -6809,470 +7585,29 @@
           </a:p>
         </p:txBody>
       </p:sp>
-      <p:sp>
-        <p:nvSpPr>
-          <p:cNvPr id="57" name="CustomShape 2"/>
-          <p:cNvSpPr/>
+      <p:pic>
+        <p:nvPicPr>
+          <p:cNvPr id="59" name="" descr=""/>
+          <p:cNvPicPr/>
           <p:nvPr/>
-        </p:nvSpPr>
-        <p:spPr>
-          <a:xfrm>
-            <a:off x="136080" y="875160"/>
-            <a:ext cx="9829800" cy="4700880"/>
-          </a:xfrm>
-          <a:prstGeom prst="rect">
-            <a:avLst/>
-          </a:prstGeom>
-          <a:noFill/>
+        </p:nvPicPr>
+        <p:blipFill>
+          <a:blip r:embed="rId1"/>
+          <a:stretch/>
+        </p:blipFill>
+        <p:spPr>
+          <a:xfrm>
+            <a:off x="-2520" y="729360"/>
+            <a:ext cx="10078920" cy="4939920"/>
+          </a:xfrm>
+          <a:prstGeom prst="rect">
+            <a:avLst/>
+          </a:prstGeom>
           <a:ln>
             <a:noFill/>
           </a:ln>
         </p:spPr>
-        <p:style>
-          <a:lnRef idx="0"/>
-          <a:fillRef idx="0"/>
-          <a:effectRef idx="0"/>
-          <a:fontRef idx="minor"/>
-        </p:style>
-        <p:txBody>
-          <a:bodyPr lIns="90000" rIns="90000" tIns="45000" bIns="45000">
-            <a:noAutofit/>
-          </a:bodyPr>
-          <a:p>
-            <a:pPr>
-              <a:lnSpc>
-                <a:spcPct val="100000"/>
-              </a:lnSpc>
-            </a:pPr>
-            <a:r>
-              <a:rPr b="0" lang="en-US" sz="2000" spc="-1" strike="noStrike">
-                <a:solidFill>
-                  <a:srgbClr val="000000"/>
-                </a:solidFill>
-                <a:highlight>
-                  <a:srgbClr val="ffffff"/>
-                </a:highlight>
-                <a:latin typeface="arial"/>
-                <a:ea typeface="arial"/>
-              </a:rPr>
-              <a:t>Se você quiser, pode pular este e o próximo slide, ele são mais técnicos.</a:t>
-            </a:r>
-            <a:endParaRPr b="0" lang="en-US" sz="2000" spc="-1" strike="noStrike">
-              <a:latin typeface="Arial"/>
-            </a:endParaRPr>
-          </a:p>
-          <a:p>
-            <a:pPr>
-              <a:lnSpc>
-                <a:spcPct val="100000"/>
-              </a:lnSpc>
-            </a:pPr>
-            <a:r>
-              <a:rPr b="0" lang="en-US" sz="2000" spc="-1" strike="noStrike">
-                <a:solidFill>
-                  <a:srgbClr val="000000"/>
-                </a:solidFill>
-                <a:highlight>
-                  <a:srgbClr val="ffffff"/>
-                </a:highlight>
-                <a:latin typeface="arial"/>
-                <a:ea typeface="arial"/>
-              </a:rPr>
-              <a:t>Na linha de comando digite</a:t>
-            </a:r>
-            <a:endParaRPr b="0" lang="en-US" sz="2000" spc="-1" strike="noStrike">
-              <a:latin typeface="Arial"/>
-            </a:endParaRPr>
-          </a:p>
-          <a:p>
-            <a:pPr>
-              <a:lnSpc>
-                <a:spcPct val="100000"/>
-              </a:lnSpc>
-            </a:pPr>
-            <a:endParaRPr b="0" lang="en-US" sz="2000" spc="-1" strike="noStrike">
-              <a:latin typeface="Arial"/>
-            </a:endParaRPr>
-          </a:p>
-          <a:p>
-            <a:pPr>
-              <a:lnSpc>
-                <a:spcPct val="100000"/>
-              </a:lnSpc>
-            </a:pPr>
-            <a:r>
-              <a:rPr b="0" lang="en-US" sz="2000" spc="-1" strike="noStrike">
-                <a:solidFill>
-                  <a:srgbClr val="000000"/>
-                </a:solidFill>
-                <a:highlight>
-                  <a:srgbClr val="ffff00"/>
-                </a:highlight>
-                <a:latin typeface="arial"/>
-                <a:ea typeface="arial"/>
-              </a:rPr>
-              <a:t>conda env list </a:t>
-            </a:r>
-            <a:r>
-              <a:rPr b="0" lang="en-US" sz="2000" spc="-1" strike="noStrike">
-                <a:solidFill>
-                  <a:srgbClr val="000000"/>
-                </a:solidFill>
-                <a:highlight>
-                  <a:srgbClr val="ffffff"/>
-                </a:highlight>
-                <a:latin typeface="arial"/>
-                <a:ea typeface="arial"/>
-              </a:rPr>
-              <a:t>  # liste todos os ambientes instalados, no meu computador vemos:</a:t>
-            </a:r>
-            <a:endParaRPr b="0" lang="en-US" sz="2000" spc="-1" strike="noStrike">
-              <a:latin typeface="Arial"/>
-            </a:endParaRPr>
-          </a:p>
-          <a:p>
-            <a:pPr>
-              <a:lnSpc>
-                <a:spcPct val="100000"/>
-              </a:lnSpc>
-            </a:pPr>
-            <a:endParaRPr b="0" lang="en-US" sz="2000" spc="-1" strike="noStrike">
-              <a:latin typeface="Arial"/>
-            </a:endParaRPr>
-          </a:p>
-          <a:p>
-            <a:pPr>
-              <a:lnSpc>
-                <a:spcPct val="100000"/>
-              </a:lnSpc>
-            </a:pPr>
-            <a:r>
-              <a:rPr b="0" lang="en-US" sz="1400" spc="-1" strike="noStrike">
-                <a:solidFill>
-                  <a:srgbClr val="000000"/>
-                </a:solidFill>
-                <a:highlight>
-                  <a:srgbClr val="ffffff"/>
-                </a:highlight>
-                <a:latin typeface="arial"/>
-                <a:ea typeface="arial"/>
-              </a:rPr>
-              <a:t>                                 </a:t>
-            </a:r>
-            <a:r>
-              <a:rPr b="0" lang="en-US" sz="1400" spc="-1" strike="noStrike">
-                <a:solidFill>
-                  <a:srgbClr val="000000"/>
-                </a:solidFill>
-                <a:highlight>
-                  <a:srgbClr val="ffffff"/>
-                </a:highlight>
-                <a:latin typeface="arial"/>
-                <a:ea typeface="arial"/>
-              </a:rPr>
-              <a:t>/disk2/flalix/anaconda3      base  *  /disk2/flalix/anaconda3    </a:t>
-            </a:r>
-            <a:endParaRPr b="0" lang="en-US" sz="1400" spc="-1" strike="noStrike">
-              <a:latin typeface="Arial"/>
-            </a:endParaRPr>
-          </a:p>
-          <a:p>
-            <a:pPr>
-              <a:lnSpc>
-                <a:spcPct val="100000"/>
-              </a:lnSpc>
-            </a:pPr>
-            <a:r>
-              <a:rPr b="0" lang="en-US" sz="1400" spc="-1" strike="noStrike">
-                <a:solidFill>
-                  <a:srgbClr val="000000"/>
-                </a:solidFill>
-                <a:highlight>
-                  <a:srgbClr val="ffffff"/>
-                </a:highlight>
-                <a:latin typeface="arial"/>
-                <a:ea typeface="arial"/>
-              </a:rPr>
-              <a:t>py_env36                 /disk2/flalix/anaconda3/envs/py_env36</a:t>
-            </a:r>
-            <a:endParaRPr b="0" lang="en-US" sz="1400" spc="-1" strike="noStrike">
-              <a:latin typeface="Arial"/>
-            </a:endParaRPr>
-          </a:p>
-          <a:p>
-            <a:pPr>
-              <a:lnSpc>
-                <a:spcPct val="100000"/>
-              </a:lnSpc>
-            </a:pPr>
-            <a:r>
-              <a:rPr b="0" lang="en-US" sz="1400" spc="-1" strike="noStrike">
-                <a:solidFill>
-                  <a:srgbClr val="000000"/>
-                </a:solidFill>
-                <a:highlight>
-                  <a:srgbClr val="ffffff"/>
-                </a:highlight>
-                <a:latin typeface="arial"/>
-                <a:ea typeface="arial"/>
-              </a:rPr>
-              <a:t>py_env37                 /disk2/flalix/anaconda3/envs/py_env37</a:t>
-            </a:r>
-            <a:endParaRPr b="0" lang="en-US" sz="1400" spc="-1" strike="noStrike">
-              <a:latin typeface="Arial"/>
-            </a:endParaRPr>
-          </a:p>
-          <a:p>
-            <a:pPr>
-              <a:lnSpc>
-                <a:spcPct val="100000"/>
-              </a:lnSpc>
-            </a:pPr>
-            <a:endParaRPr b="0" lang="en-US" sz="1400" spc="-1" strike="noStrike">
-              <a:latin typeface="Arial"/>
-            </a:endParaRPr>
-          </a:p>
-          <a:p>
-            <a:pPr>
-              <a:lnSpc>
-                <a:spcPct val="100000"/>
-              </a:lnSpc>
-            </a:pPr>
-            <a:r>
-              <a:rPr b="0" lang="en-US" sz="2200" spc="-1" strike="noStrike">
-                <a:solidFill>
-                  <a:srgbClr val="000000"/>
-                </a:solidFill>
-                <a:highlight>
-                  <a:srgbClr val="ffffff"/>
-                </a:highlight>
-                <a:latin typeface="arial"/>
-                <a:ea typeface="arial"/>
-              </a:rPr>
-              <a:t>Ou seja o CONDA te responde quais os </a:t>
-            </a:r>
-            <a:r>
-              <a:rPr b="0" i="1" lang="en-US" sz="2200" spc="-1" strike="noStrike">
-                <a:solidFill>
-                  <a:srgbClr val="000000"/>
-                </a:solidFill>
-                <a:highlight>
-                  <a:srgbClr val="ffffff"/>
-                </a:highlight>
-                <a:latin typeface="arial"/>
-                <a:ea typeface="arial"/>
-              </a:rPr>
-              <a:t>environments</a:t>
-            </a:r>
-            <a:r>
-              <a:rPr b="0" lang="en-US" sz="2200" spc="-1" strike="noStrike">
-                <a:solidFill>
-                  <a:srgbClr val="000000"/>
-                </a:solidFill>
-                <a:highlight>
-                  <a:srgbClr val="ffffff"/>
-                </a:highlight>
-                <a:latin typeface="arial"/>
-                <a:ea typeface="arial"/>
-              </a:rPr>
-              <a:t> que você tem:</a:t>
-            </a:r>
-            <a:endParaRPr b="0" lang="en-US" sz="2200" spc="-1" strike="noStrike">
-              <a:latin typeface="Arial"/>
-            </a:endParaRPr>
-          </a:p>
-          <a:p>
-            <a:pPr marL="457200" indent="-366840">
-              <a:lnSpc>
-                <a:spcPct val="115000"/>
-              </a:lnSpc>
-              <a:buClr>
-                <a:srgbClr val="000000"/>
-              </a:buClr>
-              <a:buFont typeface="arial"/>
-              <a:buChar char="●"/>
-            </a:pPr>
-            <a:r>
-              <a:rPr b="0" lang="en-US" sz="2200" spc="-1" strike="noStrike">
-                <a:solidFill>
-                  <a:srgbClr val="000000"/>
-                </a:solidFill>
-                <a:highlight>
-                  <a:srgbClr val="ffffff"/>
-                </a:highlight>
-                <a:latin typeface="arial"/>
-                <a:ea typeface="arial"/>
-              </a:rPr>
-              <a:t>1</a:t>
-            </a:r>
-            <a:r>
-              <a:rPr b="0" lang="en-US" sz="2200" spc="-1" strike="noStrike" baseline="33000">
-                <a:solidFill>
-                  <a:srgbClr val="000000"/>
-                </a:solidFill>
-                <a:highlight>
-                  <a:srgbClr val="ffffff"/>
-                </a:highlight>
-                <a:latin typeface="arial"/>
-                <a:ea typeface="arial"/>
-              </a:rPr>
-              <a:t>a</a:t>
-            </a:r>
-            <a:r>
-              <a:rPr b="0" lang="en-US" sz="2200" spc="-1" strike="noStrike">
-                <a:solidFill>
-                  <a:srgbClr val="000000"/>
-                </a:solidFill>
-                <a:highlight>
-                  <a:srgbClr val="ffffff"/>
-                </a:highlight>
-                <a:latin typeface="arial"/>
-                <a:ea typeface="arial"/>
-              </a:rPr>
-              <a:t> linha: o anaconda 3 está instalado neste caminho</a:t>
-            </a:r>
-            <a:endParaRPr b="0" lang="en-US" sz="2200" spc="-1" strike="noStrike">
-              <a:latin typeface="Arial"/>
-            </a:endParaRPr>
-          </a:p>
-          <a:p>
-            <a:pPr marL="457200" indent="-366840">
-              <a:lnSpc>
-                <a:spcPct val="115000"/>
-              </a:lnSpc>
-              <a:buClr>
-                <a:srgbClr val="000000"/>
-              </a:buClr>
-              <a:buFont typeface="arial"/>
-              <a:buChar char="●"/>
-            </a:pPr>
-            <a:r>
-              <a:rPr b="0" lang="en-US" sz="2200" spc="-1" strike="noStrike">
-                <a:solidFill>
-                  <a:srgbClr val="000000"/>
-                </a:solidFill>
-                <a:highlight>
-                  <a:srgbClr val="ffffff"/>
-                </a:highlight>
-                <a:latin typeface="arial"/>
-                <a:ea typeface="arial"/>
-              </a:rPr>
-              <a:t>2</a:t>
-            </a:r>
-            <a:r>
-              <a:rPr b="0" lang="en-US" sz="2200" spc="-1" strike="noStrike" baseline="33000">
-                <a:solidFill>
-                  <a:srgbClr val="000000"/>
-                </a:solidFill>
-                <a:highlight>
-                  <a:srgbClr val="ffffff"/>
-                </a:highlight>
-                <a:latin typeface="arial"/>
-                <a:ea typeface="arial"/>
-              </a:rPr>
-              <a:t>a</a:t>
-            </a:r>
-            <a:r>
-              <a:rPr b="0" lang="en-US" sz="2200" spc="-1" strike="noStrike">
-                <a:solidFill>
-                  <a:srgbClr val="000000"/>
-                </a:solidFill>
-                <a:highlight>
-                  <a:srgbClr val="ffffff"/>
-                </a:highlight>
-                <a:latin typeface="arial"/>
-                <a:ea typeface="arial"/>
-              </a:rPr>
-              <a:t> linha: py_env36 é um ambiente com Python 3.6</a:t>
-            </a:r>
-            <a:endParaRPr b="0" lang="en-US" sz="2200" spc="-1" strike="noStrike">
-              <a:latin typeface="Arial"/>
-            </a:endParaRPr>
-          </a:p>
-          <a:p>
-            <a:pPr marL="457200" indent="-366840">
-              <a:lnSpc>
-                <a:spcPct val="115000"/>
-              </a:lnSpc>
-              <a:buClr>
-                <a:srgbClr val="000000"/>
-              </a:buClr>
-              <a:buFont typeface="arial"/>
-              <a:buChar char="●"/>
-            </a:pPr>
-            <a:r>
-              <a:rPr b="0" lang="en-US" sz="2200" spc="-1" strike="noStrike">
-                <a:solidFill>
-                  <a:srgbClr val="000000"/>
-                </a:solidFill>
-                <a:highlight>
-                  <a:srgbClr val="ffffff"/>
-                </a:highlight>
-                <a:latin typeface="arial"/>
-                <a:ea typeface="arial"/>
-              </a:rPr>
-              <a:t>3</a:t>
-            </a:r>
-            <a:r>
-              <a:rPr b="0" lang="en-US" sz="2200" spc="-1" strike="noStrike" baseline="33000">
-                <a:solidFill>
-                  <a:srgbClr val="000000"/>
-                </a:solidFill>
-                <a:highlight>
-                  <a:srgbClr val="ffffff"/>
-                </a:highlight>
-                <a:latin typeface="arial"/>
-                <a:ea typeface="arial"/>
-              </a:rPr>
-              <a:t>a</a:t>
-            </a:r>
-            <a:r>
-              <a:rPr b="0" lang="en-US" sz="2200" spc="-1" strike="noStrike">
-                <a:solidFill>
-                  <a:srgbClr val="000000"/>
-                </a:solidFill>
-                <a:highlight>
-                  <a:srgbClr val="ffffff"/>
-                </a:highlight>
-                <a:latin typeface="arial"/>
-                <a:ea typeface="arial"/>
-              </a:rPr>
-              <a:t> linha: py_env37 é um ambiente com Python 3.7</a:t>
-            </a:r>
-            <a:endParaRPr b="0" lang="en-US" sz="2200" spc="-1" strike="noStrike">
-              <a:latin typeface="Arial"/>
-            </a:endParaRPr>
-          </a:p>
-          <a:p>
-            <a:pPr marL="457200" indent="-366840">
-              <a:lnSpc>
-                <a:spcPct val="115000"/>
-              </a:lnSpc>
-              <a:buClr>
-                <a:srgbClr val="000000"/>
-              </a:buClr>
-              <a:buFont typeface="arial"/>
-              <a:buChar char="●"/>
-            </a:pPr>
-            <a:r>
-              <a:rPr b="0" lang="en-US" sz="2200" spc="-1" strike="noStrike">
-                <a:solidFill>
-                  <a:srgbClr val="000000"/>
-                </a:solidFill>
-                <a:highlight>
-                  <a:srgbClr val="ffffff"/>
-                </a:highlight>
-                <a:latin typeface="arial"/>
-                <a:ea typeface="arial"/>
-              </a:rPr>
-              <a:t>Poderíamos ter diversos outros ambientes</a:t>
-            </a:r>
-            <a:endParaRPr b="0" lang="en-US" sz="2200" spc="-1" strike="noStrike">
-              <a:latin typeface="Arial"/>
-            </a:endParaRPr>
-          </a:p>
-        </p:txBody>
-      </p:sp>
+      </p:pic>
     </p:spTree>
   </p:cSld>
   <mc:AlternateContent>
@@ -7305,14 +7640,14 @@
       </p:grpSpPr>
       <p:sp>
         <p:nvSpPr>
-          <p:cNvPr id="58" name="CustomShape 1"/>
+          <p:cNvPr id="60" name="CustomShape 1"/>
           <p:cNvSpPr/>
           <p:nvPr/>
         </p:nvSpPr>
         <p:spPr>
           <a:xfrm>
             <a:off x="0" y="0"/>
-            <a:ext cx="10076760" cy="728280"/>
+            <a:ext cx="10076400" cy="727920"/>
           </a:xfrm>
           <a:prstGeom prst="rect">
             <a:avLst/>
@@ -7361,14 +7696,14 @@
       </p:sp>
       <p:sp>
         <p:nvSpPr>
-          <p:cNvPr id="59" name="CustomShape 2"/>
+          <p:cNvPr id="61" name="CustomShape 2"/>
           <p:cNvSpPr/>
           <p:nvPr/>
         </p:nvSpPr>
         <p:spPr>
           <a:xfrm>
-            <a:off x="136080" y="767160"/>
-            <a:ext cx="9829800" cy="4700880"/>
+            <a:off x="136080" y="875160"/>
+            <a:ext cx="9829440" cy="4700520"/>
           </a:xfrm>
           <a:prstGeom prst="rect">
             <a:avLst/>
@@ -7395,57 +7730,63 @@
               </a:lnSpc>
             </a:pPr>
             <a:r>
-              <a:rPr b="0" lang="en-US" sz="2100" spc="-1" strike="noStrike">
-                <a:solidFill>
-                  <a:srgbClr val="000000"/>
-                </a:solidFill>
-                <a:latin typeface="arial"/>
-                <a:ea typeface="arial"/>
-              </a:rPr>
-              <a:t>Na linha de comando (CMD ou Terminal), ativa-se o Python 3.7 e chama-se o Jupyter Notebook. Se você chamou o JN pelo menu ele já fez isto para você.</a:t>
-            </a:r>
-            <a:endParaRPr b="0" lang="en-US" sz="2100" spc="-1" strike="noStrike">
-              <a:latin typeface="arial"/>
-            </a:endParaRPr>
-          </a:p>
-          <a:p>
-            <a:pPr>
-              <a:lnSpc>
-                <a:spcPct val="100000"/>
-              </a:lnSpc>
-            </a:pPr>
-            <a:endParaRPr b="0" lang="en-US" sz="2100" spc="-1" strike="noStrike">
-              <a:latin typeface="arial"/>
-            </a:endParaRPr>
-          </a:p>
-          <a:p>
-            <a:pPr>
-              <a:lnSpc>
-                <a:spcPct val="100000"/>
-              </a:lnSpc>
-            </a:pPr>
-            <a:r>
-              <a:rPr b="0" lang="en-US" sz="2100" spc="-1" strike="noStrike">
-                <a:solidFill>
-                  <a:srgbClr val="000000"/>
-                </a:solidFill>
-                <a:latin typeface="arial"/>
-                <a:ea typeface="arial"/>
-              </a:rPr>
-              <a:t>ativando um ambiente, digite na linha de comando:</a:t>
-            </a:r>
-            <a:endParaRPr b="0" lang="en-US" sz="2100" spc="-1" strike="noStrike">
-              <a:latin typeface="arial"/>
-            </a:endParaRPr>
-          </a:p>
-          <a:p>
-            <a:pPr>
-              <a:lnSpc>
-                <a:spcPct val="100000"/>
-              </a:lnSpc>
-            </a:pPr>
-            <a:r>
-              <a:rPr b="0" lang="en-US" sz="2100" spc="-1" strike="noStrike">
+              <a:rPr b="0" lang="en-US" sz="2000" spc="-1" strike="noStrike">
+                <a:solidFill>
+                  <a:srgbClr val="000000"/>
+                </a:solidFill>
+                <a:highlight>
+                  <a:srgbClr val="ffffff"/>
+                </a:highlight>
+                <a:latin typeface="arial"/>
+                <a:ea typeface="arial"/>
+              </a:rPr>
+              <a:t>Se você quiser, pode pular este e o próximo slide, ele são mais técnicos.</a:t>
+            </a:r>
+            <a:endParaRPr b="0" lang="en-US" sz="2000" spc="-1" strike="noStrike">
+              <a:latin typeface="Arial"/>
+            </a:endParaRPr>
+          </a:p>
+          <a:p>
+            <a:pPr>
+              <a:lnSpc>
+                <a:spcPct val="100000"/>
+              </a:lnSpc>
+            </a:pPr>
+            <a:r>
+              <a:rPr b="0" lang="en-US" sz="2000" spc="-1" strike="noStrike">
+                <a:solidFill>
+                  <a:srgbClr val="000000"/>
+                </a:solidFill>
+                <a:highlight>
+                  <a:srgbClr val="ffffff"/>
+                </a:highlight>
+                <a:latin typeface="arial"/>
+                <a:ea typeface="arial"/>
+              </a:rPr>
+              <a:t>Na linha de comando digite</a:t>
+            </a:r>
+            <a:endParaRPr b="0" lang="en-US" sz="2000" spc="-1" strike="noStrike">
+              <a:latin typeface="Arial"/>
+            </a:endParaRPr>
+          </a:p>
+          <a:p>
+            <a:pPr>
+              <a:lnSpc>
+                <a:spcPct val="100000"/>
+              </a:lnSpc>
+            </a:pPr>
+            <a:endParaRPr b="0" lang="en-US" sz="2000" spc="-1" strike="noStrike">
+              <a:latin typeface="Arial"/>
+            </a:endParaRPr>
+          </a:p>
+          <a:p>
+            <a:pPr>
+              <a:lnSpc>
+                <a:spcPct val="100000"/>
+              </a:lnSpc>
+            </a:pPr>
+            <a:r>
+              <a:rPr b="0" lang="en-US" sz="2000" spc="-1" strike="noStrike">
                 <a:solidFill>
                   <a:srgbClr val="000000"/>
                 </a:solidFill>
@@ -7455,203 +7796,364 @@
                 <a:latin typeface="arial"/>
                 <a:ea typeface="arial"/>
               </a:rPr>
-              <a:t>source activate py_env37</a:t>
-            </a:r>
-            <a:r>
-              <a:rPr b="0" lang="en-US" sz="2100" spc="-1" strike="noStrike">
-                <a:solidFill>
-                  <a:srgbClr val="000000"/>
-                </a:solidFill>
-                <a:latin typeface="arial"/>
-                <a:ea typeface="arial"/>
-              </a:rPr>
-              <a:t>  </a:t>
-            </a:r>
-            <a:endParaRPr b="0" lang="en-US" sz="2100" spc="-1" strike="noStrike">
-              <a:latin typeface="arial"/>
-            </a:endParaRPr>
-          </a:p>
-          <a:p>
-            <a:pPr>
-              <a:lnSpc>
-                <a:spcPct val="100000"/>
-              </a:lnSpc>
-            </a:pPr>
-            <a:r>
-              <a:rPr b="0" lang="en-US" sz="2100" spc="-1" strike="noStrike">
-                <a:solidFill>
-                  <a:srgbClr val="000000"/>
-                </a:solidFill>
-                <a:latin typeface="arial"/>
-                <a:ea typeface="arial"/>
-              </a:rPr>
-              <a:t># em Windows digite somente “</a:t>
-            </a:r>
-            <a:r>
-              <a:rPr b="0" lang="en-US" sz="2100" spc="-1" strike="noStrike">
+              <a:t>conda env list </a:t>
+            </a:r>
+            <a:r>
+              <a:rPr b="0" lang="en-US" sz="2000" spc="-1" strike="noStrike">
                 <a:solidFill>
                   <a:srgbClr val="000000"/>
                 </a:solidFill>
                 <a:highlight>
-                  <a:srgbClr val="ffff00"/>
+                  <a:srgbClr val="ffffff"/>
                 </a:highlight>
                 <a:latin typeface="arial"/>
                 <a:ea typeface="arial"/>
               </a:rPr>
-              <a:t>activate py_env37</a:t>
-            </a:r>
-            <a:r>
-              <a:rPr b="0" lang="en-US" sz="2100" spc="-1" strike="noStrike">
-                <a:solidFill>
-                  <a:srgbClr val="000000"/>
-                </a:solidFill>
-                <a:latin typeface="arial"/>
-                <a:ea typeface="arial"/>
-              </a:rPr>
-              <a:t>” (sem ‘source’)</a:t>
-            </a:r>
-            <a:endParaRPr b="0" lang="en-US" sz="2100" spc="-1" strike="noStrike">
-              <a:latin typeface="arial"/>
-            </a:endParaRPr>
-          </a:p>
-          <a:p>
-            <a:pPr>
-              <a:lnSpc>
-                <a:spcPct val="100000"/>
-              </a:lnSpc>
-            </a:pPr>
-            <a:endParaRPr b="0" lang="en-US" sz="2100" spc="-1" strike="noStrike">
-              <a:latin typeface="arial"/>
-            </a:endParaRPr>
-          </a:p>
-          <a:p>
-            <a:pPr>
-              <a:lnSpc>
-                <a:spcPct val="100000"/>
-              </a:lnSpc>
-            </a:pPr>
-            <a:r>
-              <a:rPr b="0" lang="en-US" sz="2100" spc="-1" strike="noStrike">
-                <a:solidFill>
-                  <a:srgbClr val="000000"/>
-                </a:solidFill>
-                <a:latin typeface="arial"/>
-                <a:ea typeface="arial"/>
-              </a:rPr>
-              <a:t>No computador do Flavio, em especial, aparecerá à esqueda do prompt:</a:t>
-            </a:r>
-            <a:endParaRPr b="0" lang="en-US" sz="2100" spc="-1" strike="noStrike">
-              <a:latin typeface="arial"/>
-            </a:endParaRPr>
-          </a:p>
-          <a:p>
-            <a:pPr>
-              <a:lnSpc>
-                <a:spcPct val="100000"/>
-              </a:lnSpc>
-            </a:pPr>
-            <a:r>
-              <a:rPr b="0" lang="en-US" sz="2100" spc="-1" strike="noStrike">
-                <a:solidFill>
-                  <a:srgbClr val="000000"/>
-                </a:solidFill>
-                <a:latin typeface="arial"/>
-                <a:ea typeface="arial"/>
-              </a:rPr>
-              <a:t>(py_env37) $</a:t>
-            </a:r>
-            <a:endParaRPr b="0" lang="en-US" sz="2100" spc="-1" strike="noStrike">
-              <a:latin typeface="arial"/>
-            </a:endParaRPr>
-          </a:p>
-          <a:p>
-            <a:pPr>
-              <a:lnSpc>
-                <a:spcPct val="100000"/>
-              </a:lnSpc>
-            </a:pPr>
-            <a:endParaRPr b="0" lang="en-US" sz="2100" spc="-1" strike="noStrike">
-              <a:latin typeface="arial"/>
-            </a:endParaRPr>
-          </a:p>
-          <a:p>
-            <a:pPr>
-              <a:lnSpc>
-                <a:spcPct val="100000"/>
-              </a:lnSpc>
-            </a:pPr>
-            <a:r>
-              <a:rPr b="0" lang="en-US" sz="2100" spc="-1" strike="noStrike">
-                <a:solidFill>
-                  <a:srgbClr val="000000"/>
-                </a:solidFill>
-                <a:latin typeface="arial"/>
-                <a:ea typeface="arial"/>
-              </a:rPr>
-              <a:t>Uma vez que seu navegador (browser) já esteja aberto, digite na linha de comando ‘jupyter notebook’, e aparecerá, no seu browser, a interface do Jupyter Notebook como vemos a seguir ….</a:t>
-            </a:r>
-            <a:endParaRPr b="0" lang="en-US" sz="2100" spc="-1" strike="noStrike">
-              <a:latin typeface="arial"/>
-            </a:endParaRPr>
-          </a:p>
-          <a:p>
-            <a:pPr>
-              <a:lnSpc>
-                <a:spcPct val="100000"/>
-              </a:lnSpc>
-            </a:pPr>
-            <a:endParaRPr b="0" lang="en-US" sz="2100" spc="-1" strike="noStrike">
-              <a:latin typeface="arial"/>
-            </a:endParaRPr>
-          </a:p>
-          <a:p>
-            <a:pPr>
-              <a:lnSpc>
-                <a:spcPct val="100000"/>
-              </a:lnSpc>
-            </a:pPr>
-            <a:r>
-              <a:rPr b="0" lang="en-US" sz="2100" spc="-1" strike="noStrike">
-                <a:solidFill>
-                  <a:srgbClr val="000000"/>
-                </a:solidFill>
-                <a:latin typeface="arial"/>
-                <a:ea typeface="arial"/>
-              </a:rPr>
-              <a:t>Recomendamos que use o Chrome, Safari ou Firefox</a:t>
-            </a:r>
-            <a:endParaRPr b="0" lang="en-US" sz="2100" spc="-1" strike="noStrike">
-              <a:latin typeface="arial"/>
-            </a:endParaRPr>
-          </a:p>
-          <a:p>
-            <a:pPr>
-              <a:lnSpc>
-                <a:spcPct val="100000"/>
-              </a:lnSpc>
-            </a:pPr>
-            <a:endParaRPr b="0" lang="en-US" sz="2100" spc="-1" strike="noStrike">
-              <a:latin typeface="arial"/>
-            </a:endParaRPr>
-          </a:p>
-          <a:p>
-            <a:pPr>
-              <a:lnSpc>
-                <a:spcPct val="100000"/>
-              </a:lnSpc>
-            </a:pPr>
-            <a:endParaRPr b="0" lang="en-US" sz="2100" spc="-1" strike="noStrike">
-              <a:latin typeface="arial"/>
-            </a:endParaRPr>
-          </a:p>
-          <a:p>
-            <a:pPr>
-              <a:lnSpc>
-                <a:spcPct val="100000"/>
-              </a:lnSpc>
-            </a:pPr>
-            <a:endParaRPr b="0" lang="en-US" sz="2100" spc="-1" strike="noStrike">
-              <a:latin typeface="arial"/>
+              <a:t>  # liste todos os ambientes instalados, no meu computador vemos:</a:t>
+            </a:r>
+            <a:endParaRPr b="0" lang="en-US" sz="2000" spc="-1" strike="noStrike">
+              <a:latin typeface="Arial"/>
+            </a:endParaRPr>
+          </a:p>
+          <a:p>
+            <a:pPr>
+              <a:lnSpc>
+                <a:spcPct val="100000"/>
+              </a:lnSpc>
+            </a:pPr>
+            <a:endParaRPr b="0" lang="en-US" sz="2000" spc="-1" strike="noStrike">
+              <a:latin typeface="Arial"/>
+            </a:endParaRPr>
+          </a:p>
+          <a:p>
+            <a:pPr>
+              <a:lnSpc>
+                <a:spcPct val="100000"/>
+              </a:lnSpc>
+            </a:pPr>
+            <a:r>
+              <a:rPr b="0" lang="en-US" sz="1400" spc="-1" strike="noStrike">
+                <a:solidFill>
+                  <a:srgbClr val="000000"/>
+                </a:solidFill>
+                <a:highlight>
+                  <a:srgbClr val="ffffff"/>
+                </a:highlight>
+                <a:latin typeface="arial"/>
+                <a:ea typeface="arial"/>
+              </a:rPr>
+              <a:t>                                 </a:t>
+            </a:r>
+            <a:r>
+              <a:rPr b="0" lang="en-US" sz="1400" spc="-1" strike="noStrike">
+                <a:solidFill>
+                  <a:srgbClr val="000000"/>
+                </a:solidFill>
+                <a:highlight>
+                  <a:srgbClr val="ffffff"/>
+                </a:highlight>
+                <a:latin typeface="arial"/>
+                <a:ea typeface="arial"/>
+              </a:rPr>
+              <a:t>/disk2/flalix/anaconda3      base  *  /disk2/flalix/anaconda3    </a:t>
+            </a:r>
+            <a:endParaRPr b="0" lang="en-US" sz="1400" spc="-1" strike="noStrike">
+              <a:latin typeface="Arial"/>
+            </a:endParaRPr>
+          </a:p>
+          <a:p>
+            <a:pPr>
+              <a:lnSpc>
+                <a:spcPct val="100000"/>
+              </a:lnSpc>
+            </a:pPr>
+            <a:r>
+              <a:rPr b="0" lang="en-US" sz="1400" spc="-1" strike="noStrike">
+                <a:solidFill>
+                  <a:srgbClr val="000000"/>
+                </a:solidFill>
+                <a:highlight>
+                  <a:srgbClr val="ffffff"/>
+                </a:highlight>
+                <a:latin typeface="arial"/>
+                <a:ea typeface="arial"/>
+              </a:rPr>
+              <a:t>py_env36                 /disk2/flalix/anaconda3/envs/py_env36</a:t>
+            </a:r>
+            <a:endParaRPr b="0" lang="en-US" sz="1400" spc="-1" strike="noStrike">
+              <a:latin typeface="Arial"/>
+            </a:endParaRPr>
+          </a:p>
+          <a:p>
+            <a:pPr>
+              <a:lnSpc>
+                <a:spcPct val="100000"/>
+              </a:lnSpc>
+            </a:pPr>
+            <a:r>
+              <a:rPr b="0" lang="en-US" sz="1400" spc="-1" strike="noStrike">
+                <a:solidFill>
+                  <a:srgbClr val="000000"/>
+                </a:solidFill>
+                <a:highlight>
+                  <a:srgbClr val="ffffff"/>
+                </a:highlight>
+                <a:latin typeface="arial"/>
+                <a:ea typeface="arial"/>
+              </a:rPr>
+              <a:t>py_env37                 /disk2/flalix/anaconda3/envs/py_env37</a:t>
+            </a:r>
+            <a:endParaRPr b="0" lang="en-US" sz="1400" spc="-1" strike="noStrike">
+              <a:latin typeface="Arial"/>
+            </a:endParaRPr>
+          </a:p>
+          <a:p>
+            <a:pPr>
+              <a:lnSpc>
+                <a:spcPct val="100000"/>
+              </a:lnSpc>
+            </a:pPr>
+            <a:endParaRPr b="0" lang="en-US" sz="1400" spc="-1" strike="noStrike">
+              <a:latin typeface="Arial"/>
+            </a:endParaRPr>
+          </a:p>
+          <a:p>
+            <a:pPr>
+              <a:lnSpc>
+                <a:spcPct val="100000"/>
+              </a:lnSpc>
+            </a:pPr>
+            <a:r>
+              <a:rPr b="0" lang="en-US" sz="2200" spc="-1" strike="noStrike">
+                <a:solidFill>
+                  <a:srgbClr val="000000"/>
+                </a:solidFill>
+                <a:highlight>
+                  <a:srgbClr val="ffffff"/>
+                </a:highlight>
+                <a:latin typeface="arial"/>
+                <a:ea typeface="arial"/>
+              </a:rPr>
+              <a:t>Ou seja o CONDA te responde quais os </a:t>
+            </a:r>
+            <a:r>
+              <a:rPr b="0" i="1" lang="en-US" sz="2200" spc="-1" strike="noStrike">
+                <a:solidFill>
+                  <a:srgbClr val="000000"/>
+                </a:solidFill>
+                <a:highlight>
+                  <a:srgbClr val="ffffff"/>
+                </a:highlight>
+                <a:latin typeface="arial"/>
+                <a:ea typeface="arial"/>
+              </a:rPr>
+              <a:t>environments</a:t>
+            </a:r>
+            <a:r>
+              <a:rPr b="0" lang="en-US" sz="2200" spc="-1" strike="noStrike">
+                <a:solidFill>
+                  <a:srgbClr val="000000"/>
+                </a:solidFill>
+                <a:highlight>
+                  <a:srgbClr val="ffffff"/>
+                </a:highlight>
+                <a:latin typeface="arial"/>
+                <a:ea typeface="arial"/>
+              </a:rPr>
+              <a:t> que você tem:</a:t>
+            </a:r>
+            <a:endParaRPr b="0" lang="en-US" sz="2200" spc="-1" strike="noStrike">
+              <a:latin typeface="Arial"/>
+            </a:endParaRPr>
+          </a:p>
+          <a:p>
+            <a:pPr marL="457200" indent="-366480">
+              <a:lnSpc>
+                <a:spcPct val="115000"/>
+              </a:lnSpc>
+              <a:buClr>
+                <a:srgbClr val="000000"/>
+              </a:buClr>
+              <a:buFont typeface="arial"/>
+              <a:buChar char="●"/>
+            </a:pPr>
+            <a:r>
+              <a:rPr b="0" lang="en-US" sz="2200" spc="-1" strike="noStrike">
+                <a:solidFill>
+                  <a:srgbClr val="000000"/>
+                </a:solidFill>
+                <a:highlight>
+                  <a:srgbClr val="ffffff"/>
+                </a:highlight>
+                <a:latin typeface="arial"/>
+                <a:ea typeface="arial"/>
+              </a:rPr>
+              <a:t>1</a:t>
+            </a:r>
+            <a:r>
+              <a:rPr b="0" lang="en-US" sz="2200" spc="-1" strike="noStrike" baseline="33000">
+                <a:solidFill>
+                  <a:srgbClr val="000000"/>
+                </a:solidFill>
+                <a:highlight>
+                  <a:srgbClr val="ffffff"/>
+                </a:highlight>
+                <a:latin typeface="arial"/>
+                <a:ea typeface="arial"/>
+              </a:rPr>
+              <a:t>a</a:t>
+            </a:r>
+            <a:r>
+              <a:rPr b="0" lang="en-US" sz="2200" spc="-1" strike="noStrike">
+                <a:solidFill>
+                  <a:srgbClr val="000000"/>
+                </a:solidFill>
+                <a:highlight>
+                  <a:srgbClr val="ffffff"/>
+                </a:highlight>
+                <a:latin typeface="arial"/>
+                <a:ea typeface="arial"/>
+              </a:rPr>
+              <a:t> linha: o anaconda 3 está instalado neste caminho</a:t>
+            </a:r>
+            <a:endParaRPr b="0" lang="en-US" sz="2200" spc="-1" strike="noStrike">
+              <a:latin typeface="Arial"/>
+            </a:endParaRPr>
+          </a:p>
+          <a:p>
+            <a:pPr marL="457200" indent="-366480">
+              <a:lnSpc>
+                <a:spcPct val="115000"/>
+              </a:lnSpc>
+              <a:buClr>
+                <a:srgbClr val="000000"/>
+              </a:buClr>
+              <a:buFont typeface="arial"/>
+              <a:buChar char="●"/>
+            </a:pPr>
+            <a:r>
+              <a:rPr b="0" lang="en-US" sz="2200" spc="-1" strike="noStrike">
+                <a:solidFill>
+                  <a:srgbClr val="000000"/>
+                </a:solidFill>
+                <a:highlight>
+                  <a:srgbClr val="ffffff"/>
+                </a:highlight>
+                <a:latin typeface="arial"/>
+                <a:ea typeface="arial"/>
+              </a:rPr>
+              <a:t>2</a:t>
+            </a:r>
+            <a:r>
+              <a:rPr b="0" lang="en-US" sz="2200" spc="-1" strike="noStrike" baseline="33000">
+                <a:solidFill>
+                  <a:srgbClr val="000000"/>
+                </a:solidFill>
+                <a:highlight>
+                  <a:srgbClr val="ffffff"/>
+                </a:highlight>
+                <a:latin typeface="arial"/>
+                <a:ea typeface="arial"/>
+              </a:rPr>
+              <a:t>a</a:t>
+            </a:r>
+            <a:r>
+              <a:rPr b="0" lang="en-US" sz="2200" spc="-1" strike="noStrike">
+                <a:solidFill>
+                  <a:srgbClr val="000000"/>
+                </a:solidFill>
+                <a:highlight>
+                  <a:srgbClr val="ffffff"/>
+                </a:highlight>
+                <a:latin typeface="arial"/>
+                <a:ea typeface="arial"/>
+              </a:rPr>
+              <a:t> linha: py_env36 é um ambiente com Python 3.6</a:t>
+            </a:r>
+            <a:endParaRPr b="0" lang="en-US" sz="2200" spc="-1" strike="noStrike">
+              <a:latin typeface="Arial"/>
+            </a:endParaRPr>
+          </a:p>
+          <a:p>
+            <a:pPr marL="457200" indent="-366480">
+              <a:lnSpc>
+                <a:spcPct val="115000"/>
+              </a:lnSpc>
+              <a:buClr>
+                <a:srgbClr val="000000"/>
+              </a:buClr>
+              <a:buFont typeface="arial"/>
+              <a:buChar char="●"/>
+            </a:pPr>
+            <a:r>
+              <a:rPr b="0" lang="en-US" sz="2200" spc="-1" strike="noStrike">
+                <a:solidFill>
+                  <a:srgbClr val="000000"/>
+                </a:solidFill>
+                <a:highlight>
+                  <a:srgbClr val="ffffff"/>
+                </a:highlight>
+                <a:latin typeface="arial"/>
+                <a:ea typeface="arial"/>
+              </a:rPr>
+              <a:t>3</a:t>
+            </a:r>
+            <a:r>
+              <a:rPr b="0" lang="en-US" sz="2200" spc="-1" strike="noStrike" baseline="33000">
+                <a:solidFill>
+                  <a:srgbClr val="000000"/>
+                </a:solidFill>
+                <a:highlight>
+                  <a:srgbClr val="ffffff"/>
+                </a:highlight>
+                <a:latin typeface="arial"/>
+                <a:ea typeface="arial"/>
+              </a:rPr>
+              <a:t>a</a:t>
+            </a:r>
+            <a:r>
+              <a:rPr b="0" lang="en-US" sz="2200" spc="-1" strike="noStrike">
+                <a:solidFill>
+                  <a:srgbClr val="000000"/>
+                </a:solidFill>
+                <a:highlight>
+                  <a:srgbClr val="ffffff"/>
+                </a:highlight>
+                <a:latin typeface="arial"/>
+                <a:ea typeface="arial"/>
+              </a:rPr>
+              <a:t> linha: py_env37 é um ambiente com Python 3.7</a:t>
+            </a:r>
+            <a:endParaRPr b="0" lang="en-US" sz="2200" spc="-1" strike="noStrike">
+              <a:latin typeface="Arial"/>
+            </a:endParaRPr>
+          </a:p>
+          <a:p>
+            <a:pPr marL="457200" indent="-366480">
+              <a:lnSpc>
+                <a:spcPct val="115000"/>
+              </a:lnSpc>
+              <a:buClr>
+                <a:srgbClr val="000000"/>
+              </a:buClr>
+              <a:buFont typeface="arial"/>
+              <a:buChar char="●"/>
+            </a:pPr>
+            <a:r>
+              <a:rPr b="0" lang="en-US" sz="2200" spc="-1" strike="noStrike">
+                <a:solidFill>
+                  <a:srgbClr val="000000"/>
+                </a:solidFill>
+                <a:highlight>
+                  <a:srgbClr val="ffffff"/>
+                </a:highlight>
+                <a:latin typeface="arial"/>
+                <a:ea typeface="arial"/>
+              </a:rPr>
+              <a:t>Poderíamos ter diversos outros ambientes</a:t>
+            </a:r>
+            <a:endParaRPr b="0" lang="en-US" sz="2200" spc="-1" strike="noStrike">
+              <a:latin typeface="Arial"/>
             </a:endParaRPr>
           </a:p>
         </p:txBody>
@@ -7688,14 +8190,14 @@
       </p:grpSpPr>
       <p:sp>
         <p:nvSpPr>
-          <p:cNvPr id="60" name="CustomShape 1"/>
+          <p:cNvPr id="62" name="CustomShape 1"/>
           <p:cNvSpPr/>
           <p:nvPr/>
         </p:nvSpPr>
         <p:spPr>
           <a:xfrm>
             <a:off x="0" y="0"/>
-            <a:ext cx="10076760" cy="728280"/>
+            <a:ext cx="10076400" cy="727920"/>
           </a:xfrm>
           <a:prstGeom prst="rect">
             <a:avLst/>
@@ -7734,7 +8236,7 @@
                 <a:latin typeface="arial"/>
                 <a:ea typeface="arial"/>
               </a:rPr>
-              <a:t>Jupyter Notebook (tela de recepção)</a:t>
+              <a:t>Jupyter Notebook – controlando ambientes</a:t>
             </a:r>
             <a:endParaRPr b="0" lang="en-US" sz="2600" spc="-1" strike="noStrike">
               <a:latin typeface="Arial"/>
@@ -7742,46 +8244,21 @@
           </a:p>
         </p:txBody>
       </p:sp>
-      <p:pic>
-        <p:nvPicPr>
-          <p:cNvPr id="61" name="" descr=""/>
-          <p:cNvPicPr/>
-          <p:nvPr/>
-        </p:nvPicPr>
-        <p:blipFill>
-          <a:blip r:embed="rId1"/>
-          <a:stretch/>
-        </p:blipFill>
-        <p:spPr>
-          <a:xfrm>
-            <a:off x="-2520" y="729360"/>
-            <a:ext cx="10079280" cy="4940280"/>
-          </a:xfrm>
-          <a:prstGeom prst="rect">
-            <a:avLst/>
-          </a:prstGeom>
-          <a:ln>
-            <a:noFill/>
-          </a:ln>
-        </p:spPr>
-      </p:pic>
-      <p:sp>
-        <p:nvSpPr>
-          <p:cNvPr id="62" name="CustomShape 2"/>
+      <p:sp>
+        <p:nvSpPr>
+          <p:cNvPr id="63" name="CustomShape 2"/>
           <p:cNvSpPr/>
           <p:nvPr/>
         </p:nvSpPr>
         <p:spPr>
           <a:xfrm>
-            <a:off x="3018600" y="604080"/>
-            <a:ext cx="6215760" cy="583560"/>
-          </a:xfrm>
-          <a:prstGeom prst="rect">
-            <a:avLst/>
-          </a:prstGeom>
-          <a:solidFill>
-            <a:srgbClr val="ffffff"/>
-          </a:solidFill>
+            <a:off x="136080" y="767160"/>
+            <a:ext cx="9829440" cy="4700520"/>
+          </a:xfrm>
+          <a:prstGeom prst="rect">
+            <a:avLst/>
+          </a:prstGeom>
+          <a:noFill/>
           <a:ln>
             <a:noFill/>
           </a:ln>
@@ -7803,307 +8280,252 @@
               </a:lnSpc>
             </a:pPr>
             <a:r>
-              <a:rPr b="0" lang="en-US" sz="2200" spc="-1" strike="noStrike">
-                <a:solidFill>
-                  <a:srgbClr val="000000"/>
-                </a:solidFill>
-                <a:latin typeface="arial"/>
-                <a:ea typeface="arial"/>
-              </a:rPr>
-              <a:t>Localhost: endereço do meu computador local</a:t>
-            </a:r>
-            <a:endParaRPr b="0" lang="en-US" sz="2200" spc="-1" strike="noStrike">
-              <a:latin typeface="Arial"/>
-            </a:endParaRPr>
-          </a:p>
-        </p:txBody>
-      </p:sp>
-      <p:sp>
-        <p:nvSpPr>
-          <p:cNvPr id="63" name="CustomShape 3"/>
-          <p:cNvSpPr/>
-          <p:nvPr/>
-        </p:nvSpPr>
-        <p:spPr>
-          <a:xfrm flipH="1">
-            <a:off x="2193480" y="656640"/>
-            <a:ext cx="546480" cy="363600"/>
-          </a:xfrm>
-          <a:custGeom>
-            <a:avLst/>
-            <a:gdLst/>
-            <a:ahLst/>
-            <a:rect l="l" t="t" r="r" b="b"/>
-            <a:pathLst>
-              <a:path w="841" h="854">
-                <a:moveTo>
-                  <a:pt x="517" y="247"/>
-                </a:moveTo>
-                <a:lnTo>
-                  <a:pt x="517" y="415"/>
-                </a:lnTo>
-                <a:lnTo>
-                  <a:pt x="264" y="415"/>
-                </a:lnTo>
-                <a:lnTo>
-                  <a:pt x="264" y="0"/>
-                </a:lnTo>
-                <a:lnTo>
-                  <a:pt x="0" y="0"/>
-                </a:lnTo>
-                <a:lnTo>
-                  <a:pt x="0" y="680"/>
-                </a:lnTo>
-                <a:lnTo>
-                  <a:pt x="517" y="680"/>
-                </a:lnTo>
-                <a:lnTo>
-                  <a:pt x="517" y="854"/>
-                </a:lnTo>
-                <a:lnTo>
-                  <a:pt x="841" y="547"/>
-                </a:lnTo>
-                <a:lnTo>
-                  <a:pt x="517" y="247"/>
-                </a:lnTo>
-                <a:close/>
-              </a:path>
-            </a:pathLst>
-          </a:custGeom>
-          <a:solidFill>
-            <a:srgbClr val="729fcf"/>
-          </a:solidFill>
-          <a:ln w="9360">
-            <a:solidFill>
-              <a:srgbClr val="3465a4"/>
-            </a:solidFill>
-            <a:round/>
-          </a:ln>
-        </p:spPr>
-        <p:style>
-          <a:lnRef idx="0"/>
-          <a:fillRef idx="0"/>
-          <a:effectRef idx="0"/>
-          <a:fontRef idx="minor"/>
-        </p:style>
-      </p:sp>
-      <p:sp>
-        <p:nvSpPr>
-          <p:cNvPr id="64" name="CustomShape 4"/>
-          <p:cNvSpPr/>
-          <p:nvPr/>
-        </p:nvSpPr>
-        <p:spPr>
-          <a:xfrm flipH="1">
-            <a:off x="3107880" y="2850480"/>
-            <a:ext cx="546480" cy="363600"/>
-          </a:xfrm>
-          <a:custGeom>
-            <a:avLst/>
-            <a:gdLst/>
-            <a:ahLst/>
-            <a:rect l="l" t="t" r="r" b="b"/>
-            <a:pathLst>
-              <a:path w="841" h="854">
-                <a:moveTo>
-                  <a:pt x="517" y="247"/>
-                </a:moveTo>
-                <a:lnTo>
-                  <a:pt x="517" y="415"/>
-                </a:lnTo>
-                <a:lnTo>
-                  <a:pt x="264" y="415"/>
-                </a:lnTo>
-                <a:lnTo>
-                  <a:pt x="264" y="0"/>
-                </a:lnTo>
-                <a:lnTo>
-                  <a:pt x="0" y="0"/>
-                </a:lnTo>
-                <a:lnTo>
-                  <a:pt x="0" y="680"/>
-                </a:lnTo>
-                <a:lnTo>
-                  <a:pt x="517" y="680"/>
-                </a:lnTo>
-                <a:lnTo>
-                  <a:pt x="517" y="854"/>
-                </a:lnTo>
-                <a:lnTo>
-                  <a:pt x="841" y="547"/>
-                </a:lnTo>
-                <a:lnTo>
-                  <a:pt x="517" y="247"/>
-                </a:lnTo>
-                <a:close/>
-              </a:path>
-            </a:pathLst>
-          </a:custGeom>
-          <a:solidFill>
-            <a:srgbClr val="729fcf"/>
-          </a:solidFill>
-          <a:ln w="9360">
-            <a:solidFill>
-              <a:srgbClr val="3465a4"/>
-            </a:solidFill>
-            <a:round/>
-          </a:ln>
-        </p:spPr>
-        <p:style>
-          <a:lnRef idx="0"/>
-          <a:fillRef idx="0"/>
-          <a:effectRef idx="0"/>
-          <a:fontRef idx="minor"/>
-        </p:style>
-      </p:sp>
-      <p:sp>
-        <p:nvSpPr>
-          <p:cNvPr id="65" name="CustomShape 5"/>
-          <p:cNvSpPr/>
-          <p:nvPr/>
-        </p:nvSpPr>
-        <p:spPr>
-          <a:xfrm>
-            <a:off x="3750120" y="2491200"/>
-            <a:ext cx="5027040" cy="2869560"/>
-          </a:xfrm>
-          <a:prstGeom prst="rect">
-            <a:avLst/>
-          </a:prstGeom>
-          <a:solidFill>
-            <a:srgbClr val="ffffff"/>
-          </a:solidFill>
-          <a:ln>
-            <a:noFill/>
-          </a:ln>
-        </p:spPr>
-        <p:style>
-          <a:lnRef idx="0"/>
-          <a:fillRef idx="0"/>
-          <a:effectRef idx="0"/>
-          <a:fontRef idx="minor"/>
-        </p:style>
-        <p:txBody>
-          <a:bodyPr lIns="90000" rIns="90000" tIns="45000" bIns="45000">
-            <a:noAutofit/>
-          </a:bodyPr>
-          <a:p>
-            <a:pPr>
-              <a:lnSpc>
-                <a:spcPct val="100000"/>
-              </a:lnSpc>
-            </a:pPr>
-            <a:r>
-              <a:rPr b="0" lang="en-US" sz="2200" spc="-1" strike="noStrike">
-                <a:solidFill>
-                  <a:srgbClr val="000000"/>
-                </a:solidFill>
-                <a:latin typeface="arial"/>
-                <a:ea typeface="arial"/>
-              </a:rPr>
-              <a:t>Pastas do diretório do</a:t>
-            </a:r>
-            <a:endParaRPr b="0" lang="en-US" sz="2200" spc="-1" strike="noStrike">
-              <a:latin typeface="Arial"/>
-            </a:endParaRPr>
-          </a:p>
-          <a:p>
-            <a:pPr>
-              <a:lnSpc>
-                <a:spcPct val="100000"/>
-              </a:lnSpc>
-            </a:pPr>
-            <a:r>
-              <a:rPr b="0" lang="en-US" sz="2200" spc="-1" strike="noStrike">
-                <a:solidFill>
-                  <a:srgbClr val="000000"/>
-                </a:solidFill>
-                <a:latin typeface="arial"/>
-                <a:ea typeface="arial"/>
-              </a:rPr>
-              <a:t>curso_python</a:t>
-            </a:r>
-            <a:endParaRPr b="0" lang="en-US" sz="2200" spc="-1" strike="noStrike">
-              <a:latin typeface="Arial"/>
-            </a:endParaRPr>
-          </a:p>
-          <a:p>
-            <a:pPr>
-              <a:lnSpc>
-                <a:spcPct val="100000"/>
-              </a:lnSpc>
-            </a:pPr>
-            <a:endParaRPr b="0" lang="en-US" sz="2200" spc="-1" strike="noStrike">
-              <a:latin typeface="Arial"/>
-            </a:endParaRPr>
-          </a:p>
-          <a:p>
-            <a:pPr>
-              <a:lnSpc>
-                <a:spcPct val="100000"/>
-              </a:lnSpc>
-            </a:pPr>
-            <a:r>
-              <a:rPr b="0" lang="en-US" sz="2200" spc="-1" strike="noStrike">
-                <a:solidFill>
-                  <a:srgbClr val="000000"/>
-                </a:solidFill>
-                <a:latin typeface="arial"/>
-                <a:ea typeface="arial"/>
-              </a:rPr>
-              <a:t>Clique em lecture01</a:t>
-            </a:r>
-            <a:endParaRPr b="0" lang="en-US" sz="2200" spc="-1" strike="noStrike">
-              <a:latin typeface="Arial"/>
-            </a:endParaRPr>
-          </a:p>
-          <a:p>
-            <a:pPr>
-              <a:lnSpc>
-                <a:spcPct val="100000"/>
-              </a:lnSpc>
-            </a:pPr>
-            <a:r>
-              <a:rPr b="0" lang="en-US" sz="2200" spc="-1" strike="noStrike">
-                <a:solidFill>
-                  <a:srgbClr val="000000"/>
-                </a:solidFill>
-                <a:latin typeface="arial"/>
-                <a:ea typeface="arial"/>
-              </a:rPr>
-              <a:t>e entre nesta pasta …</a:t>
-            </a:r>
-            <a:endParaRPr b="0" lang="en-US" sz="2200" spc="-1" strike="noStrike">
-              <a:latin typeface="Arial"/>
-            </a:endParaRPr>
-          </a:p>
-          <a:p>
-            <a:pPr>
-              <a:lnSpc>
-                <a:spcPct val="100000"/>
-              </a:lnSpc>
-            </a:pPr>
-            <a:endParaRPr b="0" lang="en-US" sz="2200" spc="-1" strike="noStrike">
-              <a:latin typeface="Arial"/>
-            </a:endParaRPr>
-          </a:p>
-          <a:p>
-            <a:pPr>
-              <a:lnSpc>
-                <a:spcPct val="100000"/>
-              </a:lnSpc>
-            </a:pPr>
-            <a:r>
-              <a:rPr b="0" lang="en-US" sz="2200" spc="-1" strike="noStrike">
-                <a:solidFill>
-                  <a:srgbClr val="000000"/>
-                </a:solidFill>
-                <a:latin typeface="arial"/>
-                <a:ea typeface="arial"/>
-              </a:rPr>
-              <a:t>Ela estará vazia ou com algum arquivo que já foi criado e depositado no github</a:t>
-            </a:r>
-            <a:endParaRPr b="0" lang="en-US" sz="2200" spc="-1" strike="noStrike">
+              <a:rPr b="0" lang="en-US" sz="2100" spc="-1" strike="noStrike">
+                <a:solidFill>
+                  <a:srgbClr val="000000"/>
+                </a:solidFill>
+                <a:latin typeface="arial"/>
+                <a:ea typeface="arial"/>
+              </a:rPr>
+              <a:t>Na linha de comando (CMD ou Terminal), ativa-se o Python 3.7 e chama-se o Jupyter Notebook. Se você chamou o JN pelo menu ele já fez isto para você.</a:t>
+            </a:r>
+            <a:endParaRPr b="0" lang="en-US" sz="2100" spc="-1" strike="noStrike">
+              <a:latin typeface="Arial"/>
+            </a:endParaRPr>
+          </a:p>
+          <a:p>
+            <a:pPr>
+              <a:lnSpc>
+                <a:spcPct val="100000"/>
+              </a:lnSpc>
+            </a:pPr>
+            <a:endParaRPr b="0" lang="en-US" sz="2100" spc="-1" strike="noStrike">
+              <a:latin typeface="Arial"/>
+            </a:endParaRPr>
+          </a:p>
+          <a:p>
+            <a:pPr>
+              <a:lnSpc>
+                <a:spcPct val="100000"/>
+              </a:lnSpc>
+            </a:pPr>
+            <a:r>
+              <a:rPr b="0" lang="en-US" sz="2100" spc="-1" strike="noStrike">
+                <a:solidFill>
+                  <a:srgbClr val="000000"/>
+                </a:solidFill>
+                <a:latin typeface="arial"/>
+                <a:ea typeface="arial"/>
+              </a:rPr>
+              <a:t>ativando um ambiente, digite na linha de comando:</a:t>
+            </a:r>
+            <a:endParaRPr b="0" lang="en-US" sz="2100" spc="-1" strike="noStrike">
+              <a:latin typeface="Arial"/>
+            </a:endParaRPr>
+          </a:p>
+          <a:p>
+            <a:pPr>
+              <a:lnSpc>
+                <a:spcPct val="100000"/>
+              </a:lnSpc>
+            </a:pPr>
+            <a:r>
+              <a:rPr b="0" lang="en-US" sz="2100" spc="-1" strike="noStrike">
+                <a:solidFill>
+                  <a:srgbClr val="000000"/>
+                </a:solidFill>
+                <a:highlight>
+                  <a:srgbClr val="ffff00"/>
+                </a:highlight>
+                <a:latin typeface="arial"/>
+                <a:ea typeface="arial"/>
+              </a:rPr>
+              <a:t>source activate py_env37  </a:t>
+            </a:r>
+            <a:endParaRPr b="0" lang="en-US" sz="2100" spc="-1" strike="noStrike">
+              <a:latin typeface="Arial"/>
+            </a:endParaRPr>
+          </a:p>
+          <a:p>
+            <a:pPr>
+              <a:lnSpc>
+                <a:spcPct val="100000"/>
+              </a:lnSpc>
+            </a:pPr>
+            <a:r>
+              <a:rPr b="0" lang="en-US" sz="2100" spc="-1" strike="noStrike">
+                <a:solidFill>
+                  <a:srgbClr val="000000"/>
+                </a:solidFill>
+                <a:latin typeface="arial"/>
+                <a:ea typeface="arial"/>
+              </a:rPr>
+              <a:t># em Windows digite somente “</a:t>
+            </a:r>
+            <a:r>
+              <a:rPr b="0" lang="en-US" sz="2100" spc="-1" strike="noStrike">
+                <a:solidFill>
+                  <a:srgbClr val="000000"/>
+                </a:solidFill>
+                <a:highlight>
+                  <a:srgbClr val="ffff00"/>
+                </a:highlight>
+                <a:latin typeface="arial"/>
+                <a:ea typeface="arial"/>
+              </a:rPr>
+              <a:t>activate py_env37</a:t>
+            </a:r>
+            <a:r>
+              <a:rPr b="0" lang="en-US" sz="2100" spc="-1" strike="noStrike">
+                <a:solidFill>
+                  <a:srgbClr val="000000"/>
+                </a:solidFill>
+                <a:latin typeface="arial"/>
+                <a:ea typeface="arial"/>
+              </a:rPr>
+              <a:t>” (sem ‘source’)</a:t>
+            </a:r>
+            <a:endParaRPr b="0" lang="en-US" sz="2100" spc="-1" strike="noStrike">
+              <a:latin typeface="Arial"/>
+            </a:endParaRPr>
+          </a:p>
+          <a:p>
+            <a:pPr>
+              <a:lnSpc>
+                <a:spcPct val="100000"/>
+              </a:lnSpc>
+            </a:pPr>
+            <a:endParaRPr b="0" lang="en-US" sz="2100" spc="-1" strike="noStrike">
+              <a:latin typeface="Arial"/>
+            </a:endParaRPr>
+          </a:p>
+          <a:p>
+            <a:pPr>
+              <a:lnSpc>
+                <a:spcPct val="100000"/>
+              </a:lnSpc>
+            </a:pPr>
+            <a:r>
+              <a:rPr b="0" lang="en-US" sz="2100" spc="-1" strike="noStrike">
+                <a:solidFill>
+                  <a:srgbClr val="000000"/>
+                </a:solidFill>
+                <a:latin typeface="arial"/>
+                <a:ea typeface="arial"/>
+              </a:rPr>
+              <a:t>No computador do Flavio, em especial, aparecerá à esqueda do prompt:</a:t>
+            </a:r>
+            <a:endParaRPr b="0" lang="en-US" sz="2100" spc="-1" strike="noStrike">
+              <a:latin typeface="Arial"/>
+            </a:endParaRPr>
+          </a:p>
+          <a:p>
+            <a:pPr>
+              <a:lnSpc>
+                <a:spcPct val="100000"/>
+              </a:lnSpc>
+            </a:pPr>
+            <a:r>
+              <a:rPr b="0" lang="en-US" sz="2100" spc="-1" strike="noStrike">
+                <a:solidFill>
+                  <a:srgbClr val="000000"/>
+                </a:solidFill>
+                <a:latin typeface="arial"/>
+                <a:ea typeface="arial"/>
+              </a:rPr>
+              <a:t>(py_env37) $</a:t>
+            </a:r>
+            <a:endParaRPr b="0" lang="en-US" sz="2100" spc="-1" strike="noStrike">
+              <a:latin typeface="Arial"/>
+            </a:endParaRPr>
+          </a:p>
+          <a:p>
+            <a:pPr>
+              <a:lnSpc>
+                <a:spcPct val="100000"/>
+              </a:lnSpc>
+            </a:pPr>
+            <a:endParaRPr b="0" lang="en-US" sz="2100" spc="-1" strike="noStrike">
+              <a:latin typeface="Arial"/>
+            </a:endParaRPr>
+          </a:p>
+          <a:p>
+            <a:pPr>
+              <a:lnSpc>
+                <a:spcPct val="100000"/>
+              </a:lnSpc>
+            </a:pPr>
+            <a:r>
+              <a:rPr b="0" lang="en-US" sz="2100" spc="-1" strike="noStrike">
+                <a:solidFill>
+                  <a:srgbClr val="000000"/>
+                </a:solidFill>
+                <a:latin typeface="arial"/>
+                <a:ea typeface="arial"/>
+              </a:rPr>
+              <a:t>Uma vez que seu navegador (browser) já esteja aberto, digite na linha de comando ‘jupyter notebook’, e aparecerá, no seu browser, a interface do Jupyter Notebook como vemos a seguir ….</a:t>
+            </a:r>
+            <a:endParaRPr b="0" lang="en-US" sz="2100" spc="-1" strike="noStrike">
+              <a:latin typeface="Arial"/>
+            </a:endParaRPr>
+          </a:p>
+          <a:p>
+            <a:pPr>
+              <a:lnSpc>
+                <a:spcPct val="100000"/>
+              </a:lnSpc>
+            </a:pPr>
+            <a:endParaRPr b="0" lang="en-US" sz="2100" spc="-1" strike="noStrike">
+              <a:latin typeface="Arial"/>
+            </a:endParaRPr>
+          </a:p>
+          <a:p>
+            <a:pPr>
+              <a:lnSpc>
+                <a:spcPct val="100000"/>
+              </a:lnSpc>
+            </a:pPr>
+            <a:r>
+              <a:rPr b="0" lang="en-US" sz="2100" spc="-1" strike="noStrike">
+                <a:solidFill>
+                  <a:srgbClr val="000000"/>
+                </a:solidFill>
+                <a:latin typeface="arial"/>
+                <a:ea typeface="arial"/>
+              </a:rPr>
+              <a:t>Recomendamos que use o Chrome, Safari ou Firefox</a:t>
+            </a:r>
+            <a:endParaRPr b="0" lang="en-US" sz="2100" spc="-1" strike="noStrike">
+              <a:latin typeface="Arial"/>
+            </a:endParaRPr>
+          </a:p>
+          <a:p>
+            <a:pPr>
+              <a:lnSpc>
+                <a:spcPct val="100000"/>
+              </a:lnSpc>
+            </a:pPr>
+            <a:endParaRPr b="0" lang="en-US" sz="2100" spc="-1" strike="noStrike">
+              <a:latin typeface="Arial"/>
+            </a:endParaRPr>
+          </a:p>
+          <a:p>
+            <a:pPr>
+              <a:lnSpc>
+                <a:spcPct val="100000"/>
+              </a:lnSpc>
+            </a:pPr>
+            <a:endParaRPr b="0" lang="en-US" sz="2100" spc="-1" strike="noStrike">
+              <a:latin typeface="Arial"/>
+            </a:endParaRPr>
+          </a:p>
+          <a:p>
+            <a:pPr>
+              <a:lnSpc>
+                <a:spcPct val="100000"/>
+              </a:lnSpc>
+            </a:pPr>
+            <a:endParaRPr b="0" lang="en-US" sz="2100" spc="-1" strike="noStrike">
               <a:latin typeface="Arial"/>
             </a:endParaRPr>
           </a:p>
@@ -8139,39 +8561,16 @@
           <a:chExt cx="0" cy="0"/>
         </a:xfrm>
       </p:grpSpPr>
-      <p:pic>
-        <p:nvPicPr>
-          <p:cNvPr id="66" name="" descr=""/>
-          <p:cNvPicPr/>
-          <p:nvPr/>
-        </p:nvPicPr>
-        <p:blipFill>
-          <a:blip r:embed="rId1"/>
-          <a:stretch/>
-        </p:blipFill>
-        <p:spPr>
-          <a:xfrm>
-            <a:off x="0" y="1161720"/>
-            <a:ext cx="10079280" cy="2952000"/>
-          </a:xfrm>
-          <a:prstGeom prst="rect">
-            <a:avLst/>
-          </a:prstGeom>
-          <a:ln>
-            <a:noFill/>
-          </a:ln>
-        </p:spPr>
-      </p:pic>
-      <p:sp>
-        <p:nvSpPr>
-          <p:cNvPr id="67" name="CustomShape 1"/>
+      <p:sp>
+        <p:nvSpPr>
+          <p:cNvPr id="64" name="CustomShape 1"/>
           <p:cNvSpPr/>
           <p:nvPr/>
         </p:nvSpPr>
         <p:spPr>
           <a:xfrm>
             <a:off x="0" y="0"/>
-            <a:ext cx="10076760" cy="728280"/>
+            <a:ext cx="10076400" cy="727920"/>
           </a:xfrm>
           <a:prstGeom prst="rect">
             <a:avLst/>
@@ -8218,16 +8617,39 @@
           </a:p>
         </p:txBody>
       </p:sp>
-      <p:sp>
-        <p:nvSpPr>
-          <p:cNvPr id="68" name="CustomShape 2"/>
+      <p:pic>
+        <p:nvPicPr>
+          <p:cNvPr id="65" name="" descr=""/>
+          <p:cNvPicPr/>
+          <p:nvPr/>
+        </p:nvPicPr>
+        <p:blipFill>
+          <a:blip r:embed="rId1"/>
+          <a:stretch/>
+        </p:blipFill>
+        <p:spPr>
+          <a:xfrm>
+            <a:off x="-2520" y="729360"/>
+            <a:ext cx="10078920" cy="4939920"/>
+          </a:xfrm>
+          <a:prstGeom prst="rect">
+            <a:avLst/>
+          </a:prstGeom>
+          <a:ln>
+            <a:noFill/>
+          </a:ln>
+        </p:spPr>
+      </p:pic>
+      <p:sp>
+        <p:nvSpPr>
+          <p:cNvPr id="66" name="CustomShape 2"/>
           <p:cNvSpPr/>
           <p:nvPr/>
         </p:nvSpPr>
         <p:spPr>
           <a:xfrm>
-            <a:off x="7645320" y="776160"/>
-            <a:ext cx="2283840" cy="400680"/>
+            <a:off x="3018600" y="604080"/>
+            <a:ext cx="6215400" cy="583200"/>
           </a:xfrm>
           <a:prstGeom prst="rect">
             <a:avLst/>
@@ -8263,20 +8685,7 @@
                 <a:latin typeface="arial"/>
                 <a:ea typeface="arial"/>
               </a:rPr>
-              <a:t>clique em ‘</a:t>
-            </a:r>
-            <a:r>
-              <a:rPr b="0" lang="en-US" sz="2200" spc="-1" strike="noStrike">
-                <a:solidFill>
-                  <a:srgbClr val="000000"/>
-                </a:solidFill>
-                <a:highlight>
-                  <a:srgbClr val="ffff00"/>
-                </a:highlight>
-                <a:latin typeface="arial"/>
-                <a:ea typeface="arial"/>
-              </a:rPr>
-              <a:t>New’</a:t>
+              <a:t>Localhost: endereço do meu computador local</a:t>
             </a:r>
             <a:endParaRPr b="0" lang="en-US" sz="2200" spc="-1" strike="noStrike">
               <a:latin typeface="Arial"/>
@@ -8286,14 +8695,14 @@
       </p:sp>
       <p:sp>
         <p:nvSpPr>
-          <p:cNvPr id="69" name="CustomShape 3"/>
+          <p:cNvPr id="67" name="CustomShape 3"/>
           <p:cNvSpPr/>
           <p:nvPr/>
         </p:nvSpPr>
         <p:spPr>
-          <a:xfrm flipH="1" rot="16095600">
-            <a:off x="9209880" y="1395360"/>
-            <a:ext cx="546480" cy="456120"/>
+          <a:xfrm flipH="1">
+            <a:off x="2192760" y="656640"/>
+            <a:ext cx="546120" cy="363240"/>
           </a:xfrm>
           <a:custGeom>
             <a:avLst/>
@@ -8355,14 +8764,14 @@
       </p:sp>
       <p:sp>
         <p:nvSpPr>
-          <p:cNvPr id="70" name="CustomShape 4"/>
+          <p:cNvPr id="68" name="CustomShape 4"/>
           <p:cNvSpPr/>
           <p:nvPr/>
         </p:nvSpPr>
         <p:spPr>
-          <a:xfrm flipH="1" rot="5400600">
-            <a:off x="1479240" y="3310200"/>
-            <a:ext cx="699480" cy="543600"/>
+          <a:xfrm flipH="1">
+            <a:off x="3107160" y="2850480"/>
+            <a:ext cx="546120" cy="363240"/>
           </a:xfrm>
           <a:custGeom>
             <a:avLst/>
@@ -8424,14 +8833,14 @@
       </p:sp>
       <p:sp>
         <p:nvSpPr>
-          <p:cNvPr id="71" name="CustomShape 5"/>
+          <p:cNvPr id="69" name="CustomShape 5"/>
           <p:cNvSpPr/>
           <p:nvPr/>
         </p:nvSpPr>
         <p:spPr>
           <a:xfrm>
-            <a:off x="2377440" y="3291840"/>
-            <a:ext cx="3107880" cy="1187640"/>
+            <a:off x="3750120" y="2491200"/>
+            <a:ext cx="5026680" cy="2869200"/>
           </a:xfrm>
           <a:prstGeom prst="rect">
             <a:avLst/>
@@ -8467,45 +8876,12 @@
                 <a:latin typeface="arial"/>
                 <a:ea typeface="arial"/>
               </a:rPr>
-              <a:t>No meu caso, neste momento, esta pasta está vazia</a:t>
+              <a:t>Pastas do diretório do</a:t>
             </a:r>
             <a:endParaRPr b="0" lang="en-US" sz="2200" spc="-1" strike="noStrike">
               <a:latin typeface="Arial"/>
             </a:endParaRPr>
           </a:p>
-        </p:txBody>
-      </p:sp>
-      <p:sp>
-        <p:nvSpPr>
-          <p:cNvPr id="72" name="CustomShape 6"/>
-          <p:cNvSpPr/>
-          <p:nvPr/>
-        </p:nvSpPr>
-        <p:spPr>
-          <a:xfrm>
-            <a:off x="5009760" y="2288160"/>
-            <a:ext cx="3382200" cy="400680"/>
-          </a:xfrm>
-          <a:prstGeom prst="rect">
-            <a:avLst/>
-          </a:prstGeom>
-          <a:solidFill>
-            <a:srgbClr val="ffffff"/>
-          </a:solidFill>
-          <a:ln>
-            <a:noFill/>
-          </a:ln>
-        </p:spPr>
-        <p:style>
-          <a:lnRef idx="0"/>
-          <a:fillRef idx="0"/>
-          <a:effectRef idx="0"/>
-          <a:fontRef idx="minor"/>
-        </p:style>
-        <p:txBody>
-          <a:bodyPr lIns="90000" rIns="90000" tIns="45000" bIns="45000">
-            <a:noAutofit/>
-          </a:bodyPr>
           <a:p>
             <a:pPr>
               <a:lnSpc>
@@ -8520,20 +8896,87 @@
                 <a:latin typeface="arial"/>
                 <a:ea typeface="arial"/>
               </a:rPr>
-              <a:t>e depois em ‘</a:t>
-            </a:r>
+              <a:t>curso_python</a:t>
+            </a:r>
+            <a:endParaRPr b="0" lang="en-US" sz="2200" spc="-1" strike="noStrike">
+              <a:latin typeface="Arial"/>
+            </a:endParaRPr>
+          </a:p>
+          <a:p>
+            <a:pPr>
+              <a:lnSpc>
+                <a:spcPct val="100000"/>
+              </a:lnSpc>
+            </a:pPr>
+            <a:endParaRPr b="0" lang="en-US" sz="2200" spc="-1" strike="noStrike">
+              <a:latin typeface="Arial"/>
+            </a:endParaRPr>
+          </a:p>
+          <a:p>
+            <a:pPr>
+              <a:lnSpc>
+                <a:spcPct val="100000"/>
+              </a:lnSpc>
+            </a:pPr>
             <a:r>
               <a:rPr b="0" lang="en-US" sz="2200" spc="-1" strike="noStrike">
                 <a:solidFill>
                   <a:srgbClr val="000000"/>
                 </a:solidFill>
-                <a:highlight>
-                  <a:srgbClr val="ffff00"/>
-                </a:highlight>
-                <a:latin typeface="arial"/>
-                <a:ea typeface="arial"/>
-              </a:rPr>
-              <a:t>Python 3’ →</a:t>
+                <a:latin typeface="arial"/>
+                <a:ea typeface="arial"/>
+              </a:rPr>
+              <a:t>Clique em lecture01</a:t>
+            </a:r>
+            <a:endParaRPr b="0" lang="en-US" sz="2200" spc="-1" strike="noStrike">
+              <a:latin typeface="Arial"/>
+            </a:endParaRPr>
+          </a:p>
+          <a:p>
+            <a:pPr>
+              <a:lnSpc>
+                <a:spcPct val="100000"/>
+              </a:lnSpc>
+            </a:pPr>
+            <a:r>
+              <a:rPr b="0" lang="en-US" sz="2200" spc="-1" strike="noStrike">
+                <a:solidFill>
+                  <a:srgbClr val="000000"/>
+                </a:solidFill>
+                <a:latin typeface="arial"/>
+                <a:ea typeface="arial"/>
+              </a:rPr>
+              <a:t>e entre nesta pasta …</a:t>
+            </a:r>
+            <a:endParaRPr b="0" lang="en-US" sz="2200" spc="-1" strike="noStrike">
+              <a:latin typeface="Arial"/>
+            </a:endParaRPr>
+          </a:p>
+          <a:p>
+            <a:pPr>
+              <a:lnSpc>
+                <a:spcPct val="100000"/>
+              </a:lnSpc>
+            </a:pPr>
+            <a:endParaRPr b="0" lang="en-US" sz="2200" spc="-1" strike="noStrike">
+              <a:latin typeface="Arial"/>
+            </a:endParaRPr>
+          </a:p>
+          <a:p>
+            <a:pPr>
+              <a:lnSpc>
+                <a:spcPct val="100000"/>
+              </a:lnSpc>
+            </a:pPr>
+            <a:r>
+              <a:rPr b="0" lang="en-US" sz="2200" spc="-1" strike="noStrike">
+                <a:solidFill>
+                  <a:srgbClr val="000000"/>
+                </a:solidFill>
+                <a:latin typeface="arial"/>
+                <a:ea typeface="arial"/>
+              </a:rPr>
+              <a:t>Ela estará vazia ou com algum arquivo que já foi criado e depositado no github</a:t>
             </a:r>
             <a:endParaRPr b="0" lang="en-US" sz="2200" spc="-1" strike="noStrike">
               <a:latin typeface="Arial"/>
